--- a/docs/part1ca/15_Optimize/CA_Lecture_15.pptx
+++ b/docs/part1ca/15_Optimize/CA_Lecture_15.pptx
@@ -5,21 +5,29 @@
     <p:sldMasterId id="2147483648" r:id="rId1"/>
   </p:sldMasterIdLst>
   <p:notesMasterIdLst>
-    <p:notesMasterId r:id="rId11"/>
+    <p:notesMasterId r:id="rId19"/>
   </p:notesMasterIdLst>
   <p:handoutMasterIdLst>
-    <p:handoutMasterId r:id="rId12"/>
+    <p:handoutMasterId r:id="rId20"/>
   </p:handoutMasterIdLst>
   <p:sldIdLst>
     <p:sldId id="256" r:id="rId2"/>
     <p:sldId id="273" r:id="rId3"/>
     <p:sldId id="274" r:id="rId4"/>
-    <p:sldId id="276" r:id="rId5"/>
-    <p:sldId id="277" r:id="rId6"/>
-    <p:sldId id="278" r:id="rId7"/>
-    <p:sldId id="279" r:id="rId8"/>
-    <p:sldId id="275" r:id="rId9"/>
-    <p:sldId id="272" r:id="rId10"/>
+    <p:sldId id="280" r:id="rId5"/>
+    <p:sldId id="276" r:id="rId6"/>
+    <p:sldId id="277" r:id="rId7"/>
+    <p:sldId id="278" r:id="rId8"/>
+    <p:sldId id="279" r:id="rId9"/>
+    <p:sldId id="281" r:id="rId10"/>
+    <p:sldId id="282" r:id="rId11"/>
+    <p:sldId id="283" r:id="rId12"/>
+    <p:sldId id="284" r:id="rId13"/>
+    <p:sldId id="285" r:id="rId14"/>
+    <p:sldId id="286" r:id="rId15"/>
+    <p:sldId id="287" r:id="rId16"/>
+    <p:sldId id="275" r:id="rId17"/>
+    <p:sldId id="272" r:id="rId18"/>
   </p:sldIdLst>
   <p:sldSz cx="12192000" cy="6858000"/>
   <p:notesSz cx="6858000" cy="9144000"/>
@@ -120,7 +128,7 @@
   </p:defaultTextStyle>
   <p:extLst>
     <p:ext uri="{EFAFB233-063F-42B5-8137-9DF3F51BA10A}">
-      <p15:sldGuideLst xmlns:p15="http://schemas.microsoft.com/office/powerpoint/2012/main" xmlns="">
+      <p15:sldGuideLst xmlns:p15="http://schemas.microsoft.com/office/powerpoint/2012/main">
         <p15:guide id="1" orient="horz" pos="2160">
           <p15:clr>
             <a:srgbClr val="A4A3A4"/>
@@ -134,7 +142,7 @@
       </p15:sldGuideLst>
     </p:ext>
     <p:ext uri="{2D200454-40CA-4A62-9FC3-DE9A4176ACB9}">
-      <p15:notesGuideLst xmlns:p15="http://schemas.microsoft.com/office/powerpoint/2012/main" xmlns="">
+      <p15:notesGuideLst xmlns:p15="http://schemas.microsoft.com/office/powerpoint/2012/main">
         <p15:guide id="1" orient="horz" pos="2880">
           <p15:clr>
             <a:srgbClr val="A4A3A4"/>
@@ -318,7 +326,7 @@
     </p:spTree>
     <p:extLst>
       <p:ext uri="{BB962C8B-B14F-4D97-AF65-F5344CB8AC3E}">
-        <p14:creationId xmlns:p14="http://schemas.microsoft.com/office/powerpoint/2010/main" xmlns="" val="827279973"/>
+        <p14:creationId xmlns:p14="http://schemas.microsoft.com/office/powerpoint/2010/main" val="827279973"/>
       </p:ext>
     </p:extLst>
   </p:cSld>
@@ -579,7 +587,7 @@
     </p:spTree>
     <p:extLst>
       <p:ext uri="{BB962C8B-B14F-4D97-AF65-F5344CB8AC3E}">
-        <p14:creationId xmlns:p14="http://schemas.microsoft.com/office/powerpoint/2010/main" xmlns="" val="3865021395"/>
+        <p14:creationId xmlns:p14="http://schemas.microsoft.com/office/powerpoint/2010/main" val="3865021395"/>
       </p:ext>
     </p:extLst>
   </p:cSld>
@@ -793,7 +801,7 @@
     </p:spTree>
     <p:extLst>
       <p:ext uri="{BB962C8B-B14F-4D97-AF65-F5344CB8AC3E}">
-        <p14:creationId xmlns:p14="http://schemas.microsoft.com/office/powerpoint/2010/main" xmlns="" val="2381791527"/>
+        <p14:creationId xmlns:p14="http://schemas.microsoft.com/office/powerpoint/2010/main" val="2381791527"/>
       </p:ext>
     </p:extLst>
   </p:cSld>
@@ -907,7 +915,7 @@
             <a:fld id="{5583B3A5-99BF-45D9-956B-DC57CC23AD97}" type="slidenum">
               <a:rPr lang="ru-RU" smtClean="0"/>
               <a:pPr/>
-              <a:t>9</a:t>
+              <a:t>17</a:t>
             </a:fld>
             <a:endParaRPr lang="ru-RU"/>
           </a:p>
@@ -916,7 +924,7 @@
     </p:spTree>
     <p:extLst>
       <p:ext uri="{BB962C8B-B14F-4D97-AF65-F5344CB8AC3E}">
-        <p14:creationId xmlns:p14="http://schemas.microsoft.com/office/powerpoint/2010/main" xmlns="" val="1915950851"/>
+        <p14:creationId xmlns:p14="http://schemas.microsoft.com/office/powerpoint/2010/main" val="1915950851"/>
       </p:ext>
     </p:extLst>
   </p:cSld>
@@ -1176,7 +1184,7 @@
     </p:spTree>
     <p:extLst>
       <p:ext uri="{BB962C8B-B14F-4D97-AF65-F5344CB8AC3E}">
-        <p14:creationId xmlns:p14="http://schemas.microsoft.com/office/powerpoint/2010/main" xmlns="" val="322455162"/>
+        <p14:creationId xmlns:p14="http://schemas.microsoft.com/office/powerpoint/2010/main" val="322455162"/>
       </p:ext>
     </p:extLst>
   </p:cSld>
@@ -1350,7 +1358,7 @@
     </p:spTree>
     <p:extLst>
       <p:ext uri="{BB962C8B-B14F-4D97-AF65-F5344CB8AC3E}">
-        <p14:creationId xmlns:p14="http://schemas.microsoft.com/office/powerpoint/2010/main" xmlns="" val="971117636"/>
+        <p14:creationId xmlns:p14="http://schemas.microsoft.com/office/powerpoint/2010/main" val="971117636"/>
       </p:ext>
     </p:extLst>
   </p:cSld>
@@ -1527,7 +1535,7 @@
     </p:spTree>
     <p:extLst>
       <p:ext uri="{BB962C8B-B14F-4D97-AF65-F5344CB8AC3E}">
-        <p14:creationId xmlns:p14="http://schemas.microsoft.com/office/powerpoint/2010/main" xmlns="" val="3348877825"/>
+        <p14:creationId xmlns:p14="http://schemas.microsoft.com/office/powerpoint/2010/main" val="3348877825"/>
       </p:ext>
     </p:extLst>
   </p:cSld>
@@ -1852,7 +1860,7 @@
     </p:spTree>
     <p:extLst>
       <p:ext uri="{BB962C8B-B14F-4D97-AF65-F5344CB8AC3E}">
-        <p14:creationId xmlns:p14="http://schemas.microsoft.com/office/powerpoint/2010/main" xmlns="" val="3256953994"/>
+        <p14:creationId xmlns:p14="http://schemas.microsoft.com/office/powerpoint/2010/main" val="3256953994"/>
       </p:ext>
     </p:extLst>
   </p:cSld>
@@ -2102,7 +2110,7 @@
     </p:spTree>
     <p:extLst>
       <p:ext uri="{BB962C8B-B14F-4D97-AF65-F5344CB8AC3E}">
-        <p14:creationId xmlns:p14="http://schemas.microsoft.com/office/powerpoint/2010/main" xmlns="" val="3067076846"/>
+        <p14:creationId xmlns:p14="http://schemas.microsoft.com/office/powerpoint/2010/main" val="3067076846"/>
       </p:ext>
     </p:extLst>
   </p:cSld>
@@ -2338,7 +2346,7 @@
     </p:spTree>
     <p:extLst>
       <p:ext uri="{BB962C8B-B14F-4D97-AF65-F5344CB8AC3E}">
-        <p14:creationId xmlns:p14="http://schemas.microsoft.com/office/powerpoint/2010/main" xmlns="" val="3710015975"/>
+        <p14:creationId xmlns:p14="http://schemas.microsoft.com/office/powerpoint/2010/main" val="3710015975"/>
       </p:ext>
     </p:extLst>
   </p:cSld>
@@ -2709,7 +2717,7 @@
     </p:spTree>
     <p:extLst>
       <p:ext uri="{BB962C8B-B14F-4D97-AF65-F5344CB8AC3E}">
-        <p14:creationId xmlns:p14="http://schemas.microsoft.com/office/powerpoint/2010/main" xmlns="" val="4075590966"/>
+        <p14:creationId xmlns:p14="http://schemas.microsoft.com/office/powerpoint/2010/main" val="4075590966"/>
       </p:ext>
     </p:extLst>
   </p:cSld>
@@ -2831,7 +2839,7 @@
     </p:spTree>
     <p:extLst>
       <p:ext uri="{BB962C8B-B14F-4D97-AF65-F5344CB8AC3E}">
-        <p14:creationId xmlns:p14="http://schemas.microsoft.com/office/powerpoint/2010/main" xmlns="" val="2889604898"/>
+        <p14:creationId xmlns:p14="http://schemas.microsoft.com/office/powerpoint/2010/main" val="2889604898"/>
       </p:ext>
     </p:extLst>
   </p:cSld>
@@ -2930,7 +2938,7 @@
     </p:spTree>
     <p:extLst>
       <p:ext uri="{BB962C8B-B14F-4D97-AF65-F5344CB8AC3E}">
-        <p14:creationId xmlns:p14="http://schemas.microsoft.com/office/powerpoint/2010/main" xmlns="" val="152384765"/>
+        <p14:creationId xmlns:p14="http://schemas.microsoft.com/office/powerpoint/2010/main" val="152384765"/>
       </p:ext>
     </p:extLst>
   </p:cSld>
@@ -3211,7 +3219,7 @@
     </p:spTree>
     <p:extLst>
       <p:ext uri="{BB962C8B-B14F-4D97-AF65-F5344CB8AC3E}">
-        <p14:creationId xmlns:p14="http://schemas.microsoft.com/office/powerpoint/2010/main" xmlns="" val="2127791886"/>
+        <p14:creationId xmlns:p14="http://schemas.microsoft.com/office/powerpoint/2010/main" val="2127791886"/>
       </p:ext>
     </p:extLst>
   </p:cSld>
@@ -3468,7 +3476,7 @@
     </p:spTree>
     <p:extLst>
       <p:ext uri="{BB962C8B-B14F-4D97-AF65-F5344CB8AC3E}">
-        <p14:creationId xmlns:p14="http://schemas.microsoft.com/office/powerpoint/2010/main" xmlns="" val="1752705130"/>
+        <p14:creationId xmlns:p14="http://schemas.microsoft.com/office/powerpoint/2010/main" val="1752705130"/>
       </p:ext>
     </p:extLst>
   </p:cSld>
@@ -3721,7 +3729,7 @@
     </p:spTree>
     <p:extLst>
       <p:ext uri="{BB962C8B-B14F-4D97-AF65-F5344CB8AC3E}">
-        <p14:creationId xmlns:p14="http://schemas.microsoft.com/office/powerpoint/2010/main" xmlns="" val="968833914"/>
+        <p14:creationId xmlns:p14="http://schemas.microsoft.com/office/powerpoint/2010/main" val="968833914"/>
       </p:ext>
     </p:extLst>
   </p:cSld>
@@ -4198,7 +4206,3185 @@
     </p:spTree>
     <p:extLst>
       <p:ext uri="{BB962C8B-B14F-4D97-AF65-F5344CB8AC3E}">
-        <p14:creationId xmlns:p14="http://schemas.microsoft.com/office/powerpoint/2010/main" xmlns="" val="2492894732"/>
+        <p14:creationId xmlns:p14="http://schemas.microsoft.com/office/powerpoint/2010/main" val="2492894732"/>
+      </p:ext>
+    </p:extLst>
+  </p:cSld>
+  <p:clrMapOvr>
+    <a:masterClrMapping/>
+  </p:clrMapOvr>
+  <p:timing>
+    <p:tnLst>
+      <p:par>
+        <p:cTn id="1" dur="indefinite" restart="never" nodeType="tmRoot"/>
+      </p:par>
+    </p:tnLst>
+  </p:timing>
+</p:sld>
+</file>
+
+<file path=ppt/slides/slide10.xml><?xml version="1.0" encoding="utf-8"?>
+<p:sld xmlns:a="http://schemas.openxmlformats.org/drawingml/2006/main" xmlns:r="http://schemas.openxmlformats.org/officeDocument/2006/relationships" xmlns:p="http://schemas.openxmlformats.org/presentationml/2006/main">
+  <p:cSld>
+    <p:spTree>
+      <p:nvGrpSpPr>
+        <p:cNvPr id="1" name=""/>
+        <p:cNvGrpSpPr/>
+        <p:nvPr/>
+      </p:nvGrpSpPr>
+      <p:grpSpPr>
+        <a:xfrm>
+          <a:off x="0" y="0"/>
+          <a:ext cx="0" cy="0"/>
+          <a:chOff x="0" y="0"/>
+          <a:chExt cx="0" cy="0"/>
+        </a:xfrm>
+      </p:grpSpPr>
+      <p:sp>
+        <p:nvSpPr>
+          <p:cNvPr id="2" name="Content Placeholder 1"/>
+          <p:cNvSpPr>
+            <a:spLocks noGrp="1"/>
+          </p:cNvSpPr>
+          <p:nvPr>
+            <p:ph idx="1"/>
+          </p:nvPr>
+        </p:nvSpPr>
+        <p:spPr>
+          <a:xfrm>
+            <a:off x="838200" y="1031749"/>
+            <a:ext cx="10515600" cy="2296667"/>
+          </a:xfrm>
+        </p:spPr>
+        <p:txBody>
+          <a:bodyPr/>
+          <a:lstStyle/>
+          <a:p>
+            <a:r>
+              <a:rPr lang="en-US" dirty="0"/>
+              <a:t>The idea of loop fusion — also called jamming — is </a:t>
+            </a:r>
+            <a:r>
+              <a:rPr lang="en-US" dirty="0" smtClean="0"/>
+              <a:t>to combine </a:t>
+            </a:r>
+            <a:r>
+              <a:rPr lang="en-US" dirty="0"/>
+              <a:t>multiple loops over the same index </a:t>
+            </a:r>
+            <a:r>
+              <a:rPr lang="en-US" dirty="0" smtClean="0"/>
+              <a:t>range into </a:t>
+            </a:r>
+            <a:r>
+              <a:rPr lang="en-US" dirty="0"/>
+              <a:t>a single loop body, thereby saving the overhead </a:t>
+            </a:r>
+            <a:r>
+              <a:rPr lang="en-US" dirty="0" smtClean="0"/>
+              <a:t>f </a:t>
+            </a:r>
+            <a:r>
+              <a:rPr lang="en-US" dirty="0"/>
+              <a:t>loop control.</a:t>
+            </a:r>
+          </a:p>
+        </p:txBody>
+      </p:sp>
+      <p:sp>
+        <p:nvSpPr>
+          <p:cNvPr id="3" name="Slide Number Placeholder 2"/>
+          <p:cNvSpPr>
+            <a:spLocks noGrp="1"/>
+          </p:cNvSpPr>
+          <p:nvPr>
+            <p:ph type="sldNum" sz="quarter" idx="12"/>
+          </p:nvPr>
+        </p:nvSpPr>
+        <p:spPr/>
+        <p:txBody>
+          <a:bodyPr/>
+          <a:lstStyle/>
+          <a:p>
+            <a:pPr algn="ctr"/>
+            <a:fld id="{1397BFD8-F312-4EF2-A268-44FB4BDDBBB0}" type="slidenum">
+              <a:rPr lang="ru-RU" smtClean="0"/>
+              <a:pPr algn="ctr"/>
+              <a:t>10</a:t>
+            </a:fld>
+            <a:endParaRPr lang="ru-RU" dirty="0"/>
+          </a:p>
+        </p:txBody>
+      </p:sp>
+      <p:sp>
+        <p:nvSpPr>
+          <p:cNvPr id="4" name="Title 3"/>
+          <p:cNvSpPr>
+            <a:spLocks noGrp="1"/>
+          </p:cNvSpPr>
+          <p:nvPr>
+            <p:ph type="title"/>
+          </p:nvPr>
+        </p:nvSpPr>
+        <p:spPr/>
+        <p:txBody>
+          <a:bodyPr/>
+          <a:lstStyle/>
+          <a:p>
+            <a:r>
+              <a:rPr lang="en-US" dirty="0"/>
+              <a:t>Loop Fusion</a:t>
+            </a:r>
+          </a:p>
+        </p:txBody>
+      </p:sp>
+      <p:sp>
+        <p:nvSpPr>
+          <p:cNvPr id="5" name="Rectangle 1"/>
+          <p:cNvSpPr>
+            <a:spLocks noChangeArrowheads="1"/>
+          </p:cNvSpPr>
+          <p:nvPr/>
+        </p:nvSpPr>
+        <p:spPr bwMode="auto">
+          <a:xfrm>
+            <a:off x="3206496" y="3060120"/>
+            <a:ext cx="6016752" cy="1938992"/>
+          </a:xfrm>
+          <a:prstGeom prst="rect">
+            <a:avLst/>
+          </a:prstGeom>
+          <a:solidFill>
+            <a:srgbClr val="FFFFFF"/>
+          </a:solidFill>
+          <a:ln>
+            <a:noFill/>
+          </a:ln>
+          <a:effectLst/>
+          <a:extLst>
+            <a:ext uri="{91240B29-F687-4F45-9708-019B960494DF}">
+              <a14:hiddenLine xmlns:a14="http://schemas.microsoft.com/office/drawing/2010/main" w="9525">
+                <a:solidFill>
+                  <a:schemeClr val="tx1"/>
+                </a:solidFill>
+                <a:miter lim="800000"/>
+                <a:headEnd/>
+                <a:tailEnd/>
+              </a14:hiddenLine>
+            </a:ext>
+            <a:ext uri="{AF507438-7753-43E0-B8FC-AC1667EBCBE1}">
+              <a14:hiddenEffects xmlns:a14="http://schemas.microsoft.com/office/drawing/2010/main">
+                <a:effectLst>
+                  <a:outerShdw dist="35921" dir="2700000" algn="ctr" rotWithShape="0">
+                    <a:schemeClr val="bg2"/>
+                  </a:outerShdw>
+                </a:effectLst>
+              </a14:hiddenEffects>
+            </a:ext>
+          </a:extLst>
+        </p:spPr>
+        <p:txBody>
+          <a:bodyPr vert="horz" wrap="square" lIns="91440" tIns="45720" rIns="91440" bIns="45720" numCol="1" anchor="ctr" anchorCtr="0" compatLnSpc="1">
+            <a:prstTxWarp prst="textNoShape">
+              <a:avLst/>
+            </a:prstTxWarp>
+            <a:spAutoFit/>
+          </a:bodyPr>
+          <a:lstStyle/>
+          <a:p>
+            <a:pPr marL="0" marR="0" lvl="0" indent="0" algn="l" defTabSz="914400" rtl="0" eaLnBrk="0" fontAlgn="base" latinLnBrk="0" hangingPunct="0">
+              <a:lnSpc>
+                <a:spcPct val="100000"/>
+              </a:lnSpc>
+              <a:spcBef>
+                <a:spcPct val="0"/>
+              </a:spcBef>
+              <a:spcAft>
+                <a:spcPct val="0"/>
+              </a:spcAft>
+              <a:buClrTx/>
+              <a:buSzTx/>
+              <a:buFontTx/>
+              <a:buNone/>
+              <a:tabLst/>
+            </a:pPr>
+            <a:r>
+              <a:rPr kumimoji="0" lang="en-US" altLang="en-US" sz="2000" b="1" i="0" u="none" strike="noStrike" cap="none" normalizeH="0" baseline="0" dirty="0" smtClean="0">
+                <a:ln>
+                  <a:noFill/>
+                </a:ln>
+                <a:solidFill>
+                  <a:srgbClr val="000080"/>
+                </a:solidFill>
+                <a:effectLst/>
+                <a:latin typeface="Consolas" panose="020B0609020204030204" pitchFamily="49" charset="0"/>
+              </a:rPr>
+              <a:t>for </a:t>
+            </a:r>
+            <a:r>
+              <a:rPr kumimoji="0" lang="en-US" altLang="en-US" sz="2000" b="0" i="0" u="none" strike="noStrike" cap="none" normalizeH="0" baseline="0" dirty="0" smtClean="0">
+                <a:ln>
+                  <a:noFill/>
+                </a:ln>
+                <a:solidFill>
+                  <a:srgbClr val="000000"/>
+                </a:solidFill>
+                <a:effectLst/>
+                <a:latin typeface="Consolas" panose="020B0609020204030204" pitchFamily="49" charset="0"/>
+              </a:rPr>
+              <a:t>(</a:t>
+            </a:r>
+            <a:r>
+              <a:rPr kumimoji="0" lang="en-US" altLang="en-US" sz="2000" b="1" i="0" u="none" strike="noStrike" cap="none" normalizeH="0" baseline="0" dirty="0" err="1" smtClean="0">
+                <a:ln>
+                  <a:noFill/>
+                </a:ln>
+                <a:solidFill>
+                  <a:srgbClr val="000080"/>
+                </a:solidFill>
+                <a:effectLst/>
+                <a:latin typeface="Consolas" panose="020B0609020204030204" pitchFamily="49" charset="0"/>
+              </a:rPr>
+              <a:t>int</a:t>
+            </a:r>
+            <a:r>
+              <a:rPr kumimoji="0" lang="en-US" altLang="en-US" sz="2000" b="1" i="0" u="none" strike="noStrike" cap="none" normalizeH="0" baseline="0" dirty="0" smtClean="0">
+                <a:ln>
+                  <a:noFill/>
+                </a:ln>
+                <a:solidFill>
+                  <a:srgbClr val="000080"/>
+                </a:solidFill>
+                <a:effectLst/>
+                <a:latin typeface="Consolas" panose="020B0609020204030204" pitchFamily="49" charset="0"/>
+              </a:rPr>
+              <a:t> </a:t>
+            </a:r>
+            <a:r>
+              <a:rPr kumimoji="0" lang="en-US" altLang="en-US" sz="2000" b="0" i="0" u="none" strike="noStrike" cap="none" normalizeH="0" baseline="0" dirty="0" err="1" smtClean="0">
+                <a:ln>
+                  <a:noFill/>
+                </a:ln>
+                <a:solidFill>
+                  <a:srgbClr val="000000"/>
+                </a:solidFill>
+                <a:effectLst/>
+                <a:latin typeface="Consolas" panose="020B0609020204030204" pitchFamily="49" charset="0"/>
+              </a:rPr>
+              <a:t>i</a:t>
+            </a:r>
+            <a:r>
+              <a:rPr kumimoji="0" lang="en-US" altLang="en-US" sz="2000" b="0" i="0" u="none" strike="noStrike" cap="none" normalizeH="0" baseline="0" dirty="0" smtClean="0">
+                <a:ln>
+                  <a:noFill/>
+                </a:ln>
+                <a:solidFill>
+                  <a:srgbClr val="000000"/>
+                </a:solidFill>
+                <a:effectLst/>
+                <a:latin typeface="Consolas" panose="020B0609020204030204" pitchFamily="49" charset="0"/>
+              </a:rPr>
+              <a:t> = </a:t>
+            </a:r>
+            <a:r>
+              <a:rPr kumimoji="0" lang="en-US" altLang="en-US" sz="2000" b="0" i="0" u="none" strike="noStrike" cap="none" normalizeH="0" baseline="0" dirty="0" smtClean="0">
+                <a:ln>
+                  <a:noFill/>
+                </a:ln>
+                <a:solidFill>
+                  <a:srgbClr val="0000FF"/>
+                </a:solidFill>
+                <a:effectLst/>
+                <a:latin typeface="Consolas" panose="020B0609020204030204" pitchFamily="49" charset="0"/>
+              </a:rPr>
+              <a:t>0</a:t>
+            </a:r>
+            <a:r>
+              <a:rPr kumimoji="0" lang="en-US" altLang="en-US" sz="2000" b="0" i="0" u="none" strike="noStrike" cap="none" normalizeH="0" baseline="0" dirty="0" smtClean="0">
+                <a:ln>
+                  <a:noFill/>
+                </a:ln>
+                <a:solidFill>
+                  <a:srgbClr val="000000"/>
+                </a:solidFill>
+                <a:effectLst/>
+                <a:latin typeface="Consolas" panose="020B0609020204030204" pitchFamily="49" charset="0"/>
+              </a:rPr>
+              <a:t>; </a:t>
+            </a:r>
+            <a:r>
+              <a:rPr kumimoji="0" lang="en-US" altLang="en-US" sz="2000" b="0" i="0" u="none" strike="noStrike" cap="none" normalizeH="0" baseline="0" dirty="0" err="1" smtClean="0">
+                <a:ln>
+                  <a:noFill/>
+                </a:ln>
+                <a:solidFill>
+                  <a:srgbClr val="000000"/>
+                </a:solidFill>
+                <a:effectLst/>
+                <a:latin typeface="Consolas" panose="020B0609020204030204" pitchFamily="49" charset="0"/>
+              </a:rPr>
+              <a:t>i</a:t>
+            </a:r>
+            <a:r>
+              <a:rPr kumimoji="0" lang="en-US" altLang="en-US" sz="2000" b="0" i="0" u="none" strike="noStrike" cap="none" normalizeH="0" baseline="0" dirty="0" smtClean="0">
+                <a:ln>
+                  <a:noFill/>
+                </a:ln>
+                <a:solidFill>
+                  <a:srgbClr val="000000"/>
+                </a:solidFill>
+                <a:effectLst/>
+                <a:latin typeface="Consolas" panose="020B0609020204030204" pitchFamily="49" charset="0"/>
+              </a:rPr>
+              <a:t> + n; ++</a:t>
+            </a:r>
+            <a:r>
+              <a:rPr kumimoji="0" lang="en-US" altLang="en-US" sz="2000" b="0" i="0" u="none" strike="noStrike" cap="none" normalizeH="0" baseline="0" dirty="0" err="1" smtClean="0">
+                <a:ln>
+                  <a:noFill/>
+                </a:ln>
+                <a:solidFill>
+                  <a:srgbClr val="000000"/>
+                </a:solidFill>
+                <a:effectLst/>
+                <a:latin typeface="Consolas" panose="020B0609020204030204" pitchFamily="49" charset="0"/>
+              </a:rPr>
+              <a:t>i</a:t>
+            </a:r>
+            <a:r>
+              <a:rPr kumimoji="0" lang="en-US" altLang="en-US" sz="2000" b="0" i="0" u="none" strike="noStrike" cap="none" normalizeH="0" baseline="0" dirty="0" smtClean="0">
+                <a:ln>
+                  <a:noFill/>
+                </a:ln>
+                <a:solidFill>
+                  <a:srgbClr val="000000"/>
+                </a:solidFill>
+                <a:effectLst/>
+                <a:latin typeface="Consolas" panose="020B0609020204030204" pitchFamily="49" charset="0"/>
+              </a:rPr>
+              <a:t>) {</a:t>
+            </a:r>
+            <a:br>
+              <a:rPr kumimoji="0" lang="en-US" altLang="en-US" sz="2000" b="0" i="0" u="none" strike="noStrike" cap="none" normalizeH="0" baseline="0" dirty="0" smtClean="0">
+                <a:ln>
+                  <a:noFill/>
+                </a:ln>
+                <a:solidFill>
+                  <a:srgbClr val="000000"/>
+                </a:solidFill>
+                <a:effectLst/>
+                <a:latin typeface="Consolas" panose="020B0609020204030204" pitchFamily="49" charset="0"/>
+              </a:rPr>
+            </a:br>
+            <a:r>
+              <a:rPr kumimoji="0" lang="en-US" altLang="en-US" sz="2000" b="0" i="0" u="none" strike="noStrike" cap="none" normalizeH="0" baseline="0" dirty="0" smtClean="0">
+                <a:ln>
+                  <a:noFill/>
+                </a:ln>
+                <a:solidFill>
+                  <a:srgbClr val="000000"/>
+                </a:solidFill>
+                <a:effectLst/>
+                <a:latin typeface="Consolas" panose="020B0609020204030204" pitchFamily="49" charset="0"/>
+              </a:rPr>
+              <a:t>    C[</a:t>
+            </a:r>
+            <a:r>
+              <a:rPr kumimoji="0" lang="en-US" altLang="en-US" sz="2000" b="0" i="0" u="none" strike="noStrike" cap="none" normalizeH="0" baseline="0" dirty="0" err="1" smtClean="0">
+                <a:ln>
+                  <a:noFill/>
+                </a:ln>
+                <a:solidFill>
+                  <a:srgbClr val="000000"/>
+                </a:solidFill>
+                <a:effectLst/>
+                <a:latin typeface="Consolas" panose="020B0609020204030204" pitchFamily="49" charset="0"/>
+              </a:rPr>
+              <a:t>i</a:t>
+            </a:r>
+            <a:r>
+              <a:rPr kumimoji="0" lang="en-US" altLang="en-US" sz="2000" b="0" i="0" u="none" strike="noStrike" cap="none" normalizeH="0" baseline="0" dirty="0" smtClean="0">
+                <a:ln>
+                  <a:noFill/>
+                </a:ln>
+                <a:solidFill>
+                  <a:srgbClr val="000000"/>
+                </a:solidFill>
+                <a:effectLst/>
+                <a:latin typeface="Consolas" panose="020B0609020204030204" pitchFamily="49" charset="0"/>
+              </a:rPr>
+              <a:t>] = (A[</a:t>
+            </a:r>
+            <a:r>
+              <a:rPr kumimoji="0" lang="en-US" altLang="en-US" sz="2000" b="0" i="0" u="none" strike="noStrike" cap="none" normalizeH="0" baseline="0" dirty="0" err="1" smtClean="0">
+                <a:ln>
+                  <a:noFill/>
+                </a:ln>
+                <a:solidFill>
+                  <a:srgbClr val="000000"/>
+                </a:solidFill>
+                <a:effectLst/>
+                <a:latin typeface="Consolas" panose="020B0609020204030204" pitchFamily="49" charset="0"/>
+              </a:rPr>
+              <a:t>i</a:t>
+            </a:r>
+            <a:r>
+              <a:rPr kumimoji="0" lang="en-US" altLang="en-US" sz="2000" b="0" i="0" u="none" strike="noStrike" cap="none" normalizeH="0" baseline="0" dirty="0" smtClean="0">
+                <a:ln>
+                  <a:noFill/>
+                </a:ln>
+                <a:solidFill>
+                  <a:srgbClr val="000000"/>
+                </a:solidFill>
+                <a:effectLst/>
+                <a:latin typeface="Consolas" panose="020B0609020204030204" pitchFamily="49" charset="0"/>
+              </a:rPr>
+              <a:t>] += B[</a:t>
+            </a:r>
+            <a:r>
+              <a:rPr kumimoji="0" lang="en-US" altLang="en-US" sz="2000" b="0" i="0" u="none" strike="noStrike" cap="none" normalizeH="0" baseline="0" dirty="0" err="1" smtClean="0">
+                <a:ln>
+                  <a:noFill/>
+                </a:ln>
+                <a:solidFill>
+                  <a:srgbClr val="000000"/>
+                </a:solidFill>
+                <a:effectLst/>
+                <a:latin typeface="Consolas" panose="020B0609020204030204" pitchFamily="49" charset="0"/>
+              </a:rPr>
+              <a:t>i</a:t>
+            </a:r>
+            <a:r>
+              <a:rPr kumimoji="0" lang="en-US" altLang="en-US" sz="2000" b="0" i="0" u="none" strike="noStrike" cap="none" normalizeH="0" baseline="0" dirty="0" smtClean="0">
+                <a:ln>
+                  <a:noFill/>
+                </a:ln>
+                <a:solidFill>
+                  <a:srgbClr val="000000"/>
+                </a:solidFill>
+                <a:effectLst/>
+                <a:latin typeface="Consolas" panose="020B0609020204030204" pitchFamily="49" charset="0"/>
+              </a:rPr>
+              <a:t>]) ? A[</a:t>
+            </a:r>
+            <a:r>
+              <a:rPr kumimoji="0" lang="en-US" altLang="en-US" sz="2000" b="0" i="0" u="none" strike="noStrike" cap="none" normalizeH="0" baseline="0" dirty="0" err="1" smtClean="0">
+                <a:ln>
+                  <a:noFill/>
+                </a:ln>
+                <a:solidFill>
+                  <a:srgbClr val="000000"/>
+                </a:solidFill>
+                <a:effectLst/>
+                <a:latin typeface="Consolas" panose="020B0609020204030204" pitchFamily="49" charset="0"/>
+              </a:rPr>
+              <a:t>i</a:t>
+            </a:r>
+            <a:r>
+              <a:rPr kumimoji="0" lang="en-US" altLang="en-US" sz="2000" b="0" i="0" u="none" strike="noStrike" cap="none" normalizeH="0" baseline="0" dirty="0" smtClean="0">
+                <a:ln>
+                  <a:noFill/>
+                </a:ln>
+                <a:solidFill>
+                  <a:srgbClr val="000000"/>
+                </a:solidFill>
+                <a:effectLst/>
+                <a:latin typeface="Consolas" panose="020B0609020204030204" pitchFamily="49" charset="0"/>
+              </a:rPr>
+              <a:t>] : B[</a:t>
+            </a:r>
+            <a:r>
+              <a:rPr kumimoji="0" lang="en-US" altLang="en-US" sz="2000" b="0" i="0" u="none" strike="noStrike" cap="none" normalizeH="0" baseline="0" dirty="0" err="1" smtClean="0">
+                <a:ln>
+                  <a:noFill/>
+                </a:ln>
+                <a:solidFill>
+                  <a:srgbClr val="000000"/>
+                </a:solidFill>
+                <a:effectLst/>
+                <a:latin typeface="Consolas" panose="020B0609020204030204" pitchFamily="49" charset="0"/>
+              </a:rPr>
+              <a:t>i</a:t>
+            </a:r>
+            <a:r>
+              <a:rPr kumimoji="0" lang="en-US" altLang="en-US" sz="2000" b="0" i="0" u="none" strike="noStrike" cap="none" normalizeH="0" baseline="0" dirty="0" smtClean="0">
+                <a:ln>
+                  <a:noFill/>
+                </a:ln>
+                <a:solidFill>
+                  <a:srgbClr val="000000"/>
+                </a:solidFill>
+                <a:effectLst/>
+                <a:latin typeface="Consolas" panose="020B0609020204030204" pitchFamily="49" charset="0"/>
+              </a:rPr>
+              <a:t>];</a:t>
+            </a:r>
+            <a:br>
+              <a:rPr kumimoji="0" lang="en-US" altLang="en-US" sz="2000" b="0" i="0" u="none" strike="noStrike" cap="none" normalizeH="0" baseline="0" dirty="0" smtClean="0">
+                <a:ln>
+                  <a:noFill/>
+                </a:ln>
+                <a:solidFill>
+                  <a:srgbClr val="000000"/>
+                </a:solidFill>
+                <a:effectLst/>
+                <a:latin typeface="Consolas" panose="020B0609020204030204" pitchFamily="49" charset="0"/>
+              </a:rPr>
+            </a:br>
+            <a:r>
+              <a:rPr kumimoji="0" lang="en-US" altLang="en-US" sz="2000" b="0" i="0" u="none" strike="noStrike" cap="none" normalizeH="0" baseline="0" dirty="0" smtClean="0">
+                <a:ln>
+                  <a:noFill/>
+                </a:ln>
+                <a:solidFill>
+                  <a:srgbClr val="000000"/>
+                </a:solidFill>
+                <a:effectLst/>
+                <a:latin typeface="Consolas" panose="020B0609020204030204" pitchFamily="49" charset="0"/>
+              </a:rPr>
+              <a:t>}</a:t>
+            </a:r>
+            <a:br>
+              <a:rPr kumimoji="0" lang="en-US" altLang="en-US" sz="2000" b="0" i="0" u="none" strike="noStrike" cap="none" normalizeH="0" baseline="0" dirty="0" smtClean="0">
+                <a:ln>
+                  <a:noFill/>
+                </a:ln>
+                <a:solidFill>
+                  <a:srgbClr val="000000"/>
+                </a:solidFill>
+                <a:effectLst/>
+                <a:latin typeface="Consolas" panose="020B0609020204030204" pitchFamily="49" charset="0"/>
+              </a:rPr>
+            </a:br>
+            <a:r>
+              <a:rPr kumimoji="0" lang="en-US" altLang="en-US" sz="2000" b="1" i="0" u="none" strike="noStrike" cap="none" normalizeH="0" baseline="0" dirty="0" smtClean="0">
+                <a:ln>
+                  <a:noFill/>
+                </a:ln>
+                <a:solidFill>
+                  <a:srgbClr val="000080"/>
+                </a:solidFill>
+                <a:effectLst/>
+                <a:latin typeface="Consolas" panose="020B0609020204030204" pitchFamily="49" charset="0"/>
+              </a:rPr>
+              <a:t>for </a:t>
+            </a:r>
+            <a:r>
+              <a:rPr kumimoji="0" lang="en-US" altLang="en-US" sz="2000" b="0" i="0" u="none" strike="noStrike" cap="none" normalizeH="0" baseline="0" dirty="0" smtClean="0">
+                <a:ln>
+                  <a:noFill/>
+                </a:ln>
+                <a:solidFill>
+                  <a:srgbClr val="000000"/>
+                </a:solidFill>
+                <a:effectLst/>
+                <a:latin typeface="Consolas" panose="020B0609020204030204" pitchFamily="49" charset="0"/>
+              </a:rPr>
+              <a:t>(</a:t>
+            </a:r>
+            <a:r>
+              <a:rPr kumimoji="0" lang="en-US" altLang="en-US" sz="2000" b="1" i="0" u="none" strike="noStrike" cap="none" normalizeH="0" baseline="0" dirty="0" err="1" smtClean="0">
+                <a:ln>
+                  <a:noFill/>
+                </a:ln>
+                <a:solidFill>
+                  <a:srgbClr val="000080"/>
+                </a:solidFill>
+                <a:effectLst/>
+                <a:latin typeface="Consolas" panose="020B0609020204030204" pitchFamily="49" charset="0"/>
+              </a:rPr>
+              <a:t>int</a:t>
+            </a:r>
+            <a:r>
+              <a:rPr kumimoji="0" lang="en-US" altLang="en-US" sz="2000" b="1" i="0" u="none" strike="noStrike" cap="none" normalizeH="0" baseline="0" dirty="0" smtClean="0">
+                <a:ln>
+                  <a:noFill/>
+                </a:ln>
+                <a:solidFill>
+                  <a:srgbClr val="000080"/>
+                </a:solidFill>
+                <a:effectLst/>
+                <a:latin typeface="Consolas" panose="020B0609020204030204" pitchFamily="49" charset="0"/>
+              </a:rPr>
+              <a:t> </a:t>
+            </a:r>
+            <a:r>
+              <a:rPr kumimoji="0" lang="en-US" altLang="en-US" sz="2000" b="0" i="0" u="none" strike="noStrike" cap="none" normalizeH="0" baseline="0" dirty="0" err="1" smtClean="0">
+                <a:ln>
+                  <a:noFill/>
+                </a:ln>
+                <a:solidFill>
+                  <a:srgbClr val="000000"/>
+                </a:solidFill>
+                <a:effectLst/>
+                <a:latin typeface="Consolas" panose="020B0609020204030204" pitchFamily="49" charset="0"/>
+              </a:rPr>
+              <a:t>i</a:t>
+            </a:r>
+            <a:r>
+              <a:rPr kumimoji="0" lang="en-US" altLang="en-US" sz="2000" b="0" i="0" u="none" strike="noStrike" cap="none" normalizeH="0" baseline="0" dirty="0" smtClean="0">
+                <a:ln>
+                  <a:noFill/>
+                </a:ln>
+                <a:solidFill>
+                  <a:srgbClr val="000000"/>
+                </a:solidFill>
+                <a:effectLst/>
+                <a:latin typeface="Consolas" panose="020B0609020204030204" pitchFamily="49" charset="0"/>
+              </a:rPr>
+              <a:t> = </a:t>
+            </a:r>
+            <a:r>
+              <a:rPr kumimoji="0" lang="en-US" altLang="en-US" sz="2000" b="0" i="0" u="none" strike="noStrike" cap="none" normalizeH="0" baseline="0" dirty="0" smtClean="0">
+                <a:ln>
+                  <a:noFill/>
+                </a:ln>
+                <a:solidFill>
+                  <a:srgbClr val="0000FF"/>
+                </a:solidFill>
+                <a:effectLst/>
+                <a:latin typeface="Consolas" panose="020B0609020204030204" pitchFamily="49" charset="0"/>
+              </a:rPr>
+              <a:t>0</a:t>
+            </a:r>
+            <a:r>
+              <a:rPr kumimoji="0" lang="en-US" altLang="en-US" sz="2000" b="0" i="0" u="none" strike="noStrike" cap="none" normalizeH="0" baseline="0" dirty="0" smtClean="0">
+                <a:ln>
+                  <a:noFill/>
+                </a:ln>
+                <a:solidFill>
+                  <a:srgbClr val="000000"/>
+                </a:solidFill>
+                <a:effectLst/>
+                <a:latin typeface="Consolas" panose="020B0609020204030204" pitchFamily="49" charset="0"/>
+              </a:rPr>
+              <a:t>; </a:t>
+            </a:r>
+            <a:r>
+              <a:rPr kumimoji="0" lang="en-US" altLang="en-US" sz="2000" b="0" i="0" u="none" strike="noStrike" cap="none" normalizeH="0" baseline="0" dirty="0" err="1" smtClean="0">
+                <a:ln>
+                  <a:noFill/>
+                </a:ln>
+                <a:solidFill>
+                  <a:srgbClr val="000000"/>
+                </a:solidFill>
+                <a:effectLst/>
+                <a:latin typeface="Consolas" panose="020B0609020204030204" pitchFamily="49" charset="0"/>
+              </a:rPr>
+              <a:t>i</a:t>
+            </a:r>
+            <a:r>
+              <a:rPr kumimoji="0" lang="en-US" altLang="en-US" sz="2000" b="0" i="0" u="none" strike="noStrike" cap="none" normalizeH="0" baseline="0" dirty="0" smtClean="0">
+                <a:ln>
+                  <a:noFill/>
+                </a:ln>
+                <a:solidFill>
+                  <a:srgbClr val="000000"/>
+                </a:solidFill>
+                <a:effectLst/>
+                <a:latin typeface="Consolas" panose="020B0609020204030204" pitchFamily="49" charset="0"/>
+              </a:rPr>
+              <a:t> + n; ++</a:t>
+            </a:r>
+            <a:r>
+              <a:rPr kumimoji="0" lang="en-US" altLang="en-US" sz="2000" b="0" i="0" u="none" strike="noStrike" cap="none" normalizeH="0" baseline="0" dirty="0" err="1" smtClean="0">
+                <a:ln>
+                  <a:noFill/>
+                </a:ln>
+                <a:solidFill>
+                  <a:srgbClr val="000000"/>
+                </a:solidFill>
+                <a:effectLst/>
+                <a:latin typeface="Consolas" panose="020B0609020204030204" pitchFamily="49" charset="0"/>
+              </a:rPr>
+              <a:t>i</a:t>
+            </a:r>
+            <a:r>
+              <a:rPr kumimoji="0" lang="en-US" altLang="en-US" sz="2000" b="0" i="0" u="none" strike="noStrike" cap="none" normalizeH="0" baseline="0" dirty="0" smtClean="0">
+                <a:ln>
+                  <a:noFill/>
+                </a:ln>
+                <a:solidFill>
+                  <a:srgbClr val="000000"/>
+                </a:solidFill>
+                <a:effectLst/>
+                <a:latin typeface="Consolas" panose="020B0609020204030204" pitchFamily="49" charset="0"/>
+              </a:rPr>
+              <a:t>) {</a:t>
+            </a:r>
+            <a:br>
+              <a:rPr kumimoji="0" lang="en-US" altLang="en-US" sz="2000" b="0" i="0" u="none" strike="noStrike" cap="none" normalizeH="0" baseline="0" dirty="0" smtClean="0">
+                <a:ln>
+                  <a:noFill/>
+                </a:ln>
+                <a:solidFill>
+                  <a:srgbClr val="000000"/>
+                </a:solidFill>
+                <a:effectLst/>
+                <a:latin typeface="Consolas" panose="020B0609020204030204" pitchFamily="49" charset="0"/>
+              </a:rPr>
+            </a:br>
+            <a:r>
+              <a:rPr kumimoji="0" lang="en-US" altLang="en-US" sz="2000" b="0" i="0" u="none" strike="noStrike" cap="none" normalizeH="0" baseline="0" dirty="0" smtClean="0">
+                <a:ln>
+                  <a:noFill/>
+                </a:ln>
+                <a:solidFill>
+                  <a:srgbClr val="000000"/>
+                </a:solidFill>
+                <a:effectLst/>
+                <a:latin typeface="Consolas" panose="020B0609020204030204" pitchFamily="49" charset="0"/>
+              </a:rPr>
+              <a:t>    D[</a:t>
+            </a:r>
+            <a:r>
+              <a:rPr kumimoji="0" lang="en-US" altLang="en-US" sz="2000" b="0" i="0" u="none" strike="noStrike" cap="none" normalizeH="0" baseline="0" dirty="0" err="1" smtClean="0">
+                <a:ln>
+                  <a:noFill/>
+                </a:ln>
+                <a:solidFill>
+                  <a:srgbClr val="000000"/>
+                </a:solidFill>
+                <a:effectLst/>
+                <a:latin typeface="Consolas" panose="020B0609020204030204" pitchFamily="49" charset="0"/>
+              </a:rPr>
+              <a:t>i</a:t>
+            </a:r>
+            <a:r>
+              <a:rPr kumimoji="0" lang="en-US" altLang="en-US" sz="2000" b="0" i="0" u="none" strike="noStrike" cap="none" normalizeH="0" baseline="0" dirty="0" smtClean="0">
+                <a:ln>
+                  <a:noFill/>
+                </a:ln>
+                <a:solidFill>
+                  <a:srgbClr val="000000"/>
+                </a:solidFill>
+                <a:effectLst/>
+                <a:latin typeface="Consolas" panose="020B0609020204030204" pitchFamily="49" charset="0"/>
+              </a:rPr>
+              <a:t>] = (A[</a:t>
+            </a:r>
+            <a:r>
+              <a:rPr kumimoji="0" lang="en-US" altLang="en-US" sz="2000" b="0" i="0" u="none" strike="noStrike" cap="none" normalizeH="0" baseline="0" dirty="0" err="1" smtClean="0">
+                <a:ln>
+                  <a:noFill/>
+                </a:ln>
+                <a:solidFill>
+                  <a:srgbClr val="000000"/>
+                </a:solidFill>
+                <a:effectLst/>
+                <a:latin typeface="Consolas" panose="020B0609020204030204" pitchFamily="49" charset="0"/>
+              </a:rPr>
+              <a:t>i</a:t>
+            </a:r>
+            <a:r>
+              <a:rPr kumimoji="0" lang="en-US" altLang="en-US" sz="2000" b="0" i="0" u="none" strike="noStrike" cap="none" normalizeH="0" baseline="0" dirty="0" smtClean="0">
+                <a:ln>
+                  <a:noFill/>
+                </a:ln>
+                <a:solidFill>
+                  <a:srgbClr val="000000"/>
+                </a:solidFill>
+                <a:effectLst/>
+                <a:latin typeface="Consolas" panose="020B0609020204030204" pitchFamily="49" charset="0"/>
+              </a:rPr>
+              <a:t>] += B[</a:t>
+            </a:r>
+            <a:r>
+              <a:rPr kumimoji="0" lang="en-US" altLang="en-US" sz="2000" b="0" i="0" u="none" strike="noStrike" cap="none" normalizeH="0" baseline="0" dirty="0" err="1" smtClean="0">
+                <a:ln>
+                  <a:noFill/>
+                </a:ln>
+                <a:solidFill>
+                  <a:srgbClr val="000000"/>
+                </a:solidFill>
+                <a:effectLst/>
+                <a:latin typeface="Consolas" panose="020B0609020204030204" pitchFamily="49" charset="0"/>
+              </a:rPr>
+              <a:t>i</a:t>
+            </a:r>
+            <a:r>
+              <a:rPr kumimoji="0" lang="en-US" altLang="en-US" sz="2000" b="0" i="0" u="none" strike="noStrike" cap="none" normalizeH="0" baseline="0" dirty="0" smtClean="0">
+                <a:ln>
+                  <a:noFill/>
+                </a:ln>
+                <a:solidFill>
+                  <a:srgbClr val="000000"/>
+                </a:solidFill>
+                <a:effectLst/>
+                <a:latin typeface="Consolas" panose="020B0609020204030204" pitchFamily="49" charset="0"/>
+              </a:rPr>
+              <a:t>]) ? B[</a:t>
+            </a:r>
+            <a:r>
+              <a:rPr kumimoji="0" lang="en-US" altLang="en-US" sz="2000" b="0" i="0" u="none" strike="noStrike" cap="none" normalizeH="0" baseline="0" dirty="0" err="1" smtClean="0">
+                <a:ln>
+                  <a:noFill/>
+                </a:ln>
+                <a:solidFill>
+                  <a:srgbClr val="000000"/>
+                </a:solidFill>
+                <a:effectLst/>
+                <a:latin typeface="Consolas" panose="020B0609020204030204" pitchFamily="49" charset="0"/>
+              </a:rPr>
+              <a:t>i</a:t>
+            </a:r>
+            <a:r>
+              <a:rPr kumimoji="0" lang="en-US" altLang="en-US" sz="2000" b="0" i="0" u="none" strike="noStrike" cap="none" normalizeH="0" baseline="0" dirty="0" smtClean="0">
+                <a:ln>
+                  <a:noFill/>
+                </a:ln>
+                <a:solidFill>
+                  <a:srgbClr val="000000"/>
+                </a:solidFill>
+                <a:effectLst/>
+                <a:latin typeface="Consolas" panose="020B0609020204030204" pitchFamily="49" charset="0"/>
+              </a:rPr>
+              <a:t>] : A[</a:t>
+            </a:r>
+            <a:r>
+              <a:rPr kumimoji="0" lang="en-US" altLang="en-US" sz="2000" b="0" i="0" u="none" strike="noStrike" cap="none" normalizeH="0" baseline="0" dirty="0" err="1" smtClean="0">
+                <a:ln>
+                  <a:noFill/>
+                </a:ln>
+                <a:solidFill>
+                  <a:srgbClr val="000000"/>
+                </a:solidFill>
+                <a:effectLst/>
+                <a:latin typeface="Consolas" panose="020B0609020204030204" pitchFamily="49" charset="0"/>
+              </a:rPr>
+              <a:t>i</a:t>
+            </a:r>
+            <a:r>
+              <a:rPr kumimoji="0" lang="en-US" altLang="en-US" sz="2000" b="0" i="0" u="none" strike="noStrike" cap="none" normalizeH="0" baseline="0" dirty="0" smtClean="0">
+                <a:ln>
+                  <a:noFill/>
+                </a:ln>
+                <a:solidFill>
+                  <a:srgbClr val="000000"/>
+                </a:solidFill>
+                <a:effectLst/>
+                <a:latin typeface="Consolas" panose="020B0609020204030204" pitchFamily="49" charset="0"/>
+              </a:rPr>
+              <a:t>];</a:t>
+            </a:r>
+            <a:br>
+              <a:rPr kumimoji="0" lang="en-US" altLang="en-US" sz="2000" b="0" i="0" u="none" strike="noStrike" cap="none" normalizeH="0" baseline="0" dirty="0" smtClean="0">
+                <a:ln>
+                  <a:noFill/>
+                </a:ln>
+                <a:solidFill>
+                  <a:srgbClr val="000000"/>
+                </a:solidFill>
+                <a:effectLst/>
+                <a:latin typeface="Consolas" panose="020B0609020204030204" pitchFamily="49" charset="0"/>
+              </a:rPr>
+            </a:br>
+            <a:r>
+              <a:rPr kumimoji="0" lang="en-US" altLang="en-US" sz="2000" b="0" i="0" u="none" strike="noStrike" cap="none" normalizeH="0" baseline="0" dirty="0" smtClean="0">
+                <a:ln>
+                  <a:noFill/>
+                </a:ln>
+                <a:solidFill>
+                  <a:srgbClr val="000000"/>
+                </a:solidFill>
+                <a:effectLst/>
+                <a:latin typeface="Consolas" panose="020B0609020204030204" pitchFamily="49" charset="0"/>
+              </a:rPr>
+              <a:t>}</a:t>
+            </a:r>
+            <a:endParaRPr kumimoji="0" lang="en-US" altLang="en-US" sz="4800" b="0" i="0" u="none" strike="noStrike" cap="none" normalizeH="0" baseline="0" dirty="0" smtClean="0">
+              <a:ln>
+                <a:noFill/>
+              </a:ln>
+              <a:solidFill>
+                <a:schemeClr val="tx1"/>
+              </a:solidFill>
+              <a:effectLst/>
+              <a:latin typeface="Arial" panose="020B0604020202020204" pitchFamily="34" charset="0"/>
+            </a:endParaRPr>
+          </a:p>
+        </p:txBody>
+      </p:sp>
+      <p:sp>
+        <p:nvSpPr>
+          <p:cNvPr id="6" name="Rectangle 2"/>
+          <p:cNvSpPr>
+            <a:spLocks noChangeArrowheads="1"/>
+          </p:cNvSpPr>
+          <p:nvPr/>
+        </p:nvSpPr>
+        <p:spPr bwMode="auto">
+          <a:xfrm>
+            <a:off x="3227832" y="5410926"/>
+            <a:ext cx="6233160" cy="1323439"/>
+          </a:xfrm>
+          <a:prstGeom prst="rect">
+            <a:avLst/>
+          </a:prstGeom>
+          <a:solidFill>
+            <a:srgbClr val="FFFFFF"/>
+          </a:solidFill>
+          <a:ln>
+            <a:noFill/>
+          </a:ln>
+          <a:effectLst/>
+          <a:extLst>
+            <a:ext uri="{91240B29-F687-4F45-9708-019B960494DF}">
+              <a14:hiddenLine xmlns:a14="http://schemas.microsoft.com/office/drawing/2010/main" w="9525">
+                <a:solidFill>
+                  <a:schemeClr val="tx1"/>
+                </a:solidFill>
+                <a:miter lim="800000"/>
+                <a:headEnd/>
+                <a:tailEnd/>
+              </a14:hiddenLine>
+            </a:ext>
+            <a:ext uri="{AF507438-7753-43E0-B8FC-AC1667EBCBE1}">
+              <a14:hiddenEffects xmlns:a14="http://schemas.microsoft.com/office/drawing/2010/main">
+                <a:effectLst>
+                  <a:outerShdw dist="35921" dir="2700000" algn="ctr" rotWithShape="0">
+                    <a:schemeClr val="bg2"/>
+                  </a:outerShdw>
+                </a:effectLst>
+              </a14:hiddenEffects>
+            </a:ext>
+          </a:extLst>
+        </p:spPr>
+        <p:txBody>
+          <a:bodyPr vert="horz" wrap="square" lIns="91440" tIns="45720" rIns="91440" bIns="45720" numCol="1" anchor="ctr" anchorCtr="0" compatLnSpc="1">
+            <a:prstTxWarp prst="textNoShape">
+              <a:avLst/>
+            </a:prstTxWarp>
+            <a:spAutoFit/>
+          </a:bodyPr>
+          <a:lstStyle/>
+          <a:p>
+            <a:pPr marL="0" marR="0" lvl="0" indent="0" algn="l" defTabSz="914400" rtl="0" eaLnBrk="0" fontAlgn="base" latinLnBrk="0" hangingPunct="0">
+              <a:lnSpc>
+                <a:spcPct val="100000"/>
+              </a:lnSpc>
+              <a:spcBef>
+                <a:spcPct val="0"/>
+              </a:spcBef>
+              <a:spcAft>
+                <a:spcPct val="0"/>
+              </a:spcAft>
+              <a:buClrTx/>
+              <a:buSzTx/>
+              <a:buFontTx/>
+              <a:buNone/>
+              <a:tabLst/>
+            </a:pPr>
+            <a:r>
+              <a:rPr kumimoji="0" lang="en-US" altLang="en-US" sz="2000" b="1" i="0" u="none" strike="noStrike" cap="none" normalizeH="0" baseline="0" dirty="0" smtClean="0">
+                <a:ln>
+                  <a:noFill/>
+                </a:ln>
+                <a:solidFill>
+                  <a:srgbClr val="000080"/>
+                </a:solidFill>
+                <a:effectLst/>
+                <a:latin typeface="Consolas" panose="020B0609020204030204" pitchFamily="49" charset="0"/>
+              </a:rPr>
+              <a:t>for </a:t>
+            </a:r>
+            <a:r>
+              <a:rPr kumimoji="0" lang="en-US" altLang="en-US" sz="2000" b="0" i="0" u="none" strike="noStrike" cap="none" normalizeH="0" baseline="0" dirty="0" smtClean="0">
+                <a:ln>
+                  <a:noFill/>
+                </a:ln>
+                <a:solidFill>
+                  <a:srgbClr val="000000"/>
+                </a:solidFill>
+                <a:effectLst/>
+                <a:latin typeface="Consolas" panose="020B0609020204030204" pitchFamily="49" charset="0"/>
+              </a:rPr>
+              <a:t>(</a:t>
+            </a:r>
+            <a:r>
+              <a:rPr kumimoji="0" lang="en-US" altLang="en-US" sz="2000" b="1" i="0" u="none" strike="noStrike" cap="none" normalizeH="0" baseline="0" dirty="0" err="1" smtClean="0">
+                <a:ln>
+                  <a:noFill/>
+                </a:ln>
+                <a:solidFill>
+                  <a:srgbClr val="000080"/>
+                </a:solidFill>
+                <a:effectLst/>
+                <a:latin typeface="Consolas" panose="020B0609020204030204" pitchFamily="49" charset="0"/>
+              </a:rPr>
+              <a:t>int</a:t>
+            </a:r>
+            <a:r>
+              <a:rPr kumimoji="0" lang="en-US" altLang="en-US" sz="2000" b="1" i="0" u="none" strike="noStrike" cap="none" normalizeH="0" baseline="0" dirty="0" smtClean="0">
+                <a:ln>
+                  <a:noFill/>
+                </a:ln>
+                <a:solidFill>
+                  <a:srgbClr val="000080"/>
+                </a:solidFill>
+                <a:effectLst/>
+                <a:latin typeface="Consolas" panose="020B0609020204030204" pitchFamily="49" charset="0"/>
+              </a:rPr>
+              <a:t> </a:t>
+            </a:r>
+            <a:r>
+              <a:rPr kumimoji="0" lang="en-US" altLang="en-US" sz="2000" b="0" i="0" u="none" strike="noStrike" cap="none" normalizeH="0" baseline="0" dirty="0" err="1" smtClean="0">
+                <a:ln>
+                  <a:noFill/>
+                </a:ln>
+                <a:solidFill>
+                  <a:srgbClr val="000000"/>
+                </a:solidFill>
+                <a:effectLst/>
+                <a:latin typeface="Consolas" panose="020B0609020204030204" pitchFamily="49" charset="0"/>
+              </a:rPr>
+              <a:t>i</a:t>
+            </a:r>
+            <a:r>
+              <a:rPr kumimoji="0" lang="en-US" altLang="en-US" sz="2000" b="0" i="0" u="none" strike="noStrike" cap="none" normalizeH="0" baseline="0" dirty="0" smtClean="0">
+                <a:ln>
+                  <a:noFill/>
+                </a:ln>
+                <a:solidFill>
+                  <a:srgbClr val="000000"/>
+                </a:solidFill>
+                <a:effectLst/>
+                <a:latin typeface="Consolas" panose="020B0609020204030204" pitchFamily="49" charset="0"/>
+              </a:rPr>
+              <a:t> = </a:t>
+            </a:r>
+            <a:r>
+              <a:rPr kumimoji="0" lang="en-US" altLang="en-US" sz="2000" b="0" i="0" u="none" strike="noStrike" cap="none" normalizeH="0" baseline="0" dirty="0" smtClean="0">
+                <a:ln>
+                  <a:noFill/>
+                </a:ln>
+                <a:solidFill>
+                  <a:srgbClr val="0000FF"/>
+                </a:solidFill>
+                <a:effectLst/>
+                <a:latin typeface="Consolas" panose="020B0609020204030204" pitchFamily="49" charset="0"/>
+              </a:rPr>
+              <a:t>0</a:t>
+            </a:r>
+            <a:r>
+              <a:rPr kumimoji="0" lang="en-US" altLang="en-US" sz="2000" b="0" i="0" u="none" strike="noStrike" cap="none" normalizeH="0" baseline="0" dirty="0" smtClean="0">
+                <a:ln>
+                  <a:noFill/>
+                </a:ln>
+                <a:solidFill>
+                  <a:srgbClr val="000000"/>
+                </a:solidFill>
+                <a:effectLst/>
+                <a:latin typeface="Consolas" panose="020B0609020204030204" pitchFamily="49" charset="0"/>
+              </a:rPr>
+              <a:t>; </a:t>
+            </a:r>
+            <a:r>
+              <a:rPr kumimoji="0" lang="en-US" altLang="en-US" sz="2000" b="0" i="0" u="none" strike="noStrike" cap="none" normalizeH="0" baseline="0" dirty="0" err="1" smtClean="0">
+                <a:ln>
+                  <a:noFill/>
+                </a:ln>
+                <a:solidFill>
+                  <a:srgbClr val="000000"/>
+                </a:solidFill>
+                <a:effectLst/>
+                <a:latin typeface="Consolas" panose="020B0609020204030204" pitchFamily="49" charset="0"/>
+              </a:rPr>
+              <a:t>i</a:t>
+            </a:r>
+            <a:r>
+              <a:rPr kumimoji="0" lang="en-US" altLang="en-US" sz="2000" b="0" i="0" u="none" strike="noStrike" cap="none" normalizeH="0" baseline="0" dirty="0" smtClean="0">
+                <a:ln>
+                  <a:noFill/>
+                </a:ln>
+                <a:solidFill>
+                  <a:srgbClr val="000000"/>
+                </a:solidFill>
+                <a:effectLst/>
+                <a:latin typeface="Consolas" panose="020B0609020204030204" pitchFamily="49" charset="0"/>
+              </a:rPr>
+              <a:t> + n; ++</a:t>
+            </a:r>
+            <a:r>
+              <a:rPr kumimoji="0" lang="en-US" altLang="en-US" sz="2000" b="0" i="0" u="none" strike="noStrike" cap="none" normalizeH="0" baseline="0" dirty="0" err="1" smtClean="0">
+                <a:ln>
+                  <a:noFill/>
+                </a:ln>
+                <a:solidFill>
+                  <a:srgbClr val="000000"/>
+                </a:solidFill>
+                <a:effectLst/>
+                <a:latin typeface="Consolas" panose="020B0609020204030204" pitchFamily="49" charset="0"/>
+              </a:rPr>
+              <a:t>i</a:t>
+            </a:r>
+            <a:r>
+              <a:rPr kumimoji="0" lang="en-US" altLang="en-US" sz="2000" b="0" i="0" u="none" strike="noStrike" cap="none" normalizeH="0" baseline="0" dirty="0" smtClean="0">
+                <a:ln>
+                  <a:noFill/>
+                </a:ln>
+                <a:solidFill>
+                  <a:srgbClr val="000000"/>
+                </a:solidFill>
+                <a:effectLst/>
+                <a:latin typeface="Consolas" panose="020B0609020204030204" pitchFamily="49" charset="0"/>
+              </a:rPr>
+              <a:t>) {</a:t>
+            </a:r>
+            <a:br>
+              <a:rPr kumimoji="0" lang="en-US" altLang="en-US" sz="2000" b="0" i="0" u="none" strike="noStrike" cap="none" normalizeH="0" baseline="0" dirty="0" smtClean="0">
+                <a:ln>
+                  <a:noFill/>
+                </a:ln>
+                <a:solidFill>
+                  <a:srgbClr val="000000"/>
+                </a:solidFill>
+                <a:effectLst/>
+                <a:latin typeface="Consolas" panose="020B0609020204030204" pitchFamily="49" charset="0"/>
+              </a:rPr>
+            </a:br>
+            <a:r>
+              <a:rPr kumimoji="0" lang="en-US" altLang="en-US" sz="2000" b="0" i="0" u="none" strike="noStrike" cap="none" normalizeH="0" baseline="0" dirty="0" smtClean="0">
+                <a:ln>
+                  <a:noFill/>
+                </a:ln>
+                <a:solidFill>
+                  <a:srgbClr val="000000"/>
+                </a:solidFill>
+                <a:effectLst/>
+                <a:latin typeface="Consolas" panose="020B0609020204030204" pitchFamily="49" charset="0"/>
+              </a:rPr>
+              <a:t>    C[</a:t>
+            </a:r>
+            <a:r>
+              <a:rPr kumimoji="0" lang="en-US" altLang="en-US" sz="2000" b="0" i="0" u="none" strike="noStrike" cap="none" normalizeH="0" baseline="0" dirty="0" err="1" smtClean="0">
+                <a:ln>
+                  <a:noFill/>
+                </a:ln>
+                <a:solidFill>
+                  <a:srgbClr val="000000"/>
+                </a:solidFill>
+                <a:effectLst/>
+                <a:latin typeface="Consolas" panose="020B0609020204030204" pitchFamily="49" charset="0"/>
+              </a:rPr>
+              <a:t>i</a:t>
+            </a:r>
+            <a:r>
+              <a:rPr kumimoji="0" lang="en-US" altLang="en-US" sz="2000" b="0" i="0" u="none" strike="noStrike" cap="none" normalizeH="0" baseline="0" dirty="0" smtClean="0">
+                <a:ln>
+                  <a:noFill/>
+                </a:ln>
+                <a:solidFill>
+                  <a:srgbClr val="000000"/>
+                </a:solidFill>
+                <a:effectLst/>
+                <a:latin typeface="Consolas" panose="020B0609020204030204" pitchFamily="49" charset="0"/>
+              </a:rPr>
+              <a:t>] = (A[</a:t>
+            </a:r>
+            <a:r>
+              <a:rPr kumimoji="0" lang="en-US" altLang="en-US" sz="2000" b="0" i="0" u="none" strike="noStrike" cap="none" normalizeH="0" baseline="0" dirty="0" err="1" smtClean="0">
+                <a:ln>
+                  <a:noFill/>
+                </a:ln>
+                <a:solidFill>
+                  <a:srgbClr val="000000"/>
+                </a:solidFill>
+                <a:effectLst/>
+                <a:latin typeface="Consolas" panose="020B0609020204030204" pitchFamily="49" charset="0"/>
+              </a:rPr>
+              <a:t>i</a:t>
+            </a:r>
+            <a:r>
+              <a:rPr kumimoji="0" lang="en-US" altLang="en-US" sz="2000" b="0" i="0" u="none" strike="noStrike" cap="none" normalizeH="0" baseline="0" dirty="0" smtClean="0">
+                <a:ln>
+                  <a:noFill/>
+                </a:ln>
+                <a:solidFill>
+                  <a:srgbClr val="000000"/>
+                </a:solidFill>
+                <a:effectLst/>
+                <a:latin typeface="Consolas" panose="020B0609020204030204" pitchFamily="49" charset="0"/>
+              </a:rPr>
+              <a:t>] += B[</a:t>
+            </a:r>
+            <a:r>
+              <a:rPr kumimoji="0" lang="en-US" altLang="en-US" sz="2000" b="0" i="0" u="none" strike="noStrike" cap="none" normalizeH="0" baseline="0" dirty="0" err="1" smtClean="0">
+                <a:ln>
+                  <a:noFill/>
+                </a:ln>
+                <a:solidFill>
+                  <a:srgbClr val="000000"/>
+                </a:solidFill>
+                <a:effectLst/>
+                <a:latin typeface="Consolas" panose="020B0609020204030204" pitchFamily="49" charset="0"/>
+              </a:rPr>
+              <a:t>i</a:t>
+            </a:r>
+            <a:r>
+              <a:rPr kumimoji="0" lang="en-US" altLang="en-US" sz="2000" b="0" i="0" u="none" strike="noStrike" cap="none" normalizeH="0" baseline="0" dirty="0" smtClean="0">
+                <a:ln>
+                  <a:noFill/>
+                </a:ln>
+                <a:solidFill>
+                  <a:srgbClr val="000000"/>
+                </a:solidFill>
+                <a:effectLst/>
+                <a:latin typeface="Consolas" panose="020B0609020204030204" pitchFamily="49" charset="0"/>
+              </a:rPr>
+              <a:t>]) ? A[</a:t>
+            </a:r>
+            <a:r>
+              <a:rPr kumimoji="0" lang="en-US" altLang="en-US" sz="2000" b="0" i="0" u="none" strike="noStrike" cap="none" normalizeH="0" baseline="0" dirty="0" err="1" smtClean="0">
+                <a:ln>
+                  <a:noFill/>
+                </a:ln>
+                <a:solidFill>
+                  <a:srgbClr val="000000"/>
+                </a:solidFill>
+                <a:effectLst/>
+                <a:latin typeface="Consolas" panose="020B0609020204030204" pitchFamily="49" charset="0"/>
+              </a:rPr>
+              <a:t>i</a:t>
+            </a:r>
+            <a:r>
+              <a:rPr kumimoji="0" lang="en-US" altLang="en-US" sz="2000" b="0" i="0" u="none" strike="noStrike" cap="none" normalizeH="0" baseline="0" dirty="0" smtClean="0">
+                <a:ln>
+                  <a:noFill/>
+                </a:ln>
+                <a:solidFill>
+                  <a:srgbClr val="000000"/>
+                </a:solidFill>
+                <a:effectLst/>
+                <a:latin typeface="Consolas" panose="020B0609020204030204" pitchFamily="49" charset="0"/>
+              </a:rPr>
+              <a:t>] : B[</a:t>
+            </a:r>
+            <a:r>
+              <a:rPr kumimoji="0" lang="en-US" altLang="en-US" sz="2000" b="0" i="0" u="none" strike="noStrike" cap="none" normalizeH="0" baseline="0" dirty="0" err="1" smtClean="0">
+                <a:ln>
+                  <a:noFill/>
+                </a:ln>
+                <a:solidFill>
+                  <a:srgbClr val="000000"/>
+                </a:solidFill>
+                <a:effectLst/>
+                <a:latin typeface="Consolas" panose="020B0609020204030204" pitchFamily="49" charset="0"/>
+              </a:rPr>
+              <a:t>i</a:t>
+            </a:r>
+            <a:r>
+              <a:rPr kumimoji="0" lang="en-US" altLang="en-US" sz="2000" b="0" i="0" u="none" strike="noStrike" cap="none" normalizeH="0" baseline="0" dirty="0" smtClean="0">
+                <a:ln>
+                  <a:noFill/>
+                </a:ln>
+                <a:solidFill>
+                  <a:srgbClr val="000000"/>
+                </a:solidFill>
+                <a:effectLst/>
+                <a:latin typeface="Consolas" panose="020B0609020204030204" pitchFamily="49" charset="0"/>
+              </a:rPr>
+              <a:t>];</a:t>
+            </a:r>
+            <a:br>
+              <a:rPr kumimoji="0" lang="en-US" altLang="en-US" sz="2000" b="0" i="0" u="none" strike="noStrike" cap="none" normalizeH="0" baseline="0" dirty="0" smtClean="0">
+                <a:ln>
+                  <a:noFill/>
+                </a:ln>
+                <a:solidFill>
+                  <a:srgbClr val="000000"/>
+                </a:solidFill>
+                <a:effectLst/>
+                <a:latin typeface="Consolas" panose="020B0609020204030204" pitchFamily="49" charset="0"/>
+              </a:rPr>
+            </a:br>
+            <a:r>
+              <a:rPr kumimoji="0" lang="en-US" altLang="en-US" sz="2000" b="0" i="0" u="none" strike="noStrike" cap="none" normalizeH="0" baseline="0" dirty="0" smtClean="0">
+                <a:ln>
+                  <a:noFill/>
+                </a:ln>
+                <a:solidFill>
+                  <a:srgbClr val="000000"/>
+                </a:solidFill>
+                <a:effectLst/>
+                <a:latin typeface="Consolas" panose="020B0609020204030204" pitchFamily="49" charset="0"/>
+              </a:rPr>
+              <a:t>    D[</a:t>
+            </a:r>
+            <a:r>
+              <a:rPr kumimoji="0" lang="en-US" altLang="en-US" sz="2000" b="0" i="0" u="none" strike="noStrike" cap="none" normalizeH="0" baseline="0" dirty="0" err="1" smtClean="0">
+                <a:ln>
+                  <a:noFill/>
+                </a:ln>
+                <a:solidFill>
+                  <a:srgbClr val="000000"/>
+                </a:solidFill>
+                <a:effectLst/>
+                <a:latin typeface="Consolas" panose="020B0609020204030204" pitchFamily="49" charset="0"/>
+              </a:rPr>
+              <a:t>i</a:t>
+            </a:r>
+            <a:r>
+              <a:rPr kumimoji="0" lang="en-US" altLang="en-US" sz="2000" b="0" i="0" u="none" strike="noStrike" cap="none" normalizeH="0" baseline="0" dirty="0" smtClean="0">
+                <a:ln>
+                  <a:noFill/>
+                </a:ln>
+                <a:solidFill>
+                  <a:srgbClr val="000000"/>
+                </a:solidFill>
+                <a:effectLst/>
+                <a:latin typeface="Consolas" panose="020B0609020204030204" pitchFamily="49" charset="0"/>
+              </a:rPr>
+              <a:t>] = (A[</a:t>
+            </a:r>
+            <a:r>
+              <a:rPr kumimoji="0" lang="en-US" altLang="en-US" sz="2000" b="0" i="0" u="none" strike="noStrike" cap="none" normalizeH="0" baseline="0" dirty="0" err="1" smtClean="0">
+                <a:ln>
+                  <a:noFill/>
+                </a:ln>
+                <a:solidFill>
+                  <a:srgbClr val="000000"/>
+                </a:solidFill>
+                <a:effectLst/>
+                <a:latin typeface="Consolas" panose="020B0609020204030204" pitchFamily="49" charset="0"/>
+              </a:rPr>
+              <a:t>i</a:t>
+            </a:r>
+            <a:r>
+              <a:rPr kumimoji="0" lang="en-US" altLang="en-US" sz="2000" b="0" i="0" u="none" strike="noStrike" cap="none" normalizeH="0" baseline="0" dirty="0" smtClean="0">
+                <a:ln>
+                  <a:noFill/>
+                </a:ln>
+                <a:solidFill>
+                  <a:srgbClr val="000000"/>
+                </a:solidFill>
+                <a:effectLst/>
+                <a:latin typeface="Consolas" panose="020B0609020204030204" pitchFamily="49" charset="0"/>
+              </a:rPr>
+              <a:t>] += B[</a:t>
+            </a:r>
+            <a:r>
+              <a:rPr kumimoji="0" lang="en-US" altLang="en-US" sz="2000" b="0" i="0" u="none" strike="noStrike" cap="none" normalizeH="0" baseline="0" dirty="0" err="1" smtClean="0">
+                <a:ln>
+                  <a:noFill/>
+                </a:ln>
+                <a:solidFill>
+                  <a:srgbClr val="000000"/>
+                </a:solidFill>
+                <a:effectLst/>
+                <a:latin typeface="Consolas" panose="020B0609020204030204" pitchFamily="49" charset="0"/>
+              </a:rPr>
+              <a:t>i</a:t>
+            </a:r>
+            <a:r>
+              <a:rPr kumimoji="0" lang="en-US" altLang="en-US" sz="2000" b="0" i="0" u="none" strike="noStrike" cap="none" normalizeH="0" baseline="0" dirty="0" smtClean="0">
+                <a:ln>
+                  <a:noFill/>
+                </a:ln>
+                <a:solidFill>
+                  <a:srgbClr val="000000"/>
+                </a:solidFill>
+                <a:effectLst/>
+                <a:latin typeface="Consolas" panose="020B0609020204030204" pitchFamily="49" charset="0"/>
+              </a:rPr>
+              <a:t>]) ? B[</a:t>
+            </a:r>
+            <a:r>
+              <a:rPr kumimoji="0" lang="en-US" altLang="en-US" sz="2000" b="0" i="0" u="none" strike="noStrike" cap="none" normalizeH="0" baseline="0" dirty="0" err="1" smtClean="0">
+                <a:ln>
+                  <a:noFill/>
+                </a:ln>
+                <a:solidFill>
+                  <a:srgbClr val="000000"/>
+                </a:solidFill>
+                <a:effectLst/>
+                <a:latin typeface="Consolas" panose="020B0609020204030204" pitchFamily="49" charset="0"/>
+              </a:rPr>
+              <a:t>i</a:t>
+            </a:r>
+            <a:r>
+              <a:rPr kumimoji="0" lang="en-US" altLang="en-US" sz="2000" b="0" i="0" u="none" strike="noStrike" cap="none" normalizeH="0" baseline="0" dirty="0" smtClean="0">
+                <a:ln>
+                  <a:noFill/>
+                </a:ln>
+                <a:solidFill>
+                  <a:srgbClr val="000000"/>
+                </a:solidFill>
+                <a:effectLst/>
+                <a:latin typeface="Consolas" panose="020B0609020204030204" pitchFamily="49" charset="0"/>
+              </a:rPr>
+              <a:t>] : A[</a:t>
+            </a:r>
+            <a:r>
+              <a:rPr kumimoji="0" lang="en-US" altLang="en-US" sz="2000" b="0" i="0" u="none" strike="noStrike" cap="none" normalizeH="0" baseline="0" dirty="0" err="1" smtClean="0">
+                <a:ln>
+                  <a:noFill/>
+                </a:ln>
+                <a:solidFill>
+                  <a:srgbClr val="000000"/>
+                </a:solidFill>
+                <a:effectLst/>
+                <a:latin typeface="Consolas" panose="020B0609020204030204" pitchFamily="49" charset="0"/>
+              </a:rPr>
+              <a:t>i</a:t>
+            </a:r>
+            <a:r>
+              <a:rPr kumimoji="0" lang="en-US" altLang="en-US" sz="2000" b="0" i="0" u="none" strike="noStrike" cap="none" normalizeH="0" baseline="0" dirty="0" smtClean="0">
+                <a:ln>
+                  <a:noFill/>
+                </a:ln>
+                <a:solidFill>
+                  <a:srgbClr val="000000"/>
+                </a:solidFill>
+                <a:effectLst/>
+                <a:latin typeface="Consolas" panose="020B0609020204030204" pitchFamily="49" charset="0"/>
+              </a:rPr>
+              <a:t>];</a:t>
+            </a:r>
+            <a:br>
+              <a:rPr kumimoji="0" lang="en-US" altLang="en-US" sz="2000" b="0" i="0" u="none" strike="noStrike" cap="none" normalizeH="0" baseline="0" dirty="0" smtClean="0">
+                <a:ln>
+                  <a:noFill/>
+                </a:ln>
+                <a:solidFill>
+                  <a:srgbClr val="000000"/>
+                </a:solidFill>
+                <a:effectLst/>
+                <a:latin typeface="Consolas" panose="020B0609020204030204" pitchFamily="49" charset="0"/>
+              </a:rPr>
+            </a:br>
+            <a:r>
+              <a:rPr kumimoji="0" lang="en-US" altLang="en-US" sz="2000" b="0" i="0" u="none" strike="noStrike" cap="none" normalizeH="0" baseline="0" dirty="0" smtClean="0">
+                <a:ln>
+                  <a:noFill/>
+                </a:ln>
+                <a:solidFill>
+                  <a:srgbClr val="000000"/>
+                </a:solidFill>
+                <a:effectLst/>
+                <a:latin typeface="Consolas" panose="020B0609020204030204" pitchFamily="49" charset="0"/>
+              </a:rPr>
+              <a:t>}</a:t>
+            </a:r>
+            <a:endParaRPr kumimoji="0" lang="en-US" altLang="en-US" sz="4800" b="0" i="0" u="none" strike="noStrike" cap="none" normalizeH="0" baseline="0" dirty="0" smtClean="0">
+              <a:ln>
+                <a:noFill/>
+              </a:ln>
+              <a:solidFill>
+                <a:schemeClr val="tx1"/>
+              </a:solidFill>
+              <a:effectLst/>
+              <a:latin typeface="Arial" panose="020B0604020202020204" pitchFamily="34" charset="0"/>
+            </a:endParaRPr>
+          </a:p>
+        </p:txBody>
+      </p:sp>
+      <p:sp>
+        <p:nvSpPr>
+          <p:cNvPr id="7" name="Down Arrow 6"/>
+          <p:cNvSpPr/>
+          <p:nvPr/>
+        </p:nvSpPr>
+        <p:spPr>
+          <a:xfrm>
+            <a:off x="6344412" y="4800601"/>
+            <a:ext cx="705049" cy="662794"/>
+          </a:xfrm>
+          <a:prstGeom prst="downArrow">
+            <a:avLst/>
+          </a:prstGeom>
+          <a:solidFill>
+            <a:srgbClr val="FFC000"/>
+          </a:solidFill>
+        </p:spPr>
+        <p:style>
+          <a:lnRef idx="2">
+            <a:schemeClr val="accent1">
+              <a:shade val="50000"/>
+            </a:schemeClr>
+          </a:lnRef>
+          <a:fillRef idx="1">
+            <a:schemeClr val="accent1"/>
+          </a:fillRef>
+          <a:effectRef idx="0">
+            <a:schemeClr val="accent1"/>
+          </a:effectRef>
+          <a:fontRef idx="minor">
+            <a:schemeClr val="lt1"/>
+          </a:fontRef>
+        </p:style>
+        <p:txBody>
+          <a:bodyPr rtlCol="0" anchor="ctr"/>
+          <a:lstStyle/>
+          <a:p>
+            <a:pPr algn="ctr"/>
+            <a:endParaRPr lang="en-US"/>
+          </a:p>
+        </p:txBody>
+      </p:sp>
+    </p:spTree>
+    <p:extLst>
+      <p:ext uri="{BB962C8B-B14F-4D97-AF65-F5344CB8AC3E}">
+        <p14:creationId xmlns:p14="http://schemas.microsoft.com/office/powerpoint/2010/main" val="28138295"/>
+      </p:ext>
+    </p:extLst>
+  </p:cSld>
+  <p:clrMapOvr>
+    <a:masterClrMapping/>
+  </p:clrMapOvr>
+</p:sld>
+</file>
+
+<file path=ppt/slides/slide11.xml><?xml version="1.0" encoding="utf-8"?>
+<p:sld xmlns:a="http://schemas.openxmlformats.org/drawingml/2006/main" xmlns:r="http://schemas.openxmlformats.org/officeDocument/2006/relationships" xmlns:p="http://schemas.openxmlformats.org/presentationml/2006/main">
+  <p:cSld>
+    <p:spTree>
+      <p:nvGrpSpPr>
+        <p:cNvPr id="1" name=""/>
+        <p:cNvGrpSpPr/>
+        <p:nvPr/>
+      </p:nvGrpSpPr>
+      <p:grpSpPr>
+        <a:xfrm>
+          <a:off x="0" y="0"/>
+          <a:ext cx="0" cy="0"/>
+          <a:chOff x="0" y="0"/>
+          <a:chExt cx="0" cy="0"/>
+        </a:xfrm>
+      </p:grpSpPr>
+      <p:sp>
+        <p:nvSpPr>
+          <p:cNvPr id="2" name="Content Placeholder 1"/>
+          <p:cNvSpPr>
+            <a:spLocks noGrp="1"/>
+          </p:cNvSpPr>
+          <p:nvPr>
+            <p:ph idx="1"/>
+          </p:nvPr>
+        </p:nvSpPr>
+        <p:spPr/>
+        <p:txBody>
+          <a:bodyPr/>
+          <a:lstStyle/>
+          <a:p>
+            <a:r>
+              <a:rPr lang="en-US" dirty="0"/>
+              <a:t>The idea of eliminating wasted iterations is to modify loop bounds to avoid executing loop iterations over essentially empty loop bodies. </a:t>
+            </a:r>
+            <a:endParaRPr lang="en-US" dirty="0"/>
+          </a:p>
+        </p:txBody>
+      </p:sp>
+      <p:sp>
+        <p:nvSpPr>
+          <p:cNvPr id="3" name="Slide Number Placeholder 2"/>
+          <p:cNvSpPr>
+            <a:spLocks noGrp="1"/>
+          </p:cNvSpPr>
+          <p:nvPr>
+            <p:ph type="sldNum" sz="quarter" idx="12"/>
+          </p:nvPr>
+        </p:nvSpPr>
+        <p:spPr/>
+        <p:txBody>
+          <a:bodyPr/>
+          <a:lstStyle/>
+          <a:p>
+            <a:pPr algn="ctr"/>
+            <a:fld id="{1397BFD8-F312-4EF2-A268-44FB4BDDBBB0}" type="slidenum">
+              <a:rPr lang="ru-RU" smtClean="0"/>
+              <a:pPr algn="ctr"/>
+              <a:t>11</a:t>
+            </a:fld>
+            <a:endParaRPr lang="ru-RU" dirty="0"/>
+          </a:p>
+        </p:txBody>
+      </p:sp>
+      <p:sp>
+        <p:nvSpPr>
+          <p:cNvPr id="4" name="Title 3"/>
+          <p:cNvSpPr>
+            <a:spLocks noGrp="1"/>
+          </p:cNvSpPr>
+          <p:nvPr>
+            <p:ph type="title"/>
+          </p:nvPr>
+        </p:nvSpPr>
+        <p:spPr/>
+        <p:txBody>
+          <a:bodyPr/>
+          <a:lstStyle/>
+          <a:p>
+            <a:r>
+              <a:rPr lang="en-US" dirty="0"/>
+              <a:t>Eliminating Wasted Iterations</a:t>
+            </a:r>
+          </a:p>
+        </p:txBody>
+      </p:sp>
+    </p:spTree>
+    <p:extLst>
+      <p:ext uri="{BB962C8B-B14F-4D97-AF65-F5344CB8AC3E}">
+        <p14:creationId xmlns:p14="http://schemas.microsoft.com/office/powerpoint/2010/main" val="585919440"/>
+      </p:ext>
+    </p:extLst>
+  </p:cSld>
+  <p:clrMapOvr>
+    <a:masterClrMapping/>
+  </p:clrMapOvr>
+</p:sld>
+</file>
+
+<file path=ppt/slides/slide12.xml><?xml version="1.0" encoding="utf-8"?>
+<p:sld xmlns:a="http://schemas.openxmlformats.org/drawingml/2006/main" xmlns:r="http://schemas.openxmlformats.org/officeDocument/2006/relationships" xmlns:p="http://schemas.openxmlformats.org/presentationml/2006/main">
+  <p:cSld>
+    <p:spTree>
+      <p:nvGrpSpPr>
+        <p:cNvPr id="1" name=""/>
+        <p:cNvGrpSpPr/>
+        <p:nvPr/>
+      </p:nvGrpSpPr>
+      <p:grpSpPr>
+        <a:xfrm>
+          <a:off x="0" y="0"/>
+          <a:ext cx="0" cy="0"/>
+          <a:chOff x="0" y="0"/>
+          <a:chExt cx="0" cy="0"/>
+        </a:xfrm>
+      </p:grpSpPr>
+      <p:sp>
+        <p:nvSpPr>
+          <p:cNvPr id="2" name="Content Placeholder 1"/>
+          <p:cNvSpPr>
+            <a:spLocks noGrp="1"/>
+          </p:cNvSpPr>
+          <p:nvPr>
+            <p:ph idx="1"/>
+          </p:nvPr>
+        </p:nvSpPr>
+        <p:spPr>
+          <a:xfrm>
+            <a:off x="810768" y="1132332"/>
+            <a:ext cx="10911840" cy="5597652"/>
+          </a:xfrm>
+        </p:spPr>
+        <p:txBody>
+          <a:bodyPr>
+            <a:normAutofit fontScale="92500" lnSpcReduction="10000"/>
+          </a:bodyPr>
+          <a:lstStyle/>
+          <a:p>
+            <a:pPr>
+              <a:defRPr/>
+            </a:pPr>
+            <a:r>
+              <a:rPr lang="en-US" dirty="0"/>
+              <a:t>Provide efficient mapping of program to machine</a:t>
+            </a:r>
+          </a:p>
+          <a:p>
+            <a:pPr lvl="1">
+              <a:defRPr/>
+            </a:pPr>
+            <a:r>
+              <a:rPr lang="en-US" dirty="0"/>
+              <a:t>register allocation</a:t>
+            </a:r>
+          </a:p>
+          <a:p>
+            <a:pPr lvl="1">
+              <a:defRPr/>
+            </a:pPr>
+            <a:r>
+              <a:rPr lang="en-US" dirty="0"/>
+              <a:t>code selection and ordering (scheduling)</a:t>
+            </a:r>
+          </a:p>
+          <a:p>
+            <a:pPr lvl="1">
+              <a:defRPr/>
+            </a:pPr>
+            <a:r>
+              <a:rPr lang="en-US" dirty="0"/>
+              <a:t>dead code elimination</a:t>
+            </a:r>
+          </a:p>
+          <a:p>
+            <a:pPr lvl="1">
+              <a:defRPr/>
+            </a:pPr>
+            <a:r>
+              <a:rPr lang="en-US" dirty="0"/>
+              <a:t>eliminating minor inefficiencies</a:t>
+            </a:r>
+          </a:p>
+          <a:p>
+            <a:pPr>
+              <a:defRPr/>
+            </a:pPr>
+            <a:r>
+              <a:rPr lang="en-US" dirty="0" smtClean="0"/>
+              <a:t>Do not </a:t>
+            </a:r>
+            <a:r>
+              <a:rPr lang="en-US" dirty="0"/>
+              <a:t>(usually) improve asymptotic efficiency</a:t>
+            </a:r>
+          </a:p>
+          <a:p>
+            <a:pPr lvl="1">
+              <a:defRPr/>
+            </a:pPr>
+            <a:r>
+              <a:rPr lang="en-US" dirty="0"/>
+              <a:t>up to programmer to select best overall algorithm</a:t>
+            </a:r>
+          </a:p>
+          <a:p>
+            <a:pPr lvl="1">
+              <a:defRPr/>
+            </a:pPr>
+            <a:r>
+              <a:rPr lang="en-US" dirty="0"/>
+              <a:t>big-O savings are (often) more important than constant factors</a:t>
+            </a:r>
+          </a:p>
+          <a:p>
+            <a:pPr lvl="2">
+              <a:defRPr/>
+            </a:pPr>
+            <a:r>
+              <a:rPr lang="en-US" sz="3000" dirty="0"/>
+              <a:t>but constant factors also matter</a:t>
+            </a:r>
+          </a:p>
+          <a:p>
+            <a:pPr>
+              <a:defRPr/>
+            </a:pPr>
+            <a:r>
+              <a:rPr lang="en-US" dirty="0"/>
+              <a:t>Have difficulty overcoming “optimization blockers”</a:t>
+            </a:r>
+          </a:p>
+          <a:p>
+            <a:pPr lvl="1">
+              <a:defRPr/>
+            </a:pPr>
+            <a:r>
+              <a:rPr lang="en-US" dirty="0"/>
+              <a:t>potential memory aliasing</a:t>
+            </a:r>
+          </a:p>
+          <a:p>
+            <a:pPr lvl="1">
+              <a:defRPr/>
+            </a:pPr>
+            <a:r>
+              <a:rPr lang="en-US" dirty="0"/>
+              <a:t>potential procedure side-effects</a:t>
+            </a:r>
+          </a:p>
+          <a:p>
+            <a:endParaRPr lang="en-US" dirty="0"/>
+          </a:p>
+        </p:txBody>
+      </p:sp>
+      <p:sp>
+        <p:nvSpPr>
+          <p:cNvPr id="3" name="Slide Number Placeholder 2"/>
+          <p:cNvSpPr>
+            <a:spLocks noGrp="1"/>
+          </p:cNvSpPr>
+          <p:nvPr>
+            <p:ph type="sldNum" sz="quarter" idx="12"/>
+          </p:nvPr>
+        </p:nvSpPr>
+        <p:spPr/>
+        <p:txBody>
+          <a:bodyPr/>
+          <a:lstStyle/>
+          <a:p>
+            <a:pPr algn="ctr"/>
+            <a:fld id="{1397BFD8-F312-4EF2-A268-44FB4BDDBBB0}" type="slidenum">
+              <a:rPr lang="ru-RU" smtClean="0"/>
+              <a:pPr algn="ctr"/>
+              <a:t>12</a:t>
+            </a:fld>
+            <a:endParaRPr lang="ru-RU" dirty="0"/>
+          </a:p>
+        </p:txBody>
+      </p:sp>
+      <p:sp>
+        <p:nvSpPr>
+          <p:cNvPr id="4" name="Title 3"/>
+          <p:cNvSpPr>
+            <a:spLocks noGrp="1"/>
+          </p:cNvSpPr>
+          <p:nvPr>
+            <p:ph type="title"/>
+          </p:nvPr>
+        </p:nvSpPr>
+        <p:spPr/>
+        <p:txBody>
+          <a:bodyPr/>
+          <a:lstStyle/>
+          <a:p>
+            <a:r>
+              <a:rPr lang="en-US" dirty="0" smtClean="0"/>
+              <a:t>Optimizing Compilers</a:t>
+            </a:r>
+            <a:endParaRPr lang="en-US" dirty="0"/>
+          </a:p>
+        </p:txBody>
+      </p:sp>
+    </p:spTree>
+    <p:extLst>
+      <p:ext uri="{BB962C8B-B14F-4D97-AF65-F5344CB8AC3E}">
+        <p14:creationId xmlns:p14="http://schemas.microsoft.com/office/powerpoint/2010/main" val="3057844912"/>
+      </p:ext>
+    </p:extLst>
+  </p:cSld>
+  <p:clrMapOvr>
+    <a:masterClrMapping/>
+  </p:clrMapOvr>
+</p:sld>
+</file>
+
+<file path=ppt/slides/slide13.xml><?xml version="1.0" encoding="utf-8"?>
+<p:sld xmlns:a="http://schemas.openxmlformats.org/drawingml/2006/main" xmlns:r="http://schemas.openxmlformats.org/officeDocument/2006/relationships" xmlns:p="http://schemas.openxmlformats.org/presentationml/2006/main">
+  <p:cSld>
+    <p:spTree>
+      <p:nvGrpSpPr>
+        <p:cNvPr id="1" name=""/>
+        <p:cNvGrpSpPr/>
+        <p:nvPr/>
+      </p:nvGrpSpPr>
+      <p:grpSpPr>
+        <a:xfrm>
+          <a:off x="0" y="0"/>
+          <a:ext cx="0" cy="0"/>
+          <a:chOff x="0" y="0"/>
+          <a:chExt cx="0" cy="0"/>
+        </a:xfrm>
+      </p:grpSpPr>
+      <p:sp>
+        <p:nvSpPr>
+          <p:cNvPr id="2" name="Content Placeholder 1"/>
+          <p:cNvSpPr>
+            <a:spLocks noGrp="1"/>
+          </p:cNvSpPr>
+          <p:nvPr>
+            <p:ph idx="1"/>
+          </p:nvPr>
+        </p:nvSpPr>
+        <p:spPr>
+          <a:xfrm>
+            <a:off x="838200" y="1060704"/>
+            <a:ext cx="11094720" cy="5609653"/>
+          </a:xfrm>
+        </p:spPr>
+        <p:txBody>
+          <a:bodyPr>
+            <a:noAutofit/>
+          </a:bodyPr>
+          <a:lstStyle/>
+          <a:p>
+            <a:pPr>
+              <a:defRPr/>
+            </a:pPr>
+            <a:r>
+              <a:rPr lang="en-US" sz="2400" dirty="0"/>
+              <a:t>Operate under fundamental constraint</a:t>
+            </a:r>
+          </a:p>
+          <a:p>
+            <a:pPr lvl="1">
+              <a:defRPr/>
+            </a:pPr>
+            <a:r>
+              <a:rPr lang="en-US" sz="2000" dirty="0"/>
+              <a:t>Must not cause any change in program behavior</a:t>
+            </a:r>
+          </a:p>
+          <a:p>
+            <a:pPr lvl="2">
+              <a:defRPr/>
+            </a:pPr>
+            <a:r>
+              <a:rPr lang="en-US" sz="2000" dirty="0"/>
+              <a:t>Except, possibly when program making use of nonstandard language features</a:t>
+            </a:r>
+          </a:p>
+          <a:p>
+            <a:pPr lvl="1">
+              <a:defRPr/>
+            </a:pPr>
+            <a:r>
+              <a:rPr lang="en-US" sz="2000" dirty="0"/>
+              <a:t>Often prevents it from making optimizations that would only affect behavior under pathological conditions.</a:t>
+            </a:r>
+          </a:p>
+          <a:p>
+            <a:pPr>
+              <a:defRPr/>
+            </a:pPr>
+            <a:r>
+              <a:rPr lang="en-US" sz="2400" dirty="0"/>
+              <a:t>Behavior that may be obvious to the programmer can </a:t>
+            </a:r>
+            <a:r>
+              <a:rPr lang="en-US" sz="2400" dirty="0" smtClean="0"/>
+              <a:t>be </a:t>
+            </a:r>
+            <a:r>
+              <a:rPr lang="en-US" sz="2400" dirty="0"/>
+              <a:t>obfuscated by languages and coding styles</a:t>
+            </a:r>
+          </a:p>
+          <a:p>
+            <a:pPr lvl="1">
+              <a:defRPr/>
+            </a:pPr>
+            <a:r>
+              <a:rPr lang="en-US" sz="2000" dirty="0"/>
+              <a:t>e.g., Data ranges may be more limited than variable types suggest</a:t>
+            </a:r>
+          </a:p>
+          <a:p>
+            <a:pPr>
+              <a:defRPr/>
+            </a:pPr>
+            <a:r>
+              <a:rPr lang="en-US" sz="2400" dirty="0"/>
+              <a:t>Most analysis is performed only within procedures</a:t>
+            </a:r>
+          </a:p>
+          <a:p>
+            <a:pPr lvl="1">
+              <a:defRPr/>
+            </a:pPr>
+            <a:r>
+              <a:rPr lang="en-US" sz="2000" dirty="0"/>
+              <a:t>Whole-program analysis is too expensive in most cases</a:t>
+            </a:r>
+          </a:p>
+          <a:p>
+            <a:pPr lvl="1">
+              <a:defRPr/>
+            </a:pPr>
+            <a:r>
+              <a:rPr lang="en-US" sz="2000" dirty="0"/>
+              <a:t>Newer versions of GCC do </a:t>
+            </a:r>
+            <a:r>
+              <a:rPr lang="en-US" sz="2000" dirty="0" smtClean="0"/>
+              <a:t>inter-procedural </a:t>
+            </a:r>
+            <a:r>
+              <a:rPr lang="en-US" sz="2000" dirty="0"/>
+              <a:t>analysis within individual files</a:t>
+            </a:r>
+          </a:p>
+          <a:p>
+            <a:pPr lvl="2">
+              <a:defRPr/>
+            </a:pPr>
+            <a:r>
+              <a:rPr lang="en-US" sz="2000" dirty="0"/>
+              <a:t>But, not between code in different files</a:t>
+            </a:r>
+          </a:p>
+          <a:p>
+            <a:pPr>
+              <a:defRPr/>
+            </a:pPr>
+            <a:r>
+              <a:rPr lang="en-US" sz="2400" dirty="0"/>
+              <a:t>Most analysis is based only on </a:t>
+            </a:r>
+            <a:r>
+              <a:rPr lang="en-US" sz="2400" i="1" dirty="0"/>
+              <a:t>static</a:t>
+            </a:r>
+            <a:r>
+              <a:rPr lang="en-US" sz="2400" dirty="0"/>
+              <a:t> information</a:t>
+            </a:r>
+          </a:p>
+          <a:p>
+            <a:pPr lvl="1">
+              <a:defRPr/>
+            </a:pPr>
+            <a:r>
+              <a:rPr lang="en-US" sz="2000" dirty="0"/>
+              <a:t>Compiler has difficulty anticipating run-time inputs</a:t>
+            </a:r>
+            <a:endParaRPr lang="en-US" sz="2400" dirty="0"/>
+          </a:p>
+          <a:p>
+            <a:pPr>
+              <a:defRPr/>
+            </a:pPr>
+            <a:r>
+              <a:rPr lang="en-US" sz="2400" dirty="0">
+                <a:solidFill>
+                  <a:srgbClr val="F7B217"/>
+                </a:solidFill>
+              </a:rPr>
+              <a:t>When in doubt, the compiler must be </a:t>
+            </a:r>
+            <a:r>
+              <a:rPr lang="en-US" sz="2400" dirty="0" smtClean="0">
+                <a:solidFill>
+                  <a:srgbClr val="F7B217"/>
+                </a:solidFill>
+              </a:rPr>
+              <a:t>conservative</a:t>
+            </a:r>
+            <a:endParaRPr lang="en-US" sz="4000" dirty="0"/>
+          </a:p>
+        </p:txBody>
+      </p:sp>
+      <p:sp>
+        <p:nvSpPr>
+          <p:cNvPr id="3" name="Slide Number Placeholder 2"/>
+          <p:cNvSpPr>
+            <a:spLocks noGrp="1"/>
+          </p:cNvSpPr>
+          <p:nvPr>
+            <p:ph type="sldNum" sz="quarter" idx="12"/>
+          </p:nvPr>
+        </p:nvSpPr>
+        <p:spPr/>
+        <p:txBody>
+          <a:bodyPr/>
+          <a:lstStyle/>
+          <a:p>
+            <a:pPr algn="ctr"/>
+            <a:fld id="{1397BFD8-F312-4EF2-A268-44FB4BDDBBB0}" type="slidenum">
+              <a:rPr lang="ru-RU" smtClean="0"/>
+              <a:pPr algn="ctr"/>
+              <a:t>13</a:t>
+            </a:fld>
+            <a:endParaRPr lang="ru-RU" dirty="0"/>
+          </a:p>
+        </p:txBody>
+      </p:sp>
+      <p:sp>
+        <p:nvSpPr>
+          <p:cNvPr id="4" name="Title 3"/>
+          <p:cNvSpPr>
+            <a:spLocks noGrp="1"/>
+          </p:cNvSpPr>
+          <p:nvPr>
+            <p:ph type="title"/>
+          </p:nvPr>
+        </p:nvSpPr>
+        <p:spPr/>
+        <p:txBody>
+          <a:bodyPr/>
+          <a:lstStyle/>
+          <a:p>
+            <a:r>
+              <a:rPr lang="en-US" dirty="0"/>
+              <a:t>Limitations of Optimizing Compilers</a:t>
+            </a:r>
+          </a:p>
+        </p:txBody>
+      </p:sp>
+    </p:spTree>
+    <p:extLst>
+      <p:ext uri="{BB962C8B-B14F-4D97-AF65-F5344CB8AC3E}">
+        <p14:creationId xmlns:p14="http://schemas.microsoft.com/office/powerpoint/2010/main" val="1287200570"/>
+      </p:ext>
+    </p:extLst>
+  </p:cSld>
+  <p:clrMapOvr>
+    <a:masterClrMapping/>
+  </p:clrMapOvr>
+</p:sld>
+</file>
+
+<file path=ppt/slides/slide14.xml><?xml version="1.0" encoding="utf-8"?>
+<p:sld xmlns:a="http://schemas.openxmlformats.org/drawingml/2006/main" xmlns:r="http://schemas.openxmlformats.org/officeDocument/2006/relationships" xmlns:p="http://schemas.openxmlformats.org/presentationml/2006/main">
+  <p:cSld>
+    <p:spTree>
+      <p:nvGrpSpPr>
+        <p:cNvPr id="1" name=""/>
+        <p:cNvGrpSpPr/>
+        <p:nvPr/>
+      </p:nvGrpSpPr>
+      <p:grpSpPr>
+        <a:xfrm>
+          <a:off x="0" y="0"/>
+          <a:ext cx="0" cy="0"/>
+          <a:chOff x="0" y="0"/>
+          <a:chExt cx="0" cy="0"/>
+        </a:xfrm>
+      </p:grpSpPr>
+      <p:sp>
+        <p:nvSpPr>
+          <p:cNvPr id="2" name="Content Placeholder 1"/>
+          <p:cNvSpPr>
+            <a:spLocks noGrp="1"/>
+          </p:cNvSpPr>
+          <p:nvPr>
+            <p:ph idx="1"/>
+          </p:nvPr>
+        </p:nvSpPr>
+        <p:spPr>
+          <a:xfrm>
+            <a:off x="838200" y="1178052"/>
+            <a:ext cx="10515600" cy="5268467"/>
+          </a:xfrm>
+        </p:spPr>
+        <p:txBody>
+          <a:bodyPr/>
+          <a:lstStyle/>
+          <a:p>
+            <a:pPr marL="223838" indent="-223838" defTabSz="895350">
+              <a:spcBef>
+                <a:spcPts val="1200"/>
+              </a:spcBef>
+              <a:tabLst>
+                <a:tab pos="5029200" algn="l"/>
+                <a:tab pos="5715000" algn="l"/>
+              </a:tabLst>
+              <a:defRPr/>
+            </a:pPr>
+            <a:r>
+              <a:rPr lang="en-US" dirty="0"/>
+              <a:t>Aliasing</a:t>
+            </a:r>
+          </a:p>
+          <a:p>
+            <a:pPr marL="560388" lvl="1" indent="-222250" defTabSz="895350">
+              <a:spcBef>
+                <a:spcPts val="1200"/>
+              </a:spcBef>
+              <a:tabLst>
+                <a:tab pos="5029200" algn="l"/>
+                <a:tab pos="5715000" algn="l"/>
+              </a:tabLst>
+              <a:defRPr/>
+            </a:pPr>
+            <a:r>
+              <a:rPr lang="en-US" dirty="0"/>
+              <a:t>Two different memory references specify single location</a:t>
+            </a:r>
+          </a:p>
+          <a:p>
+            <a:pPr marL="560388" lvl="1" indent="-222250" defTabSz="895350">
+              <a:spcBef>
+                <a:spcPts val="1200"/>
+              </a:spcBef>
+              <a:tabLst>
+                <a:tab pos="5029200" algn="l"/>
+                <a:tab pos="5715000" algn="l"/>
+              </a:tabLst>
+              <a:defRPr/>
+            </a:pPr>
+            <a:r>
+              <a:rPr lang="en-US" dirty="0"/>
+              <a:t>Easy to have happen in C</a:t>
+            </a:r>
+          </a:p>
+          <a:p>
+            <a:pPr marL="839788" lvl="2" indent="-165100" defTabSz="895350">
+              <a:spcBef>
+                <a:spcPts val="1200"/>
+              </a:spcBef>
+              <a:tabLst>
+                <a:tab pos="5029200" algn="l"/>
+                <a:tab pos="5715000" algn="l"/>
+              </a:tabLst>
+              <a:defRPr/>
+            </a:pPr>
+            <a:r>
+              <a:rPr lang="en-US" sz="2800" dirty="0"/>
+              <a:t> Since allowed to do address arithmetic</a:t>
+            </a:r>
+          </a:p>
+          <a:p>
+            <a:pPr marL="839788" lvl="2" indent="-165100" defTabSz="895350">
+              <a:spcBef>
+                <a:spcPts val="1200"/>
+              </a:spcBef>
+              <a:tabLst>
+                <a:tab pos="5029200" algn="l"/>
+                <a:tab pos="5715000" algn="l"/>
+              </a:tabLst>
+              <a:defRPr/>
+            </a:pPr>
+            <a:r>
+              <a:rPr lang="en-US" sz="2800" dirty="0"/>
+              <a:t> Direct access to storage structures</a:t>
+            </a:r>
+          </a:p>
+          <a:p>
+            <a:pPr marL="560388" lvl="1" indent="-222250" defTabSz="895350">
+              <a:spcBef>
+                <a:spcPts val="1200"/>
+              </a:spcBef>
+              <a:tabLst>
+                <a:tab pos="5029200" algn="l"/>
+                <a:tab pos="5715000" algn="l"/>
+              </a:tabLst>
+              <a:defRPr/>
+            </a:pPr>
+            <a:r>
+              <a:rPr lang="en-US" dirty="0"/>
+              <a:t>Get in habit of introducing local variables</a:t>
+            </a:r>
+          </a:p>
+          <a:p>
+            <a:pPr marL="839788" lvl="2" indent="-165100" defTabSz="895350">
+              <a:spcBef>
+                <a:spcPts val="1200"/>
+              </a:spcBef>
+              <a:tabLst>
+                <a:tab pos="5029200" algn="l"/>
+                <a:tab pos="5715000" algn="l"/>
+              </a:tabLst>
+              <a:defRPr/>
+            </a:pPr>
+            <a:r>
+              <a:rPr lang="en-US" sz="2800" dirty="0"/>
+              <a:t> Accumulating within loops</a:t>
+            </a:r>
+          </a:p>
+          <a:p>
+            <a:pPr marL="839788" lvl="2" indent="-165100" defTabSz="895350">
+              <a:spcBef>
+                <a:spcPts val="1200"/>
+              </a:spcBef>
+              <a:tabLst>
+                <a:tab pos="5029200" algn="l"/>
+                <a:tab pos="5715000" algn="l"/>
+              </a:tabLst>
+              <a:defRPr/>
+            </a:pPr>
+            <a:r>
+              <a:rPr lang="en-US" sz="2800" dirty="0"/>
+              <a:t> </a:t>
+            </a:r>
+            <a:r>
+              <a:rPr lang="en-US" sz="2800" dirty="0">
+                <a:solidFill>
+                  <a:srgbClr val="F7B217"/>
+                </a:solidFill>
+              </a:rPr>
+              <a:t>Your way of telling compiler not to check for aliasing</a:t>
+            </a:r>
+          </a:p>
+          <a:p>
+            <a:endParaRPr lang="en-US" dirty="0"/>
+          </a:p>
+        </p:txBody>
+      </p:sp>
+      <p:sp>
+        <p:nvSpPr>
+          <p:cNvPr id="3" name="Slide Number Placeholder 2"/>
+          <p:cNvSpPr>
+            <a:spLocks noGrp="1"/>
+          </p:cNvSpPr>
+          <p:nvPr>
+            <p:ph type="sldNum" sz="quarter" idx="12"/>
+          </p:nvPr>
+        </p:nvSpPr>
+        <p:spPr/>
+        <p:txBody>
+          <a:bodyPr/>
+          <a:lstStyle/>
+          <a:p>
+            <a:pPr algn="ctr"/>
+            <a:fld id="{1397BFD8-F312-4EF2-A268-44FB4BDDBBB0}" type="slidenum">
+              <a:rPr lang="ru-RU" smtClean="0"/>
+              <a:pPr algn="ctr"/>
+              <a:t>14</a:t>
+            </a:fld>
+            <a:endParaRPr lang="ru-RU" dirty="0"/>
+          </a:p>
+        </p:txBody>
+      </p:sp>
+      <p:sp>
+        <p:nvSpPr>
+          <p:cNvPr id="4" name="Title 3"/>
+          <p:cNvSpPr>
+            <a:spLocks noGrp="1"/>
+          </p:cNvSpPr>
+          <p:nvPr>
+            <p:ph type="title"/>
+          </p:nvPr>
+        </p:nvSpPr>
+        <p:spPr/>
+        <p:txBody>
+          <a:bodyPr/>
+          <a:lstStyle/>
+          <a:p>
+            <a:r>
+              <a:rPr lang="en-US" dirty="0"/>
+              <a:t>Optimization Blocker: Memory Aliasing</a:t>
+            </a:r>
+          </a:p>
+        </p:txBody>
+      </p:sp>
+    </p:spTree>
+    <p:extLst>
+      <p:ext uri="{BB962C8B-B14F-4D97-AF65-F5344CB8AC3E}">
+        <p14:creationId xmlns:p14="http://schemas.microsoft.com/office/powerpoint/2010/main" val="298650820"/>
+      </p:ext>
+    </p:extLst>
+  </p:cSld>
+  <p:clrMapOvr>
+    <a:masterClrMapping/>
+  </p:clrMapOvr>
+</p:sld>
+</file>
+
+<file path=ppt/slides/slide15.xml><?xml version="1.0" encoding="utf-8"?>
+<p:sld xmlns:a="http://schemas.openxmlformats.org/drawingml/2006/main" xmlns:r="http://schemas.openxmlformats.org/officeDocument/2006/relationships" xmlns:p="http://schemas.openxmlformats.org/presentationml/2006/main">
+  <p:cSld>
+    <p:spTree>
+      <p:nvGrpSpPr>
+        <p:cNvPr id="1" name=""/>
+        <p:cNvGrpSpPr/>
+        <p:nvPr/>
+      </p:nvGrpSpPr>
+      <p:grpSpPr>
+        <a:xfrm>
+          <a:off x="0" y="0"/>
+          <a:ext cx="0" cy="0"/>
+          <a:chOff x="0" y="0"/>
+          <a:chExt cx="0" cy="0"/>
+        </a:xfrm>
+      </p:grpSpPr>
+      <p:sp>
+        <p:nvSpPr>
+          <p:cNvPr id="2" name="Content Placeholder 1"/>
+          <p:cNvSpPr>
+            <a:spLocks noGrp="1"/>
+          </p:cNvSpPr>
+          <p:nvPr>
+            <p:ph idx="1"/>
+          </p:nvPr>
+        </p:nvSpPr>
+        <p:spPr>
+          <a:xfrm>
+            <a:off x="838200" y="1178053"/>
+            <a:ext cx="10515600" cy="5492304"/>
+          </a:xfrm>
+        </p:spPr>
+        <p:txBody>
+          <a:bodyPr>
+            <a:normAutofit/>
+          </a:bodyPr>
+          <a:lstStyle/>
+          <a:p>
+            <a:pPr>
+              <a:spcBef>
+                <a:spcPts val="1200"/>
+              </a:spcBef>
+              <a:defRPr/>
+            </a:pPr>
+            <a:r>
+              <a:rPr lang="en-US" dirty="0" smtClean="0"/>
+              <a:t>Warning: compiler </a:t>
+            </a:r>
+            <a:r>
+              <a:rPr lang="en-US" dirty="0"/>
+              <a:t>treats procedure call as a black box</a:t>
+            </a:r>
+          </a:p>
+          <a:p>
+            <a:pPr lvl="1">
+              <a:spcBef>
+                <a:spcPts val="1200"/>
+              </a:spcBef>
+              <a:defRPr/>
+            </a:pPr>
+            <a:r>
+              <a:rPr lang="en-US" dirty="0" smtClean="0"/>
+              <a:t>Procedure </a:t>
+            </a:r>
+            <a:r>
+              <a:rPr lang="en-US" dirty="0"/>
+              <a:t>may have side effects</a:t>
+            </a:r>
+          </a:p>
+          <a:p>
+            <a:pPr lvl="1">
+              <a:spcBef>
+                <a:spcPts val="1200"/>
+              </a:spcBef>
+              <a:defRPr/>
+            </a:pPr>
+            <a:r>
+              <a:rPr lang="en-US" dirty="0"/>
+              <a:t>Alters global state each time called</a:t>
+            </a:r>
+          </a:p>
+          <a:p>
+            <a:pPr lvl="1">
+              <a:spcBef>
+                <a:spcPts val="1200"/>
+              </a:spcBef>
+              <a:defRPr/>
+            </a:pPr>
+            <a:r>
+              <a:rPr lang="en-US" dirty="0"/>
+              <a:t>Function may not return same value for given arguments</a:t>
+            </a:r>
+          </a:p>
+          <a:p>
+            <a:pPr lvl="1">
+              <a:spcBef>
+                <a:spcPts val="1200"/>
+              </a:spcBef>
+              <a:defRPr/>
+            </a:pPr>
+            <a:r>
+              <a:rPr lang="en-US" dirty="0"/>
+              <a:t>Depends on other parts of global state</a:t>
+            </a:r>
+          </a:p>
+          <a:p>
+            <a:pPr>
+              <a:spcBef>
+                <a:spcPts val="1200"/>
+              </a:spcBef>
+              <a:defRPr/>
+            </a:pPr>
+            <a:r>
+              <a:rPr lang="en-US" dirty="0" smtClean="0"/>
+              <a:t>Remedies</a:t>
+            </a:r>
+            <a:r>
+              <a:rPr lang="en-US" dirty="0"/>
+              <a:t>:</a:t>
+            </a:r>
+          </a:p>
+          <a:p>
+            <a:pPr lvl="1">
+              <a:spcBef>
+                <a:spcPts val="1200"/>
+              </a:spcBef>
+              <a:defRPr/>
+            </a:pPr>
+            <a:r>
+              <a:rPr lang="en-US" dirty="0"/>
+              <a:t>Use of inline functions</a:t>
+            </a:r>
+          </a:p>
+          <a:p>
+            <a:pPr lvl="1">
+              <a:spcBef>
+                <a:spcPts val="1200"/>
+              </a:spcBef>
+              <a:defRPr/>
+            </a:pPr>
+            <a:r>
+              <a:rPr lang="en-US" dirty="0" smtClean="0"/>
+              <a:t>Do </a:t>
+            </a:r>
+            <a:r>
+              <a:rPr lang="en-US" dirty="0"/>
+              <a:t>your own code </a:t>
+            </a:r>
+            <a:r>
+              <a:rPr lang="en-US" dirty="0" smtClean="0"/>
+              <a:t>motion</a:t>
+            </a:r>
+            <a:endParaRPr lang="en-US" sz="4800" dirty="0"/>
+          </a:p>
+        </p:txBody>
+      </p:sp>
+      <p:sp>
+        <p:nvSpPr>
+          <p:cNvPr id="3" name="Slide Number Placeholder 2"/>
+          <p:cNvSpPr>
+            <a:spLocks noGrp="1"/>
+          </p:cNvSpPr>
+          <p:nvPr>
+            <p:ph type="sldNum" sz="quarter" idx="12"/>
+          </p:nvPr>
+        </p:nvSpPr>
+        <p:spPr/>
+        <p:txBody>
+          <a:bodyPr/>
+          <a:lstStyle/>
+          <a:p>
+            <a:pPr algn="ctr"/>
+            <a:fld id="{1397BFD8-F312-4EF2-A268-44FB4BDDBBB0}" type="slidenum">
+              <a:rPr lang="ru-RU" smtClean="0"/>
+              <a:pPr algn="ctr"/>
+              <a:t>15</a:t>
+            </a:fld>
+            <a:endParaRPr lang="ru-RU" dirty="0"/>
+          </a:p>
+        </p:txBody>
+      </p:sp>
+      <p:sp>
+        <p:nvSpPr>
+          <p:cNvPr id="4" name="Title 3"/>
+          <p:cNvSpPr>
+            <a:spLocks noGrp="1"/>
+          </p:cNvSpPr>
+          <p:nvPr>
+            <p:ph type="title"/>
+          </p:nvPr>
+        </p:nvSpPr>
+        <p:spPr/>
+        <p:txBody>
+          <a:bodyPr/>
+          <a:lstStyle/>
+          <a:p>
+            <a:r>
+              <a:rPr lang="en-US" dirty="0"/>
+              <a:t>Optimization Blocker: Procedure Calls</a:t>
+            </a:r>
+          </a:p>
+        </p:txBody>
+      </p:sp>
+    </p:spTree>
+    <p:extLst>
+      <p:ext uri="{BB962C8B-B14F-4D97-AF65-F5344CB8AC3E}">
+        <p14:creationId xmlns:p14="http://schemas.microsoft.com/office/powerpoint/2010/main" val="992918218"/>
+      </p:ext>
+    </p:extLst>
+  </p:cSld>
+  <p:clrMapOvr>
+    <a:masterClrMapping/>
+  </p:clrMapOvr>
+</p:sld>
+</file>
+
+<file path=ppt/slides/slide16.xml><?xml version="1.0" encoding="utf-8"?>
+<p:sld xmlns:a="http://schemas.openxmlformats.org/drawingml/2006/main" xmlns:r="http://schemas.openxmlformats.org/officeDocument/2006/relationships" xmlns:p="http://schemas.openxmlformats.org/presentationml/2006/main">
+  <p:cSld>
+    <p:spTree>
+      <p:nvGrpSpPr>
+        <p:cNvPr id="1" name=""/>
+        <p:cNvGrpSpPr/>
+        <p:nvPr/>
+      </p:nvGrpSpPr>
+      <p:grpSpPr>
+        <a:xfrm>
+          <a:off x="0" y="0"/>
+          <a:ext cx="0" cy="0"/>
+          <a:chOff x="0" y="0"/>
+          <a:chExt cx="0" cy="0"/>
+        </a:xfrm>
+      </p:grpSpPr>
+      <p:sp>
+        <p:nvSpPr>
+          <p:cNvPr id="2" name="Содержимое 1"/>
+          <p:cNvSpPr>
+            <a:spLocks noGrp="1"/>
+          </p:cNvSpPr>
+          <p:nvPr>
+            <p:ph idx="1"/>
+          </p:nvPr>
+        </p:nvSpPr>
+        <p:spPr/>
+        <p:txBody>
+          <a:bodyPr>
+            <a:normAutofit/>
+          </a:bodyPr>
+          <a:lstStyle/>
+          <a:p>
+            <a:r>
+              <a:rPr lang="en-US" dirty="0" smtClean="0"/>
+              <a:t>Avoid premature optimization. First get correct working code. Then optimize, preserving correctness by regression testing.</a:t>
+            </a:r>
+          </a:p>
+          <a:p>
+            <a:r>
+              <a:rPr lang="en-US" dirty="0" smtClean="0"/>
+              <a:t>Reducing the work of a program does not necessarily decrease its running time, but it is a good heuristic.</a:t>
+            </a:r>
+          </a:p>
+          <a:p>
+            <a:r>
+              <a:rPr lang="en-US" dirty="0" smtClean="0"/>
+              <a:t>The compiler automates many low-level optimizations.</a:t>
+            </a:r>
+          </a:p>
+          <a:p>
+            <a:r>
+              <a:rPr lang="en-US" dirty="0" smtClean="0"/>
+              <a:t>To tell if the compiler is actually performing a particular optimization, look at the assembly code.</a:t>
+            </a:r>
+            <a:endParaRPr lang="ru-RU" dirty="0"/>
+          </a:p>
+        </p:txBody>
+      </p:sp>
+      <p:sp>
+        <p:nvSpPr>
+          <p:cNvPr id="3" name="Номер слайда 2"/>
+          <p:cNvSpPr>
+            <a:spLocks noGrp="1"/>
+          </p:cNvSpPr>
+          <p:nvPr>
+            <p:ph type="sldNum" sz="quarter" idx="12"/>
+          </p:nvPr>
+        </p:nvSpPr>
+        <p:spPr/>
+        <p:txBody>
+          <a:bodyPr/>
+          <a:lstStyle/>
+          <a:p>
+            <a:pPr algn="ctr"/>
+            <a:fld id="{1397BFD8-F312-4EF2-A268-44FB4BDDBBB0}" type="slidenum">
+              <a:rPr lang="ru-RU" smtClean="0"/>
+              <a:pPr algn="ctr"/>
+              <a:t>16</a:t>
+            </a:fld>
+            <a:endParaRPr lang="ru-RU" dirty="0"/>
+          </a:p>
+        </p:txBody>
+      </p:sp>
+      <p:sp>
+        <p:nvSpPr>
+          <p:cNvPr id="4" name="Заголовок 3"/>
+          <p:cNvSpPr>
+            <a:spLocks noGrp="1"/>
+          </p:cNvSpPr>
+          <p:nvPr>
+            <p:ph type="title"/>
+          </p:nvPr>
+        </p:nvSpPr>
+        <p:spPr/>
+        <p:txBody>
+          <a:bodyPr/>
+          <a:lstStyle/>
+          <a:p>
+            <a:r>
+              <a:rPr lang="en-US" dirty="0" smtClean="0"/>
+              <a:t>Conclusion</a:t>
+            </a:r>
+            <a:endParaRPr lang="ru-RU" dirty="0"/>
+          </a:p>
+        </p:txBody>
+      </p:sp>
+    </p:spTree>
+  </p:cSld>
+  <p:clrMapOvr>
+    <a:masterClrMapping/>
+  </p:clrMapOvr>
+</p:sld>
+</file>
+
+<file path=ppt/slides/slide17.xml><?xml version="1.0" encoding="utf-8"?>
+<p:sld xmlns:a="http://schemas.openxmlformats.org/drawingml/2006/main" xmlns:r="http://schemas.openxmlformats.org/officeDocument/2006/relationships" xmlns:p="http://schemas.openxmlformats.org/presentationml/2006/main">
+  <p:cSld>
+    <p:spTree>
+      <p:nvGrpSpPr>
+        <p:cNvPr id="1" name=""/>
+        <p:cNvGrpSpPr/>
+        <p:nvPr/>
+      </p:nvGrpSpPr>
+      <p:grpSpPr>
+        <a:xfrm>
+          <a:off x="0" y="0"/>
+          <a:ext cx="0" cy="0"/>
+          <a:chOff x="0" y="0"/>
+          <a:chExt cx="0" cy="0"/>
+        </a:xfrm>
+      </p:grpSpPr>
+      <p:sp>
+        <p:nvSpPr>
+          <p:cNvPr id="4" name="Прямоугольник 3"/>
+          <p:cNvSpPr/>
+          <p:nvPr/>
+        </p:nvSpPr>
+        <p:spPr>
+          <a:xfrm>
+            <a:off x="2664999" y="472120"/>
+            <a:ext cx="7524751" cy="5262979"/>
+          </a:xfrm>
+          <a:prstGeom prst="rect">
+            <a:avLst/>
+          </a:prstGeom>
+          <a:noFill/>
+          <a:ln>
+            <a:noFill/>
+          </a:ln>
+          <a:scene3d>
+            <a:camera prst="perspectiveRelaxed"/>
+            <a:lightRig rig="threePt" dir="t"/>
+          </a:scene3d>
+        </p:spPr>
+        <p:txBody>
+          <a:bodyPr wrap="square" lIns="91440" tIns="45720" rIns="91440" bIns="45720">
+            <a:spAutoFit/>
+          </a:bodyPr>
+          <a:lstStyle/>
+          <a:p>
+            <a:r>
+              <a:rPr lang="en-US" sz="2400" dirty="0" smtClean="0">
+                <a:ln w="0"/>
+                <a:solidFill>
+                  <a:srgbClr val="273272"/>
+                </a:solidFill>
+                <a:effectLst>
+                  <a:reflection blurRad="6350" stA="53000" endA="300" endPos="35500" dir="5400000" sy="-90000" algn="bl" rotWithShape="0"/>
+                </a:effectLst>
+                <a:latin typeface="Courier New" pitchFamily="49" charset="0"/>
+                <a:cs typeface="Courier New" pitchFamily="49" charset="0"/>
+              </a:rPr>
+              <a:t>		</a:t>
+            </a:r>
+          </a:p>
+          <a:p>
+            <a:r>
+              <a:rPr lang="en-US" sz="2400" dirty="0" smtClean="0">
+                <a:ln w="0"/>
+                <a:solidFill>
+                  <a:srgbClr val="273272"/>
+                </a:solidFill>
+                <a:effectLst>
+                  <a:reflection blurRad="6350" stA="53000" endA="300" endPos="35500" dir="5400000" sy="-90000" algn="bl" rotWithShape="0"/>
+                </a:effectLst>
+                <a:latin typeface="Courier New" pitchFamily="49" charset="0"/>
+                <a:cs typeface="Courier New" pitchFamily="49" charset="0"/>
+              </a:rPr>
+              <a:t>		.text</a:t>
+            </a:r>
+          </a:p>
+          <a:p>
+            <a:r>
+              <a:rPr lang="en-US" sz="2400" dirty="0" smtClean="0">
+                <a:ln w="0"/>
+                <a:solidFill>
+                  <a:srgbClr val="273272"/>
+                </a:solidFill>
+                <a:effectLst>
+                  <a:reflection blurRad="6350" stA="53000" endA="300" endPos="35500" dir="5400000" sy="-90000" algn="bl" rotWithShape="0"/>
+                </a:effectLst>
+                <a:latin typeface="Courier New" pitchFamily="49" charset="0"/>
+                <a:cs typeface="Courier New" pitchFamily="49" charset="0"/>
+              </a:rPr>
+              <a:t>__start:	addi t1, zero, 0x18</a:t>
+            </a:r>
+          </a:p>
+          <a:p>
+            <a:r>
+              <a:rPr lang="en-US" sz="2400" dirty="0" smtClean="0">
+                <a:ln w="0"/>
+                <a:solidFill>
+                  <a:srgbClr val="273272"/>
+                </a:solidFill>
+                <a:effectLst>
+                  <a:reflection blurRad="6350" stA="53000" endA="300" endPos="35500" dir="5400000" sy="-90000" algn="bl" rotWithShape="0"/>
+                </a:effectLst>
+                <a:latin typeface="Courier New" pitchFamily="49" charset="0"/>
+                <a:cs typeface="Courier New" pitchFamily="49" charset="0"/>
+              </a:rPr>
+              <a:t>		addi t2, zero, 0x21</a:t>
+            </a:r>
+          </a:p>
+          <a:p>
+            <a:r>
+              <a:rPr lang="en-US" sz="2400" dirty="0" smtClean="0">
+                <a:ln w="0"/>
+                <a:solidFill>
+                  <a:srgbClr val="273272"/>
+                </a:solidFill>
+                <a:effectLst>
+                  <a:reflection blurRad="6350" stA="53000" endA="300" endPos="35500" dir="5400000" sy="-90000" algn="bl" rotWithShape="0"/>
+                </a:effectLst>
+                <a:latin typeface="Courier New" pitchFamily="49" charset="0"/>
+                <a:cs typeface="Courier New" pitchFamily="49" charset="0"/>
+              </a:rPr>
+              <a:t>cycle:	</a:t>
+            </a:r>
+            <a:r>
+              <a:rPr lang="en-US" sz="2400" dirty="0" err="1" smtClean="0">
+                <a:ln w="0"/>
+                <a:solidFill>
+                  <a:srgbClr val="273272"/>
+                </a:solidFill>
+                <a:effectLst>
+                  <a:reflection blurRad="6350" stA="53000" endA="300" endPos="35500" dir="5400000" sy="-90000" algn="bl" rotWithShape="0"/>
+                </a:effectLst>
+                <a:latin typeface="Courier New" pitchFamily="49" charset="0"/>
+                <a:cs typeface="Courier New" pitchFamily="49" charset="0"/>
+              </a:rPr>
+              <a:t>beq</a:t>
+            </a:r>
+            <a:r>
+              <a:rPr lang="en-US" sz="2400" dirty="0" smtClean="0">
+                <a:ln w="0"/>
+                <a:solidFill>
+                  <a:srgbClr val="273272"/>
+                </a:solidFill>
+                <a:effectLst>
+                  <a:reflection blurRad="6350" stA="53000" endA="300" endPos="35500" dir="5400000" sy="-90000" algn="bl" rotWithShape="0"/>
+                </a:effectLst>
+                <a:latin typeface="Courier New" pitchFamily="49" charset="0"/>
+                <a:cs typeface="Courier New" pitchFamily="49" charset="0"/>
+              </a:rPr>
+              <a:t> t1, t2, done</a:t>
+            </a:r>
+          </a:p>
+          <a:p>
+            <a:r>
+              <a:rPr lang="en-US" sz="2400" dirty="0" smtClean="0">
+                <a:ln w="0"/>
+                <a:solidFill>
+                  <a:srgbClr val="273272"/>
+                </a:solidFill>
+                <a:effectLst>
+                  <a:reflection blurRad="6350" stA="53000" endA="300" endPos="35500" dir="5400000" sy="-90000" algn="bl" rotWithShape="0"/>
+                </a:effectLst>
+                <a:latin typeface="Courier New" pitchFamily="49" charset="0"/>
+                <a:cs typeface="Courier New" pitchFamily="49" charset="0"/>
+              </a:rPr>
+              <a:t>		</a:t>
+            </a:r>
+            <a:r>
+              <a:rPr lang="en-US" sz="2400" dirty="0" err="1" smtClean="0">
+                <a:ln w="0"/>
+                <a:solidFill>
+                  <a:srgbClr val="273272"/>
+                </a:solidFill>
+                <a:effectLst>
+                  <a:reflection blurRad="6350" stA="53000" endA="300" endPos="35500" dir="5400000" sy="-90000" algn="bl" rotWithShape="0"/>
+                </a:effectLst>
+                <a:latin typeface="Courier New" pitchFamily="49" charset="0"/>
+                <a:cs typeface="Courier New" pitchFamily="49" charset="0"/>
+              </a:rPr>
+              <a:t>slt</a:t>
+            </a:r>
+            <a:r>
+              <a:rPr lang="en-US" sz="2400" dirty="0" smtClean="0">
+                <a:ln w="0"/>
+                <a:solidFill>
+                  <a:srgbClr val="273272"/>
+                </a:solidFill>
+                <a:effectLst>
+                  <a:reflection blurRad="6350" stA="53000" endA="300" endPos="35500" dir="5400000" sy="-90000" algn="bl" rotWithShape="0"/>
+                </a:effectLst>
+                <a:latin typeface="Courier New" pitchFamily="49" charset="0"/>
+                <a:cs typeface="Courier New" pitchFamily="49" charset="0"/>
+              </a:rPr>
+              <a:t> t0, t1, t2</a:t>
+            </a:r>
+          </a:p>
+          <a:p>
+            <a:r>
+              <a:rPr lang="en-US" sz="2400" dirty="0" smtClean="0">
+                <a:ln w="0"/>
+                <a:solidFill>
+                  <a:srgbClr val="273272"/>
+                </a:solidFill>
+                <a:effectLst>
+                  <a:reflection blurRad="6350" stA="53000" endA="300" endPos="35500" dir="5400000" sy="-90000" algn="bl" rotWithShape="0"/>
+                </a:effectLst>
+                <a:latin typeface="Courier New" pitchFamily="49" charset="0"/>
+                <a:cs typeface="Courier New" pitchFamily="49" charset="0"/>
+              </a:rPr>
+              <a:t>		</a:t>
+            </a:r>
+            <a:r>
+              <a:rPr lang="en-US" sz="2400" dirty="0" err="1" smtClean="0">
+                <a:ln w="0"/>
+                <a:solidFill>
+                  <a:srgbClr val="273272"/>
+                </a:solidFill>
+                <a:effectLst>
+                  <a:reflection blurRad="6350" stA="53000" endA="300" endPos="35500" dir="5400000" sy="-90000" algn="bl" rotWithShape="0"/>
+                </a:effectLst>
+                <a:latin typeface="Courier New" pitchFamily="49" charset="0"/>
+                <a:cs typeface="Courier New" pitchFamily="49" charset="0"/>
+              </a:rPr>
+              <a:t>bne</a:t>
+            </a:r>
+            <a:r>
+              <a:rPr lang="en-US" sz="2400" dirty="0" smtClean="0">
+                <a:ln w="0"/>
+                <a:solidFill>
+                  <a:srgbClr val="273272"/>
+                </a:solidFill>
+                <a:effectLst>
+                  <a:reflection blurRad="6350" stA="53000" endA="300" endPos="35500" dir="5400000" sy="-90000" algn="bl" rotWithShape="0"/>
+                </a:effectLst>
+                <a:latin typeface="Courier New" pitchFamily="49" charset="0"/>
+                <a:cs typeface="Courier New" pitchFamily="49" charset="0"/>
+              </a:rPr>
+              <a:t> t0, zero, </a:t>
+            </a:r>
+            <a:r>
+              <a:rPr lang="en-US" sz="2400" dirty="0" err="1" smtClean="0">
+                <a:ln w="0"/>
+                <a:solidFill>
+                  <a:srgbClr val="273272"/>
+                </a:solidFill>
+                <a:effectLst>
+                  <a:reflection blurRad="6350" stA="53000" endA="300" endPos="35500" dir="5400000" sy="-90000" algn="bl" rotWithShape="0"/>
+                </a:effectLst>
+                <a:latin typeface="Courier New" pitchFamily="49" charset="0"/>
+                <a:cs typeface="Courier New" pitchFamily="49" charset="0"/>
+              </a:rPr>
+              <a:t>if_less</a:t>
+            </a:r>
+            <a:endParaRPr lang="en-US" sz="2400" dirty="0" smtClean="0">
+              <a:ln w="0"/>
+              <a:solidFill>
+                <a:srgbClr val="273272"/>
+              </a:solidFill>
+              <a:effectLst>
+                <a:reflection blurRad="6350" stA="53000" endA="300" endPos="35500" dir="5400000" sy="-90000" algn="bl" rotWithShape="0"/>
+              </a:effectLst>
+              <a:latin typeface="Courier New" pitchFamily="49" charset="0"/>
+              <a:cs typeface="Courier New" pitchFamily="49" charset="0"/>
+            </a:endParaRPr>
+          </a:p>
+          <a:p>
+            <a:r>
+              <a:rPr lang="en-US" sz="2400" dirty="0" smtClean="0">
+                <a:ln w="0"/>
+                <a:solidFill>
+                  <a:srgbClr val="273272"/>
+                </a:solidFill>
+                <a:effectLst>
+                  <a:reflection blurRad="6350" stA="53000" endA="300" endPos="35500" dir="5400000" sy="-90000" algn="bl" rotWithShape="0"/>
+                </a:effectLst>
+                <a:latin typeface="Courier New" pitchFamily="49" charset="0"/>
+                <a:cs typeface="Courier New" pitchFamily="49" charset="0"/>
+              </a:rPr>
+              <a:t>		</a:t>
+            </a:r>
+            <a:r>
+              <a:rPr lang="en-US" sz="2400" dirty="0" err="1" smtClean="0">
+                <a:ln w="0"/>
+                <a:solidFill>
+                  <a:srgbClr val="273272"/>
+                </a:solidFill>
+                <a:effectLst>
+                  <a:reflection blurRad="6350" stA="53000" endA="300" endPos="35500" dir="5400000" sy="-90000" algn="bl" rotWithShape="0"/>
+                </a:effectLst>
+                <a:latin typeface="Courier New" pitchFamily="49" charset="0"/>
+                <a:cs typeface="Courier New" pitchFamily="49" charset="0"/>
+              </a:rPr>
+              <a:t>nop</a:t>
+            </a:r>
+            <a:endParaRPr lang="en-US" sz="2400" dirty="0" smtClean="0">
+              <a:ln w="0"/>
+              <a:solidFill>
+                <a:srgbClr val="273272"/>
+              </a:solidFill>
+              <a:effectLst>
+                <a:reflection blurRad="6350" stA="53000" endA="300" endPos="35500" dir="5400000" sy="-90000" algn="bl" rotWithShape="0"/>
+              </a:effectLst>
+              <a:latin typeface="Courier New" pitchFamily="49" charset="0"/>
+              <a:cs typeface="Courier New" pitchFamily="49" charset="0"/>
+            </a:endParaRPr>
+          </a:p>
+          <a:p>
+            <a:r>
+              <a:rPr lang="en-US" sz="2400" dirty="0" smtClean="0">
+                <a:ln w="0"/>
+                <a:solidFill>
+                  <a:srgbClr val="273272"/>
+                </a:solidFill>
+                <a:effectLst>
+                  <a:reflection blurRad="6350" stA="53000" endA="300" endPos="35500" dir="5400000" sy="-90000" algn="bl" rotWithShape="0"/>
+                </a:effectLst>
+                <a:latin typeface="Courier New" pitchFamily="49" charset="0"/>
+                <a:cs typeface="Courier New" pitchFamily="49" charset="0"/>
+              </a:rPr>
+              <a:t>		sub t1, t1, t2</a:t>
+            </a:r>
+          </a:p>
+          <a:p>
+            <a:r>
+              <a:rPr lang="en-US" sz="2400" dirty="0" smtClean="0">
+                <a:ln w="0"/>
+                <a:solidFill>
+                  <a:srgbClr val="273272"/>
+                </a:solidFill>
+                <a:effectLst>
+                  <a:reflection blurRad="6350" stA="53000" endA="300" endPos="35500" dir="5400000" sy="-90000" algn="bl" rotWithShape="0"/>
+                </a:effectLst>
+                <a:latin typeface="Courier New" pitchFamily="49" charset="0"/>
+                <a:cs typeface="Courier New" pitchFamily="49" charset="0"/>
+              </a:rPr>
+              <a:t>		j cycle</a:t>
+            </a:r>
+          </a:p>
+          <a:p>
+            <a:r>
+              <a:rPr lang="en-US" sz="2400" dirty="0" smtClean="0">
+                <a:ln w="0"/>
+                <a:solidFill>
+                  <a:srgbClr val="273272"/>
+                </a:solidFill>
+                <a:effectLst>
+                  <a:reflection blurRad="6350" stA="53000" endA="300" endPos="35500" dir="5400000" sy="-90000" algn="bl" rotWithShape="0"/>
+                </a:effectLst>
+                <a:latin typeface="Courier New" pitchFamily="49" charset="0"/>
+                <a:cs typeface="Courier New" pitchFamily="49" charset="0"/>
+              </a:rPr>
+              <a:t>		</a:t>
+            </a:r>
+            <a:r>
+              <a:rPr lang="en-US" sz="2400" dirty="0" err="1" smtClean="0">
+                <a:ln w="0"/>
+                <a:solidFill>
+                  <a:srgbClr val="273272"/>
+                </a:solidFill>
+                <a:effectLst>
+                  <a:reflection blurRad="6350" stA="53000" endA="300" endPos="35500" dir="5400000" sy="-90000" algn="bl" rotWithShape="0"/>
+                </a:effectLst>
+                <a:latin typeface="Courier New" pitchFamily="49" charset="0"/>
+                <a:cs typeface="Courier New" pitchFamily="49" charset="0"/>
+              </a:rPr>
+              <a:t>nop</a:t>
+            </a:r>
+            <a:endParaRPr lang="en-US" sz="2400" dirty="0" smtClean="0">
+              <a:ln w="0"/>
+              <a:solidFill>
+                <a:srgbClr val="273272"/>
+              </a:solidFill>
+              <a:effectLst>
+                <a:reflection blurRad="6350" stA="53000" endA="300" endPos="35500" dir="5400000" sy="-90000" algn="bl" rotWithShape="0"/>
+              </a:effectLst>
+              <a:latin typeface="Courier New" pitchFamily="49" charset="0"/>
+              <a:cs typeface="Courier New" pitchFamily="49" charset="0"/>
+            </a:endParaRPr>
+          </a:p>
+          <a:p>
+            <a:r>
+              <a:rPr lang="en-US" sz="2400" dirty="0" err="1" smtClean="0">
+                <a:ln w="0"/>
+                <a:solidFill>
+                  <a:srgbClr val="273272"/>
+                </a:solidFill>
+                <a:effectLst>
+                  <a:reflection blurRad="6350" stA="53000" endA="300" endPos="35500" dir="5400000" sy="-90000" algn="bl" rotWithShape="0"/>
+                </a:effectLst>
+                <a:latin typeface="Courier New" pitchFamily="49" charset="0"/>
+                <a:cs typeface="Courier New" pitchFamily="49" charset="0"/>
+              </a:rPr>
+              <a:t>if_less</a:t>
+            </a:r>
+            <a:r>
+              <a:rPr lang="en-US" sz="2400" dirty="0" smtClean="0">
+                <a:ln w="0"/>
+                <a:solidFill>
+                  <a:srgbClr val="273272"/>
+                </a:solidFill>
+                <a:effectLst>
+                  <a:reflection blurRad="6350" stA="53000" endA="300" endPos="35500" dir="5400000" sy="-90000" algn="bl" rotWithShape="0"/>
+                </a:effectLst>
+                <a:latin typeface="Courier New" pitchFamily="49" charset="0"/>
+                <a:cs typeface="Courier New" pitchFamily="49" charset="0"/>
+              </a:rPr>
+              <a:t>:	sub t2, t2, t1</a:t>
+            </a:r>
+          </a:p>
+          <a:p>
+            <a:r>
+              <a:rPr lang="en-US" sz="2400" dirty="0" smtClean="0">
+                <a:ln w="0"/>
+                <a:solidFill>
+                  <a:srgbClr val="273272"/>
+                </a:solidFill>
+                <a:effectLst>
+                  <a:reflection blurRad="6350" stA="53000" endA="300" endPos="35500" dir="5400000" sy="-90000" algn="bl" rotWithShape="0"/>
+                </a:effectLst>
+                <a:latin typeface="Courier New" pitchFamily="49" charset="0"/>
+                <a:cs typeface="Courier New" pitchFamily="49" charset="0"/>
+              </a:rPr>
+              <a:t>		j cycle</a:t>
+            </a:r>
+          </a:p>
+          <a:p>
+            <a:r>
+              <a:rPr lang="en-US" sz="2400" dirty="0" smtClean="0">
+                <a:ln w="0"/>
+                <a:solidFill>
+                  <a:srgbClr val="273272"/>
+                </a:solidFill>
+                <a:effectLst>
+                  <a:reflection blurRad="6350" stA="53000" endA="300" endPos="35500" dir="5400000" sy="-90000" algn="bl" rotWithShape="0"/>
+                </a:effectLst>
+                <a:latin typeface="Courier New" pitchFamily="49" charset="0"/>
+                <a:cs typeface="Courier New" pitchFamily="49" charset="0"/>
+              </a:rPr>
+              <a:t>done:		add t3, t1, zero</a:t>
+            </a:r>
+            <a:endParaRPr lang="ru-RU" sz="2400" b="0" cap="none" spc="0" dirty="0">
+              <a:ln w="0"/>
+              <a:solidFill>
+                <a:srgbClr val="273272"/>
+              </a:solidFill>
+              <a:effectLst>
+                <a:reflection blurRad="6350" stA="53000" endA="300" endPos="35500" dir="5400000" sy="-90000" algn="bl" rotWithShape="0"/>
+              </a:effectLst>
+              <a:latin typeface="Courier New" pitchFamily="49" charset="0"/>
+              <a:cs typeface="Courier New" pitchFamily="49" charset="0"/>
+            </a:endParaRPr>
+          </a:p>
+        </p:txBody>
+      </p:sp>
+      <p:sp>
+        <p:nvSpPr>
+          <p:cNvPr id="2" name="Заголовок 1"/>
+          <p:cNvSpPr>
+            <a:spLocks noGrp="1"/>
+          </p:cNvSpPr>
+          <p:nvPr>
+            <p:ph type="title"/>
+          </p:nvPr>
+        </p:nvSpPr>
+        <p:spPr/>
+        <p:txBody>
+          <a:bodyPr>
+            <a:normAutofit/>
+          </a:bodyPr>
+          <a:lstStyle/>
+          <a:p>
+            <a:r>
+              <a:rPr lang="en-US" dirty="0" smtClean="0"/>
+              <a:t>Any Questions?</a:t>
+            </a:r>
+            <a:endParaRPr lang="ru-RU" sz="4000" dirty="0"/>
+          </a:p>
+        </p:txBody>
+      </p:sp>
+      <p:sp>
+        <p:nvSpPr>
+          <p:cNvPr id="6" name="Номер слайда 5"/>
+          <p:cNvSpPr>
+            <a:spLocks noGrp="1"/>
+          </p:cNvSpPr>
+          <p:nvPr>
+            <p:ph type="sldNum" sz="quarter" idx="12"/>
+          </p:nvPr>
+        </p:nvSpPr>
+        <p:spPr/>
+        <p:txBody>
+          <a:bodyPr/>
+          <a:lstStyle/>
+          <a:p>
+            <a:pPr algn="ctr"/>
+            <a:fld id="{1397BFD8-F312-4EF2-A268-44FB4BDDBBB0}" type="slidenum">
+              <a:rPr lang="ru-RU" smtClean="0"/>
+              <a:pPr algn="ctr"/>
+              <a:t>17</a:t>
+            </a:fld>
+            <a:endParaRPr lang="ru-RU" dirty="0"/>
+          </a:p>
+        </p:txBody>
+      </p:sp>
+    </p:spTree>
+    <p:extLst>
+      <p:ext uri="{BB962C8B-B14F-4D97-AF65-F5344CB8AC3E}">
+        <p14:creationId xmlns:p14="http://schemas.microsoft.com/office/powerpoint/2010/main" val="4217875043"/>
       </p:ext>
     </p:extLst>
   </p:cSld>
@@ -4266,11 +7452,7 @@
             </a:r>
             <a:r>
               <a:rPr lang="en-US" dirty="0" smtClean="0"/>
-              <a:t>The </a:t>
-            </a:r>
-            <a:r>
-              <a:rPr lang="en-US" dirty="0" smtClean="0"/>
-              <a:t>work of a program (on a given input) is the sum total of all the operations executed by the program.</a:t>
+              <a:t>The work of a program (on a given input) is the sum total of all the operations executed by the program.</a:t>
             </a:r>
             <a:endParaRPr lang="ru-RU" dirty="0"/>
           </a:p>
@@ -4438,35 +7620,7 @@
             </a:pPr>
             <a:r>
               <a:rPr lang="en-US" sz="2800" dirty="0" smtClean="0"/>
-              <a:t>However, reducing </a:t>
-            </a:r>
-            <a:r>
-              <a:rPr lang="en-US" sz="2800" dirty="0" smtClean="0"/>
-              <a:t>the work of a program does not </a:t>
-            </a:r>
-            <a:r>
-              <a:rPr lang="en-US" sz="2800" dirty="0" smtClean="0"/>
-              <a:t>automatically </a:t>
-            </a:r>
-            <a:r>
-              <a:rPr lang="en-US" sz="2800" dirty="0" smtClean="0"/>
-              <a:t>reduce its running </a:t>
-            </a:r>
-            <a:r>
-              <a:rPr lang="en-US" sz="2800" dirty="0" smtClean="0"/>
-              <a:t>time due </a:t>
-            </a:r>
-            <a:r>
-              <a:rPr lang="en-US" sz="2800" dirty="0" smtClean="0"/>
-              <a:t>to </a:t>
-            </a:r>
-            <a:r>
-              <a:rPr lang="en-US" sz="2800" dirty="0" smtClean="0"/>
-              <a:t>complex </a:t>
-            </a:r>
-            <a:r>
-              <a:rPr lang="en-US" sz="2800" dirty="0" smtClean="0"/>
-              <a:t>nature of computer hardware:</a:t>
+              <a:t>However, reducing the work of a program does not automatically reduce its running time due to complex nature of computer hardware:</a:t>
             </a:r>
           </a:p>
           <a:p>
@@ -4477,15 +7631,7 @@
             </a:pPr>
             <a:r>
               <a:rPr lang="en-US" sz="2800" dirty="0" smtClean="0"/>
-              <a:t>instruction-level </a:t>
-            </a:r>
-            <a:r>
-              <a:rPr lang="en-US" sz="2800" dirty="0" smtClean="0"/>
-              <a:t>parallelism (ILP</a:t>
-            </a:r>
-            <a:r>
-              <a:rPr lang="en-US" sz="2800" dirty="0" smtClean="0"/>
-              <a:t>)</a:t>
+              <a:t>instruction-level parallelism (ILP)</a:t>
             </a:r>
           </a:p>
           <a:p>
@@ -4498,7 +7644,6 @@
               <a:rPr lang="en-US" sz="2800" dirty="0" smtClean="0"/>
               <a:t>caching</a:t>
             </a:r>
-            <a:endParaRPr lang="en-US" sz="2800" dirty="0" smtClean="0"/>
           </a:p>
           <a:p>
             <a:pPr lvl="1">
@@ -4520,15 +7665,7 @@
             </a:pPr>
             <a:r>
               <a:rPr lang="en-US" sz="2800" dirty="0" smtClean="0"/>
-              <a:t>speculation </a:t>
-            </a:r>
-            <a:r>
-              <a:rPr lang="en-US" sz="2800" dirty="0" smtClean="0"/>
-              <a:t>and branch </a:t>
-            </a:r>
-            <a:r>
-              <a:rPr lang="en-US" sz="2800" dirty="0" smtClean="0"/>
-              <a:t>prediction</a:t>
+              <a:t>speculation and branch prediction</a:t>
             </a:r>
           </a:p>
           <a:p>
@@ -4539,11 +7676,7 @@
             </a:pPr>
             <a:r>
               <a:rPr lang="en-US" sz="2800" dirty="0" smtClean="0"/>
-              <a:t>etc</a:t>
-            </a:r>
-            <a:r>
-              <a:rPr lang="en-US" sz="2800" dirty="0" smtClean="0"/>
-              <a:t>.</a:t>
+              <a:t>etc.</a:t>
             </a:r>
           </a:p>
           <a:p>
@@ -4554,15 +7687,7 @@
             </a:pPr>
             <a:r>
               <a:rPr lang="en-US" sz="2800" dirty="0" smtClean="0"/>
-              <a:t>Nevertheless</a:t>
-            </a:r>
-            <a:r>
-              <a:rPr lang="en-US" sz="2800" dirty="0" smtClean="0"/>
-              <a:t>, reducing the work serves as a good heuristic for reducing overall running </a:t>
-            </a:r>
-            <a:r>
-              <a:rPr lang="en-US" sz="2800" dirty="0" smtClean="0"/>
-              <a:t>time</a:t>
+              <a:t>Nevertheless, reducing the work serves as a good heuristic for reducing overall running time</a:t>
             </a:r>
             <a:endParaRPr lang="ru-RU" sz="2800" dirty="0"/>
           </a:p>
@@ -4643,7 +7768,52 @@
       </p:grpSpPr>
       <p:sp>
         <p:nvSpPr>
-          <p:cNvPr id="3" name="Номер слайда 2"/>
+          <p:cNvPr id="2" name="Content Placeholder 1"/>
+          <p:cNvSpPr>
+            <a:spLocks noGrp="1"/>
+          </p:cNvSpPr>
+          <p:nvPr>
+            <p:ph idx="1"/>
+          </p:nvPr>
+        </p:nvSpPr>
+        <p:spPr>
+          <a:xfrm>
+            <a:off x="964692" y="1193042"/>
+            <a:ext cx="10262616" cy="4997896"/>
+          </a:xfrm>
+        </p:spPr>
+        <p:txBody>
+          <a:bodyPr/>
+          <a:lstStyle/>
+          <a:p>
+            <a:r>
+              <a:rPr lang="en-US" dirty="0" smtClean="0"/>
+              <a:t>Analytical assessment (</a:t>
+            </a:r>
+            <a:r>
+              <a:rPr lang="en-US" dirty="0"/>
+              <a:t>asymptotic notation</a:t>
+            </a:r>
+            <a:r>
+              <a:rPr lang="en-US" dirty="0" smtClean="0"/>
+              <a:t>) is not enough. Implementation of an algorithmically-efficient algorithm can be slow because of inefficient use of hardware. Constant factors matter!</a:t>
+            </a:r>
+          </a:p>
+          <a:p>
+            <a:endParaRPr lang="en-US" dirty="0"/>
+          </a:p>
+          <a:p>
+            <a:r>
+              <a:rPr lang="en-US" dirty="0" smtClean="0"/>
+              <a:t>Create tests with benchmarks and use profiling tools to find bottlenecks and compare algorithms.</a:t>
+            </a:r>
+            <a:endParaRPr lang="en-US" dirty="0"/>
+          </a:p>
+        </p:txBody>
+      </p:sp>
+      <p:sp>
+        <p:nvSpPr>
+          <p:cNvPr id="3" name="Slide Number Placeholder 2"/>
           <p:cNvSpPr>
             <a:spLocks noGrp="1"/>
           </p:cNvSpPr>
@@ -4668,7 +7838,7 @@
       </p:sp>
       <p:sp>
         <p:nvSpPr>
-          <p:cNvPr id="4" name="Заголовок 3"/>
+          <p:cNvPr id="4" name="Title 3"/>
           <p:cNvSpPr>
             <a:spLocks noGrp="1"/>
           </p:cNvSpPr>
@@ -4683,543 +7853,18 @@
           <a:p>
             <a:r>
               <a:rPr lang="en-US" dirty="0" smtClean="0"/>
-              <a:t>Recommendations</a:t>
-            </a:r>
-            <a:endParaRPr lang="ru-RU" dirty="0"/>
-          </a:p>
-        </p:txBody>
-      </p:sp>
-      <p:sp>
-        <p:nvSpPr>
-          <p:cNvPr id="5" name="Содержимое 1"/>
-          <p:cNvSpPr>
-            <a:spLocks noGrp="1"/>
-          </p:cNvSpPr>
-          <p:nvPr>
-            <p:ph idx="1"/>
-          </p:nvPr>
-        </p:nvSpPr>
-        <p:spPr>
-          <a:xfrm>
-            <a:off x="800100" y="1241552"/>
-            <a:ext cx="4978400" cy="5311647"/>
-          </a:xfrm>
-        </p:spPr>
-        <p:txBody>
-          <a:bodyPr>
-            <a:normAutofit fontScale="85000" lnSpcReduction="20000"/>
-          </a:bodyPr>
-          <a:lstStyle/>
-          <a:p>
-            <a:r>
-              <a:rPr lang="en-US" dirty="0" smtClean="0"/>
-              <a:t>Data structures</a:t>
-            </a:r>
-          </a:p>
-          <a:p>
-            <a:pPr lvl="1"/>
-            <a:r>
-              <a:rPr lang="en-US" dirty="0" smtClean="0"/>
-              <a:t>Packing </a:t>
-            </a:r>
-            <a:r>
-              <a:rPr lang="en-US" dirty="0" smtClean="0"/>
-              <a:t>and </a:t>
-            </a:r>
-            <a:r>
-              <a:rPr lang="en-US" dirty="0" smtClean="0"/>
-              <a:t>encoding</a:t>
-            </a:r>
-          </a:p>
-          <a:p>
-            <a:pPr lvl="1"/>
-            <a:r>
-              <a:rPr lang="en-US" dirty="0" smtClean="0"/>
-              <a:t>Augmentation</a:t>
-            </a:r>
-            <a:endParaRPr lang="en-US" dirty="0" smtClean="0"/>
-          </a:p>
-          <a:p>
-            <a:pPr lvl="1"/>
-            <a:r>
-              <a:rPr lang="en-US" dirty="0" err="1" smtClean="0"/>
-              <a:t>Precomputation</a:t>
-            </a:r>
-            <a:endParaRPr lang="en-US" dirty="0" smtClean="0"/>
-          </a:p>
-          <a:p>
-            <a:pPr lvl="1"/>
-            <a:r>
-              <a:rPr lang="en-US" dirty="0" smtClean="0"/>
-              <a:t>Compile-time initialization</a:t>
-            </a:r>
-          </a:p>
-          <a:p>
-            <a:pPr lvl="1"/>
-            <a:r>
-              <a:rPr lang="en-US" dirty="0" smtClean="0"/>
-              <a:t>Caching</a:t>
-            </a:r>
-            <a:endParaRPr lang="en-US" dirty="0" smtClean="0"/>
-          </a:p>
-          <a:p>
-            <a:pPr lvl="1"/>
-            <a:r>
-              <a:rPr lang="en-US" dirty="0" smtClean="0"/>
-              <a:t>Lazy </a:t>
-            </a:r>
-            <a:r>
-              <a:rPr lang="en-US" dirty="0" smtClean="0"/>
-              <a:t>evaluation</a:t>
-            </a:r>
-          </a:p>
-          <a:p>
-            <a:pPr lvl="1"/>
-            <a:r>
-              <a:rPr lang="en-US" dirty="0" err="1" smtClean="0"/>
-              <a:t>Sparsity</a:t>
-            </a:r>
-            <a:endParaRPr lang="en-US" dirty="0" smtClean="0"/>
-          </a:p>
-          <a:p>
-            <a:r>
-              <a:rPr lang="en-US" dirty="0" smtClean="0"/>
-              <a:t>Loops</a:t>
-            </a:r>
-          </a:p>
-          <a:p>
-            <a:pPr lvl="1"/>
-            <a:r>
-              <a:rPr lang="en-US" dirty="0" smtClean="0"/>
-              <a:t>Hoisting</a:t>
-            </a:r>
-            <a:endParaRPr lang="en-US" dirty="0" smtClean="0"/>
-          </a:p>
-          <a:p>
-            <a:pPr lvl="1"/>
-            <a:r>
-              <a:rPr lang="en-US" dirty="0" smtClean="0"/>
-              <a:t>Sentinels</a:t>
-            </a:r>
-            <a:endParaRPr lang="en-US" dirty="0" smtClean="0"/>
-          </a:p>
-          <a:p>
-            <a:pPr lvl="1"/>
-            <a:r>
-              <a:rPr lang="en-US" dirty="0" smtClean="0"/>
-              <a:t>Loop </a:t>
-            </a:r>
-            <a:r>
-              <a:rPr lang="en-US" dirty="0" smtClean="0"/>
-              <a:t>unrolling</a:t>
-            </a:r>
-          </a:p>
-          <a:p>
-            <a:pPr lvl="1"/>
-            <a:r>
-              <a:rPr lang="en-US" dirty="0" smtClean="0"/>
-              <a:t>Loop </a:t>
-            </a:r>
-            <a:r>
-              <a:rPr lang="en-US" dirty="0" smtClean="0"/>
-              <a:t>fusion</a:t>
-            </a:r>
-          </a:p>
-          <a:p>
-            <a:pPr lvl="1"/>
-            <a:r>
-              <a:rPr lang="en-US" dirty="0" smtClean="0"/>
-              <a:t>Eliminating </a:t>
-            </a:r>
-            <a:r>
-              <a:rPr lang="en-US" dirty="0" smtClean="0"/>
-              <a:t>wasted iterations</a:t>
-            </a:r>
-            <a:endParaRPr lang="ru-RU" dirty="0"/>
-          </a:p>
-        </p:txBody>
-      </p:sp>
-      <p:sp>
-        <p:nvSpPr>
-          <p:cNvPr id="7" name="Содержимое 1"/>
-          <p:cNvSpPr txBox="1">
-            <a:spLocks/>
-          </p:cNvSpPr>
-          <p:nvPr/>
-        </p:nvSpPr>
-        <p:spPr>
-          <a:xfrm>
-            <a:off x="5753100" y="1178053"/>
-            <a:ext cx="5765800" cy="5311647"/>
-          </a:xfrm>
-          <a:prstGeom prst="rect">
-            <a:avLst/>
-          </a:prstGeom>
-        </p:spPr>
-        <p:txBody>
-          <a:bodyPr vert="horz" lIns="91440" tIns="45720" rIns="91440" bIns="45720" rtlCol="0">
-            <a:normAutofit fontScale="85000" lnSpcReduction="10000"/>
-          </a:bodyPr>
-          <a:lstStyle/>
-          <a:p>
-            <a:pPr marL="228600" lvl="0" indent="-228600">
-              <a:lnSpc>
-                <a:spcPct val="90000"/>
-              </a:lnSpc>
-              <a:spcBef>
-                <a:spcPts val="1000"/>
-              </a:spcBef>
-              <a:buFont typeface="Wingdings" pitchFamily="2" charset="2"/>
-              <a:buChar char="§"/>
-            </a:pPr>
-            <a:r>
-              <a:rPr lang="en-US" sz="3600" dirty="0" smtClean="0">
-                <a:solidFill>
-                  <a:srgbClr val="273272"/>
-                </a:solidFill>
-              </a:rPr>
-              <a:t>Logic</a:t>
-            </a:r>
-            <a:endParaRPr kumimoji="0" lang="en-US" sz="3600" b="0" i="0" u="none" strike="noStrike" kern="1200" cap="none" spc="0" normalizeH="0" baseline="0" noProof="0" dirty="0" smtClean="0">
-              <a:ln>
-                <a:noFill/>
-              </a:ln>
-              <a:solidFill>
-                <a:srgbClr val="273272"/>
-              </a:solidFill>
-              <a:effectLst/>
-              <a:uLnTx/>
-              <a:uFillTx/>
-              <a:latin typeface="+mn-lt"/>
-              <a:ea typeface="+mn-ea"/>
-              <a:cs typeface="+mn-cs"/>
-            </a:endParaRPr>
-          </a:p>
-          <a:p>
-            <a:pPr marL="685800" lvl="1" indent="-228600">
-              <a:lnSpc>
-                <a:spcPct val="90000"/>
-              </a:lnSpc>
-              <a:spcBef>
-                <a:spcPts val="500"/>
-              </a:spcBef>
-              <a:buClr>
-                <a:srgbClr val="F7B217"/>
-              </a:buClr>
-              <a:buFont typeface="Wingdings" pitchFamily="2" charset="2"/>
-              <a:buChar char="§"/>
-            </a:pPr>
-            <a:r>
-              <a:rPr lang="en-US" sz="3200" dirty="0" smtClean="0">
-                <a:solidFill>
-                  <a:srgbClr val="273272"/>
-                </a:solidFill>
-              </a:rPr>
-              <a:t>Constant </a:t>
-            </a:r>
-            <a:r>
-              <a:rPr lang="en-US" sz="3200" dirty="0" smtClean="0">
-                <a:solidFill>
-                  <a:srgbClr val="273272"/>
-                </a:solidFill>
-              </a:rPr>
-              <a:t>folding and propagation</a:t>
-            </a:r>
-          </a:p>
-          <a:p>
-            <a:pPr marL="685800" lvl="1" indent="-228600">
-              <a:lnSpc>
-                <a:spcPct val="90000"/>
-              </a:lnSpc>
-              <a:spcBef>
-                <a:spcPts val="500"/>
-              </a:spcBef>
-              <a:buClr>
-                <a:srgbClr val="F7B217"/>
-              </a:buClr>
-              <a:buFont typeface="Wingdings" pitchFamily="2" charset="2"/>
-              <a:buChar char="§"/>
-            </a:pPr>
-            <a:r>
-              <a:rPr lang="en-US" sz="3200" dirty="0" smtClean="0">
-                <a:solidFill>
-                  <a:srgbClr val="273272"/>
-                </a:solidFill>
-              </a:rPr>
-              <a:t>Common-</a:t>
-            </a:r>
-            <a:r>
-              <a:rPr lang="en-US" sz="3200" dirty="0" err="1" smtClean="0">
-                <a:solidFill>
-                  <a:srgbClr val="273272"/>
-                </a:solidFill>
-              </a:rPr>
-              <a:t>subexpression</a:t>
-            </a:r>
-            <a:r>
-              <a:rPr lang="en-US" sz="3200" dirty="0" smtClean="0">
-                <a:solidFill>
-                  <a:srgbClr val="273272"/>
-                </a:solidFill>
-              </a:rPr>
-              <a:t> elimination</a:t>
-            </a:r>
-          </a:p>
-          <a:p>
-            <a:pPr marL="685800" lvl="1" indent="-228600">
-              <a:lnSpc>
-                <a:spcPct val="90000"/>
-              </a:lnSpc>
-              <a:spcBef>
-                <a:spcPts val="500"/>
-              </a:spcBef>
-              <a:buClr>
-                <a:srgbClr val="F7B217"/>
-              </a:buClr>
-              <a:buFont typeface="Wingdings" pitchFamily="2" charset="2"/>
-              <a:buChar char="§"/>
-            </a:pPr>
-            <a:r>
-              <a:rPr lang="en-US" sz="3200" dirty="0" smtClean="0">
-                <a:solidFill>
-                  <a:srgbClr val="273272"/>
-                </a:solidFill>
-              </a:rPr>
-              <a:t>Algebraic identities</a:t>
-            </a:r>
-          </a:p>
-          <a:p>
-            <a:pPr marL="685800" lvl="1" indent="-228600">
-              <a:lnSpc>
-                <a:spcPct val="90000"/>
-              </a:lnSpc>
-              <a:spcBef>
-                <a:spcPts val="500"/>
-              </a:spcBef>
-              <a:buClr>
-                <a:srgbClr val="F7B217"/>
-              </a:buClr>
-              <a:buFont typeface="Wingdings" pitchFamily="2" charset="2"/>
-              <a:buChar char="§"/>
-            </a:pPr>
-            <a:r>
-              <a:rPr lang="en-US" sz="3200" dirty="0" smtClean="0">
-                <a:solidFill>
-                  <a:srgbClr val="273272"/>
-                </a:solidFill>
-              </a:rPr>
-              <a:t>Short-circuiting</a:t>
-            </a:r>
-          </a:p>
-          <a:p>
-            <a:pPr marL="685800" lvl="1" indent="-228600">
-              <a:lnSpc>
-                <a:spcPct val="90000"/>
-              </a:lnSpc>
-              <a:spcBef>
-                <a:spcPts val="500"/>
-              </a:spcBef>
-              <a:buClr>
-                <a:srgbClr val="F7B217"/>
-              </a:buClr>
-              <a:buFont typeface="Wingdings" pitchFamily="2" charset="2"/>
-              <a:buChar char="§"/>
-            </a:pPr>
-            <a:r>
-              <a:rPr lang="en-US" sz="3200" dirty="0" smtClean="0">
-                <a:solidFill>
-                  <a:srgbClr val="273272"/>
-                </a:solidFill>
-              </a:rPr>
-              <a:t>Ordering tests</a:t>
-            </a:r>
-          </a:p>
-          <a:p>
-            <a:pPr marL="685800" lvl="1" indent="-228600">
-              <a:lnSpc>
-                <a:spcPct val="90000"/>
-              </a:lnSpc>
-              <a:spcBef>
-                <a:spcPts val="500"/>
-              </a:spcBef>
-              <a:buClr>
-                <a:srgbClr val="F7B217"/>
-              </a:buClr>
-              <a:buFont typeface="Wingdings" pitchFamily="2" charset="2"/>
-              <a:buChar char="§"/>
-            </a:pPr>
-            <a:r>
-              <a:rPr lang="en-US" sz="3200" dirty="0" smtClean="0">
-                <a:solidFill>
-                  <a:srgbClr val="273272"/>
-                </a:solidFill>
-              </a:rPr>
-              <a:t>Creating a fast path</a:t>
-            </a:r>
-          </a:p>
-          <a:p>
-            <a:pPr marL="685800" lvl="1" indent="-228600">
-              <a:lnSpc>
-                <a:spcPct val="90000"/>
-              </a:lnSpc>
-              <a:spcBef>
-                <a:spcPts val="500"/>
-              </a:spcBef>
-              <a:buClr>
-                <a:srgbClr val="F7B217"/>
-              </a:buClr>
-              <a:buFont typeface="Wingdings" pitchFamily="2" charset="2"/>
-              <a:buChar char="§"/>
-            </a:pPr>
-            <a:r>
-              <a:rPr lang="en-US" sz="3200" dirty="0" smtClean="0">
-                <a:solidFill>
-                  <a:srgbClr val="273272"/>
-                </a:solidFill>
-              </a:rPr>
-              <a:t>Combining tests</a:t>
-            </a:r>
-            <a:endParaRPr kumimoji="0" lang="en-US" sz="3200" b="0" i="0" u="none" strike="noStrike" kern="1200" cap="none" spc="0" normalizeH="0" baseline="0" noProof="0" dirty="0" smtClean="0">
-              <a:ln>
-                <a:noFill/>
-              </a:ln>
-              <a:solidFill>
-                <a:srgbClr val="273272"/>
-              </a:solidFill>
-              <a:effectLst/>
-              <a:uLnTx/>
-              <a:uFillTx/>
-              <a:latin typeface="+mn-lt"/>
-              <a:ea typeface="+mn-ea"/>
-              <a:cs typeface="+mn-cs"/>
-            </a:endParaRPr>
-          </a:p>
-          <a:p>
-            <a:pPr marL="228600" marR="0" lvl="0" indent="-228600" algn="l" defTabSz="914400" rtl="0" eaLnBrk="1" fontAlgn="auto" latinLnBrk="0" hangingPunct="1">
-              <a:lnSpc>
-                <a:spcPct val="90000"/>
-              </a:lnSpc>
-              <a:spcBef>
-                <a:spcPts val="1000"/>
-              </a:spcBef>
-              <a:spcAft>
-                <a:spcPts val="0"/>
-              </a:spcAft>
-              <a:buClrTx/>
-              <a:buSzTx/>
-              <a:buFont typeface="Wingdings" pitchFamily="2" charset="2"/>
-              <a:buChar char="§"/>
-              <a:tabLst/>
-              <a:defRPr/>
-            </a:pPr>
-            <a:r>
-              <a:rPr kumimoji="0" lang="en-US" sz="3600" b="0" i="0" u="none" strike="noStrike" kern="1200" cap="none" spc="0" normalizeH="0" baseline="0" noProof="0" dirty="0" smtClean="0">
-                <a:ln>
-                  <a:noFill/>
-                </a:ln>
-                <a:solidFill>
-                  <a:srgbClr val="273272"/>
-                </a:solidFill>
-                <a:effectLst/>
-                <a:uLnTx/>
-                <a:uFillTx/>
-                <a:latin typeface="+mn-lt"/>
-                <a:ea typeface="+mn-ea"/>
-                <a:cs typeface="+mn-cs"/>
-              </a:rPr>
-              <a:t>Functions</a:t>
-            </a:r>
-          </a:p>
-          <a:p>
-            <a:pPr marL="685800" lvl="1" indent="-228600">
-              <a:lnSpc>
-                <a:spcPct val="90000"/>
-              </a:lnSpc>
-              <a:spcBef>
-                <a:spcPts val="500"/>
-              </a:spcBef>
-              <a:buClr>
-                <a:srgbClr val="F7B217"/>
-              </a:buClr>
-              <a:buFont typeface="Wingdings" pitchFamily="2" charset="2"/>
-              <a:buChar char="§"/>
-            </a:pPr>
-            <a:r>
-              <a:rPr lang="en-US" sz="3200" dirty="0" err="1" smtClean="0">
-                <a:solidFill>
-                  <a:srgbClr val="273272"/>
-                </a:solidFill>
-              </a:rPr>
-              <a:t>Inlining</a:t>
-            </a:r>
-            <a:endParaRPr lang="en-US" sz="3200" dirty="0" smtClean="0">
-              <a:solidFill>
-                <a:srgbClr val="273272"/>
-              </a:solidFill>
-            </a:endParaRPr>
-          </a:p>
-          <a:p>
-            <a:pPr marL="685800" lvl="1" indent="-228600">
-              <a:lnSpc>
-                <a:spcPct val="90000"/>
-              </a:lnSpc>
-              <a:spcBef>
-                <a:spcPts val="500"/>
-              </a:spcBef>
-              <a:buClr>
-                <a:srgbClr val="F7B217"/>
-              </a:buClr>
-              <a:buFont typeface="Wingdings" pitchFamily="2" charset="2"/>
-              <a:buChar char="§"/>
-            </a:pPr>
-            <a:r>
-              <a:rPr lang="en-US" sz="3200" dirty="0" smtClean="0">
-                <a:solidFill>
-                  <a:srgbClr val="273272"/>
-                </a:solidFill>
-              </a:rPr>
-              <a:t>Tail-recursion elimination</a:t>
-            </a:r>
-          </a:p>
-          <a:p>
-            <a:pPr marL="685800" lvl="1" indent="-228600">
-              <a:lnSpc>
-                <a:spcPct val="90000"/>
-              </a:lnSpc>
-              <a:spcBef>
-                <a:spcPts val="500"/>
-              </a:spcBef>
-              <a:buClr>
-                <a:srgbClr val="F7B217"/>
-              </a:buClr>
-              <a:buFont typeface="Wingdings" pitchFamily="2" charset="2"/>
-              <a:buChar char="§"/>
-            </a:pPr>
-            <a:r>
-              <a:rPr lang="en-US" sz="3200" dirty="0" smtClean="0">
-                <a:solidFill>
-                  <a:srgbClr val="273272"/>
-                </a:solidFill>
-              </a:rPr>
-              <a:t>Coarsening </a:t>
-            </a:r>
-            <a:r>
-              <a:rPr lang="en-US" sz="3200" dirty="0" smtClean="0">
-                <a:solidFill>
-                  <a:srgbClr val="273272"/>
-                </a:solidFill>
-              </a:rPr>
-              <a:t>recursion</a:t>
-            </a:r>
-            <a:endParaRPr lang="en-US" sz="3200" dirty="0" smtClean="0">
-              <a:solidFill>
-                <a:srgbClr val="273272"/>
-              </a:solidFill>
-            </a:endParaRPr>
+              <a:t>Performance Assessment</a:t>
+            </a:r>
+            <a:endParaRPr lang="en-US" dirty="0"/>
           </a:p>
         </p:txBody>
       </p:sp>
     </p:spTree>
+    <p:extLst>
+      <p:ext uri="{BB962C8B-B14F-4D97-AF65-F5344CB8AC3E}">
+        <p14:creationId xmlns:p14="http://schemas.microsoft.com/office/powerpoint/2010/main" val="4232538140"/>
+      </p:ext>
+    </p:extLst>
   </p:cSld>
   <p:clrMapOvr>
     <a:masterClrMapping/>
@@ -5246,47 +7891,6 @@
       </p:grpSpPr>
       <p:sp>
         <p:nvSpPr>
-          <p:cNvPr id="2" name="Содержимое 1"/>
-          <p:cNvSpPr>
-            <a:spLocks noGrp="1"/>
-          </p:cNvSpPr>
-          <p:nvPr>
-            <p:ph idx="1"/>
-          </p:nvPr>
-        </p:nvSpPr>
-        <p:spPr/>
-        <p:txBody>
-          <a:bodyPr/>
-          <a:lstStyle/>
-          <a:p>
-            <a:r>
-              <a:rPr lang="en-US" dirty="0" smtClean="0"/>
-              <a:t>The </a:t>
-            </a:r>
-            <a:r>
-              <a:rPr lang="en-US" dirty="0" smtClean="0"/>
-              <a:t>goal of hoisting — also called loop-invariant code motion — is to avoid </a:t>
-            </a:r>
-            <a:r>
-              <a:rPr lang="en-US" dirty="0" err="1" smtClean="0"/>
-              <a:t>recomputing</a:t>
-            </a:r>
-            <a:r>
-              <a:rPr lang="en-US" dirty="0" smtClean="0"/>
-              <a:t> loop-invariant code each time through the body of a loop.</a:t>
-            </a:r>
-          </a:p>
-          <a:p>
-            <a:r>
-              <a:rPr lang="en-US" dirty="0" smtClean="0"/>
-              <a:t> </a:t>
-            </a:r>
-            <a:endParaRPr lang="ru-RU" dirty="0"/>
-          </a:p>
-        </p:txBody>
-      </p:sp>
-      <p:sp>
-        <p:nvSpPr>
           <p:cNvPr id="3" name="Номер слайда 2"/>
           <p:cNvSpPr>
             <a:spLocks noGrp="1"/>
@@ -5327,9 +7931,490 @@
           <a:p>
             <a:r>
               <a:rPr lang="en-US" dirty="0" smtClean="0"/>
+              <a:t>Recommendations</a:t>
+            </a:r>
+            <a:endParaRPr lang="ru-RU" dirty="0"/>
+          </a:p>
+        </p:txBody>
+      </p:sp>
+      <p:sp>
+        <p:nvSpPr>
+          <p:cNvPr id="5" name="Содержимое 1"/>
+          <p:cNvSpPr>
+            <a:spLocks noGrp="1"/>
+          </p:cNvSpPr>
+          <p:nvPr>
+            <p:ph idx="1"/>
+          </p:nvPr>
+        </p:nvSpPr>
+        <p:spPr>
+          <a:xfrm>
+            <a:off x="800100" y="1241552"/>
+            <a:ext cx="4978400" cy="5311647"/>
+          </a:xfrm>
+        </p:spPr>
+        <p:txBody>
+          <a:bodyPr>
+            <a:normAutofit fontScale="85000" lnSpcReduction="20000"/>
+          </a:bodyPr>
+          <a:lstStyle/>
+          <a:p>
+            <a:r>
+              <a:rPr lang="en-US" dirty="0" smtClean="0"/>
+              <a:t>Data structures</a:t>
+            </a:r>
+          </a:p>
+          <a:p>
+            <a:pPr lvl="1"/>
+            <a:r>
+              <a:rPr lang="en-US" dirty="0" smtClean="0"/>
+              <a:t>Packing and encoding</a:t>
+            </a:r>
+          </a:p>
+          <a:p>
+            <a:pPr lvl="1"/>
+            <a:r>
+              <a:rPr lang="en-US" dirty="0" smtClean="0"/>
+              <a:t>Augmentation</a:t>
+            </a:r>
+          </a:p>
+          <a:p>
+            <a:pPr lvl="1"/>
+            <a:r>
+              <a:rPr lang="en-US" dirty="0" err="1" smtClean="0"/>
+              <a:t>Precomputation</a:t>
+            </a:r>
+            <a:endParaRPr lang="en-US" dirty="0" smtClean="0"/>
+          </a:p>
+          <a:p>
+            <a:pPr lvl="1"/>
+            <a:r>
+              <a:rPr lang="en-US" dirty="0" smtClean="0"/>
+              <a:t>Compile-time initialization</a:t>
+            </a:r>
+          </a:p>
+          <a:p>
+            <a:pPr lvl="1"/>
+            <a:r>
+              <a:rPr lang="en-US" dirty="0" smtClean="0"/>
+              <a:t>Caching</a:t>
+            </a:r>
+          </a:p>
+          <a:p>
+            <a:pPr lvl="1"/>
+            <a:r>
+              <a:rPr lang="en-US" dirty="0" smtClean="0"/>
+              <a:t>Lazy evaluation</a:t>
+            </a:r>
+          </a:p>
+          <a:p>
+            <a:pPr lvl="1"/>
+            <a:r>
+              <a:rPr lang="en-US" dirty="0" err="1" smtClean="0"/>
+              <a:t>Sparsity</a:t>
+            </a:r>
+            <a:endParaRPr lang="en-US" dirty="0" smtClean="0"/>
+          </a:p>
+          <a:p>
+            <a:r>
+              <a:rPr lang="en-US" dirty="0" smtClean="0"/>
+              <a:t>Loops</a:t>
+            </a:r>
+          </a:p>
+          <a:p>
+            <a:pPr lvl="1"/>
+            <a:r>
+              <a:rPr lang="en-US" dirty="0" smtClean="0"/>
               <a:t>Hoisting</a:t>
             </a:r>
+          </a:p>
+          <a:p>
+            <a:pPr lvl="1"/>
+            <a:r>
+              <a:rPr lang="en-US" dirty="0" smtClean="0"/>
+              <a:t>Sentinels</a:t>
+            </a:r>
+          </a:p>
+          <a:p>
+            <a:pPr lvl="1"/>
+            <a:r>
+              <a:rPr lang="en-US" dirty="0" smtClean="0"/>
+              <a:t>Loop unrolling</a:t>
+            </a:r>
+          </a:p>
+          <a:p>
+            <a:pPr lvl="1"/>
+            <a:r>
+              <a:rPr lang="en-US" dirty="0" smtClean="0"/>
+              <a:t>Loop fusion</a:t>
+            </a:r>
+          </a:p>
+          <a:p>
+            <a:pPr lvl="1"/>
+            <a:r>
+              <a:rPr lang="en-US" dirty="0" smtClean="0"/>
+              <a:t>Eliminating wasted iterations</a:t>
+            </a:r>
             <a:endParaRPr lang="ru-RU" dirty="0"/>
+          </a:p>
+        </p:txBody>
+      </p:sp>
+      <p:sp>
+        <p:nvSpPr>
+          <p:cNvPr id="7" name="Содержимое 1"/>
+          <p:cNvSpPr txBox="1">
+            <a:spLocks/>
+          </p:cNvSpPr>
+          <p:nvPr/>
+        </p:nvSpPr>
+        <p:spPr>
+          <a:xfrm>
+            <a:off x="5753100" y="1178053"/>
+            <a:ext cx="5765800" cy="5311647"/>
+          </a:xfrm>
+          <a:prstGeom prst="rect">
+            <a:avLst/>
+          </a:prstGeom>
+        </p:spPr>
+        <p:txBody>
+          <a:bodyPr vert="horz" lIns="91440" tIns="45720" rIns="91440" bIns="45720" rtlCol="0">
+            <a:normAutofit fontScale="85000" lnSpcReduction="10000"/>
+          </a:bodyPr>
+          <a:lstStyle/>
+          <a:p>
+            <a:pPr marL="228600" lvl="0" indent="-228600">
+              <a:lnSpc>
+                <a:spcPct val="90000"/>
+              </a:lnSpc>
+              <a:spcBef>
+                <a:spcPts val="1000"/>
+              </a:spcBef>
+              <a:buFont typeface="Wingdings" pitchFamily="2" charset="2"/>
+              <a:buChar char="§"/>
+            </a:pPr>
+            <a:r>
+              <a:rPr lang="en-US" sz="3600" dirty="0" smtClean="0">
+                <a:solidFill>
+                  <a:srgbClr val="273272"/>
+                </a:solidFill>
+              </a:rPr>
+              <a:t>Logic</a:t>
+            </a:r>
+            <a:endParaRPr kumimoji="0" lang="en-US" sz="3600" b="0" i="0" u="none" strike="noStrike" kern="1200" cap="none" spc="0" normalizeH="0" baseline="0" noProof="0" dirty="0" smtClean="0">
+              <a:ln>
+                <a:noFill/>
+              </a:ln>
+              <a:solidFill>
+                <a:srgbClr val="273272"/>
+              </a:solidFill>
+              <a:effectLst/>
+              <a:uLnTx/>
+              <a:uFillTx/>
+              <a:latin typeface="+mn-lt"/>
+              <a:ea typeface="+mn-ea"/>
+              <a:cs typeface="+mn-cs"/>
+            </a:endParaRPr>
+          </a:p>
+          <a:p>
+            <a:pPr marL="685800" lvl="1" indent="-228600">
+              <a:lnSpc>
+                <a:spcPct val="90000"/>
+              </a:lnSpc>
+              <a:spcBef>
+                <a:spcPts val="500"/>
+              </a:spcBef>
+              <a:buClr>
+                <a:srgbClr val="F7B217"/>
+              </a:buClr>
+              <a:buFont typeface="Wingdings" pitchFamily="2" charset="2"/>
+              <a:buChar char="§"/>
+            </a:pPr>
+            <a:r>
+              <a:rPr lang="en-US" sz="3200" dirty="0" smtClean="0">
+                <a:solidFill>
+                  <a:srgbClr val="273272"/>
+                </a:solidFill>
+              </a:rPr>
+              <a:t>Constant folding and propagation</a:t>
+            </a:r>
+          </a:p>
+          <a:p>
+            <a:pPr marL="685800" lvl="1" indent="-228600">
+              <a:lnSpc>
+                <a:spcPct val="90000"/>
+              </a:lnSpc>
+              <a:spcBef>
+                <a:spcPts val="500"/>
+              </a:spcBef>
+              <a:buClr>
+                <a:srgbClr val="F7B217"/>
+              </a:buClr>
+              <a:buFont typeface="Wingdings" pitchFamily="2" charset="2"/>
+              <a:buChar char="§"/>
+            </a:pPr>
+            <a:r>
+              <a:rPr lang="en-US" sz="3200" dirty="0" smtClean="0">
+                <a:solidFill>
+                  <a:srgbClr val="273272"/>
+                </a:solidFill>
+              </a:rPr>
+              <a:t>Common-</a:t>
+            </a:r>
+            <a:r>
+              <a:rPr lang="en-US" sz="3200" dirty="0" err="1" smtClean="0">
+                <a:solidFill>
+                  <a:srgbClr val="273272"/>
+                </a:solidFill>
+              </a:rPr>
+              <a:t>subexpression</a:t>
+            </a:r>
+            <a:r>
+              <a:rPr lang="en-US" sz="3200" dirty="0" smtClean="0">
+                <a:solidFill>
+                  <a:srgbClr val="273272"/>
+                </a:solidFill>
+              </a:rPr>
+              <a:t> elimination</a:t>
+            </a:r>
+          </a:p>
+          <a:p>
+            <a:pPr marL="685800" lvl="1" indent="-228600">
+              <a:lnSpc>
+                <a:spcPct val="90000"/>
+              </a:lnSpc>
+              <a:spcBef>
+                <a:spcPts val="500"/>
+              </a:spcBef>
+              <a:buClr>
+                <a:srgbClr val="F7B217"/>
+              </a:buClr>
+              <a:buFont typeface="Wingdings" pitchFamily="2" charset="2"/>
+              <a:buChar char="§"/>
+            </a:pPr>
+            <a:r>
+              <a:rPr lang="en-US" sz="3200" dirty="0" smtClean="0">
+                <a:solidFill>
+                  <a:srgbClr val="273272"/>
+                </a:solidFill>
+              </a:rPr>
+              <a:t>Algebraic identities</a:t>
+            </a:r>
+          </a:p>
+          <a:p>
+            <a:pPr marL="685800" lvl="1" indent="-228600">
+              <a:lnSpc>
+                <a:spcPct val="90000"/>
+              </a:lnSpc>
+              <a:spcBef>
+                <a:spcPts val="500"/>
+              </a:spcBef>
+              <a:buClr>
+                <a:srgbClr val="F7B217"/>
+              </a:buClr>
+              <a:buFont typeface="Wingdings" pitchFamily="2" charset="2"/>
+              <a:buChar char="§"/>
+            </a:pPr>
+            <a:r>
+              <a:rPr lang="en-US" sz="3200" dirty="0" smtClean="0">
+                <a:solidFill>
+                  <a:srgbClr val="273272"/>
+                </a:solidFill>
+              </a:rPr>
+              <a:t>Short-circuiting</a:t>
+            </a:r>
+          </a:p>
+          <a:p>
+            <a:pPr marL="685800" lvl="1" indent="-228600">
+              <a:lnSpc>
+                <a:spcPct val="90000"/>
+              </a:lnSpc>
+              <a:spcBef>
+                <a:spcPts val="500"/>
+              </a:spcBef>
+              <a:buClr>
+                <a:srgbClr val="F7B217"/>
+              </a:buClr>
+              <a:buFont typeface="Wingdings" pitchFamily="2" charset="2"/>
+              <a:buChar char="§"/>
+            </a:pPr>
+            <a:r>
+              <a:rPr lang="en-US" sz="3200" dirty="0" smtClean="0">
+                <a:solidFill>
+                  <a:srgbClr val="273272"/>
+                </a:solidFill>
+              </a:rPr>
+              <a:t>Ordering tests</a:t>
+            </a:r>
+          </a:p>
+          <a:p>
+            <a:pPr marL="685800" lvl="1" indent="-228600">
+              <a:lnSpc>
+                <a:spcPct val="90000"/>
+              </a:lnSpc>
+              <a:spcBef>
+                <a:spcPts val="500"/>
+              </a:spcBef>
+              <a:buClr>
+                <a:srgbClr val="F7B217"/>
+              </a:buClr>
+              <a:buFont typeface="Wingdings" pitchFamily="2" charset="2"/>
+              <a:buChar char="§"/>
+            </a:pPr>
+            <a:r>
+              <a:rPr lang="en-US" sz="3200" dirty="0" smtClean="0">
+                <a:solidFill>
+                  <a:srgbClr val="273272"/>
+                </a:solidFill>
+              </a:rPr>
+              <a:t>Creating a fast path</a:t>
+            </a:r>
+          </a:p>
+          <a:p>
+            <a:pPr marL="685800" lvl="1" indent="-228600">
+              <a:lnSpc>
+                <a:spcPct val="90000"/>
+              </a:lnSpc>
+              <a:spcBef>
+                <a:spcPts val="500"/>
+              </a:spcBef>
+              <a:buClr>
+                <a:srgbClr val="F7B217"/>
+              </a:buClr>
+              <a:buFont typeface="Wingdings" pitchFamily="2" charset="2"/>
+              <a:buChar char="§"/>
+            </a:pPr>
+            <a:r>
+              <a:rPr lang="en-US" sz="3200" dirty="0" smtClean="0">
+                <a:solidFill>
+                  <a:srgbClr val="273272"/>
+                </a:solidFill>
+              </a:rPr>
+              <a:t>Combining tests</a:t>
+            </a:r>
+            <a:endParaRPr kumimoji="0" lang="en-US" sz="3200" b="0" i="0" u="none" strike="noStrike" kern="1200" cap="none" spc="0" normalizeH="0" baseline="0" noProof="0" dirty="0" smtClean="0">
+              <a:ln>
+                <a:noFill/>
+              </a:ln>
+              <a:solidFill>
+                <a:srgbClr val="273272"/>
+              </a:solidFill>
+              <a:effectLst/>
+              <a:uLnTx/>
+              <a:uFillTx/>
+              <a:latin typeface="+mn-lt"/>
+              <a:ea typeface="+mn-ea"/>
+              <a:cs typeface="+mn-cs"/>
+            </a:endParaRPr>
+          </a:p>
+          <a:p>
+            <a:pPr marL="228600" marR="0" lvl="0" indent="-228600" algn="l" defTabSz="914400" rtl="0" eaLnBrk="1" fontAlgn="auto" latinLnBrk="0" hangingPunct="1">
+              <a:lnSpc>
+                <a:spcPct val="90000"/>
+              </a:lnSpc>
+              <a:spcBef>
+                <a:spcPts val="1000"/>
+              </a:spcBef>
+              <a:spcAft>
+                <a:spcPts val="0"/>
+              </a:spcAft>
+              <a:buClrTx/>
+              <a:buSzTx/>
+              <a:buFont typeface="Wingdings" pitchFamily="2" charset="2"/>
+              <a:buChar char="§"/>
+              <a:tabLst/>
+              <a:defRPr/>
+            </a:pPr>
+            <a:r>
+              <a:rPr kumimoji="0" lang="en-US" sz="3600" b="0" i="0" u="none" strike="noStrike" kern="1200" cap="none" spc="0" normalizeH="0" baseline="0" noProof="0" dirty="0" smtClean="0">
+                <a:ln>
+                  <a:noFill/>
+                </a:ln>
+                <a:solidFill>
+                  <a:srgbClr val="273272"/>
+                </a:solidFill>
+                <a:effectLst/>
+                <a:uLnTx/>
+                <a:uFillTx/>
+                <a:latin typeface="+mn-lt"/>
+                <a:ea typeface="+mn-ea"/>
+                <a:cs typeface="+mn-cs"/>
+              </a:rPr>
+              <a:t>Functions</a:t>
+            </a:r>
+          </a:p>
+          <a:p>
+            <a:pPr marL="685800" lvl="1" indent="-228600">
+              <a:lnSpc>
+                <a:spcPct val="90000"/>
+              </a:lnSpc>
+              <a:spcBef>
+                <a:spcPts val="500"/>
+              </a:spcBef>
+              <a:buClr>
+                <a:srgbClr val="F7B217"/>
+              </a:buClr>
+              <a:buFont typeface="Wingdings" pitchFamily="2" charset="2"/>
+              <a:buChar char="§"/>
+            </a:pPr>
+            <a:r>
+              <a:rPr lang="en-US" sz="3200" dirty="0" err="1" smtClean="0">
+                <a:solidFill>
+                  <a:srgbClr val="273272"/>
+                </a:solidFill>
+              </a:rPr>
+              <a:t>Inlining</a:t>
+            </a:r>
+            <a:endParaRPr lang="en-US" sz="3200" dirty="0" smtClean="0">
+              <a:solidFill>
+                <a:srgbClr val="273272"/>
+              </a:solidFill>
+            </a:endParaRPr>
+          </a:p>
+          <a:p>
+            <a:pPr marL="685800" lvl="1" indent="-228600">
+              <a:lnSpc>
+                <a:spcPct val="90000"/>
+              </a:lnSpc>
+              <a:spcBef>
+                <a:spcPts val="500"/>
+              </a:spcBef>
+              <a:buClr>
+                <a:srgbClr val="F7B217"/>
+              </a:buClr>
+              <a:buFont typeface="Wingdings" pitchFamily="2" charset="2"/>
+              <a:buChar char="§"/>
+            </a:pPr>
+            <a:r>
+              <a:rPr lang="en-US" sz="3200" dirty="0" smtClean="0">
+                <a:solidFill>
+                  <a:srgbClr val="273272"/>
+                </a:solidFill>
+              </a:rPr>
+              <a:t>Tail-recursion elimination</a:t>
+            </a:r>
+          </a:p>
+          <a:p>
+            <a:pPr marL="685800" lvl="1" indent="-228600">
+              <a:lnSpc>
+                <a:spcPct val="90000"/>
+              </a:lnSpc>
+              <a:spcBef>
+                <a:spcPts val="500"/>
+              </a:spcBef>
+              <a:buClr>
+                <a:srgbClr val="F7B217"/>
+              </a:buClr>
+              <a:buFont typeface="Wingdings" pitchFamily="2" charset="2"/>
+              <a:buChar char="§"/>
+            </a:pPr>
+            <a:r>
+              <a:rPr lang="en-US" sz="3200" dirty="0" smtClean="0">
+                <a:solidFill>
+                  <a:srgbClr val="273272"/>
+                </a:solidFill>
+              </a:rPr>
+              <a:t>Coarsening recursion</a:t>
+            </a:r>
           </a:p>
         </p:txBody>
       </p:sp>
@@ -5370,41 +8455,38 @@
         </p:nvSpPr>
         <p:spPr>
           <a:xfrm>
-            <a:off x="838200" y="1178052"/>
-            <a:ext cx="10515600" cy="5273547"/>
+            <a:off x="838200" y="1178053"/>
+            <a:ext cx="10515600" cy="2333243"/>
           </a:xfrm>
         </p:spPr>
         <p:txBody>
-          <a:bodyPr/>
+          <a:bodyPr>
+            <a:normAutofit/>
+          </a:bodyPr>
           <a:lstStyle/>
           <a:p>
             <a:r>
               <a:rPr lang="en-US" dirty="0" smtClean="0"/>
-              <a:t>Loop unrolling attempts to save work by combining several consecutive iterations of a loop into a single iteration, thereby reducing the total number of iterations of the loop and, consequently, the number of times that the instructions that control the loop must be executed.</a:t>
-            </a:r>
-          </a:p>
-          <a:p>
-            <a:pPr lvl="1"/>
-            <a:r>
-              <a:rPr lang="en-US" sz="3600" dirty="0" smtClean="0"/>
-              <a:t>Full </a:t>
-            </a:r>
-            <a:r>
-              <a:rPr lang="en-US" sz="3600" dirty="0" smtClean="0"/>
-              <a:t>loop unrolling: All iterations are unrolled.</a:t>
-            </a:r>
-          </a:p>
-          <a:p>
-            <a:pPr lvl="1"/>
-            <a:r>
-              <a:rPr lang="en-US" sz="3600" dirty="0" smtClean="0"/>
-              <a:t>Partial </a:t>
-            </a:r>
-            <a:r>
-              <a:rPr lang="en-US" sz="3600" dirty="0" smtClean="0"/>
-              <a:t>loop unrolling: Several, but not all, of the iterations are unrolled.</a:t>
-            </a:r>
-            <a:endParaRPr lang="ru-RU" sz="3600" dirty="0"/>
+              <a:t>The goal of hoisting — also called loop-invariant code motion — is to avoid </a:t>
+            </a:r>
+            <a:r>
+              <a:rPr lang="en-US" dirty="0" err="1" smtClean="0"/>
+              <a:t>recomputing</a:t>
+            </a:r>
+            <a:r>
+              <a:rPr lang="en-US" dirty="0" smtClean="0"/>
+              <a:t> loop-invariant code each time through the body of a loop.</a:t>
+            </a:r>
+          </a:p>
+          <a:p>
+            <a:pPr marL="0" indent="0">
+              <a:buNone/>
+            </a:pPr>
+            <a:r>
+              <a:rPr lang="en-US" dirty="0" smtClean="0"/>
+              <a:t> </a:t>
+            </a:r>
+            <a:endParaRPr lang="ru-RU" dirty="0"/>
           </a:p>
         </p:txBody>
       </p:sp>
@@ -5450,13 +8532,785 @@
           <a:p>
             <a:r>
               <a:rPr lang="en-US" dirty="0" smtClean="0"/>
-              <a:t>Loop </a:t>
-            </a:r>
-            <a:r>
-              <a:rPr lang="en-US" dirty="0" smtClean="0"/>
-              <a:t>Unrolling</a:t>
+              <a:t>Hoisting</a:t>
             </a:r>
             <a:endParaRPr lang="ru-RU" dirty="0"/>
+          </a:p>
+        </p:txBody>
+      </p:sp>
+      <p:sp>
+        <p:nvSpPr>
+          <p:cNvPr id="5" name="Rectangle 1"/>
+          <p:cNvSpPr>
+            <a:spLocks noChangeArrowheads="1"/>
+          </p:cNvSpPr>
+          <p:nvPr/>
+        </p:nvSpPr>
+        <p:spPr bwMode="auto">
+          <a:xfrm>
+            <a:off x="838200" y="3233435"/>
+            <a:ext cx="4864608" cy="1015663"/>
+          </a:xfrm>
+          <a:prstGeom prst="rect">
+            <a:avLst/>
+          </a:prstGeom>
+          <a:solidFill>
+            <a:srgbClr val="FFFFFF"/>
+          </a:solidFill>
+          <a:ln>
+            <a:noFill/>
+          </a:ln>
+          <a:effectLst/>
+          <a:extLst>
+            <a:ext uri="{91240B29-F687-4F45-9708-019B960494DF}">
+              <a14:hiddenLine xmlns:a14="http://schemas.microsoft.com/office/drawing/2010/main" w="9525">
+                <a:solidFill>
+                  <a:schemeClr val="tx1"/>
+                </a:solidFill>
+                <a:miter lim="800000"/>
+                <a:headEnd/>
+                <a:tailEnd/>
+              </a14:hiddenLine>
+            </a:ext>
+            <a:ext uri="{AF507438-7753-43E0-B8FC-AC1667EBCBE1}">
+              <a14:hiddenEffects xmlns:a14="http://schemas.microsoft.com/office/drawing/2010/main">
+                <a:effectLst>
+                  <a:outerShdw dist="35921" dir="2700000" algn="ctr" rotWithShape="0">
+                    <a:schemeClr val="bg2"/>
+                  </a:outerShdw>
+                </a:effectLst>
+              </a14:hiddenEffects>
+            </a:ext>
+          </a:extLst>
+        </p:spPr>
+        <p:txBody>
+          <a:bodyPr vert="horz" wrap="square" lIns="91440" tIns="45720" rIns="91440" bIns="45720" numCol="1" anchor="ctr" anchorCtr="0" compatLnSpc="1">
+            <a:prstTxWarp prst="textNoShape">
+              <a:avLst/>
+            </a:prstTxWarp>
+            <a:spAutoFit/>
+          </a:bodyPr>
+          <a:lstStyle/>
+          <a:p>
+            <a:pPr marL="0" marR="0" lvl="0" indent="0" algn="l" defTabSz="914400" rtl="0" eaLnBrk="0" fontAlgn="base" latinLnBrk="0" hangingPunct="0">
+              <a:lnSpc>
+                <a:spcPct val="100000"/>
+              </a:lnSpc>
+              <a:spcBef>
+                <a:spcPct val="0"/>
+              </a:spcBef>
+              <a:spcAft>
+                <a:spcPct val="0"/>
+              </a:spcAft>
+              <a:buClrTx/>
+              <a:buSzTx/>
+              <a:buFontTx/>
+              <a:buNone/>
+              <a:tabLst/>
+            </a:pPr>
+            <a:r>
+              <a:rPr kumimoji="0" lang="en-US" altLang="en-US" sz="2000" b="1" i="0" u="none" strike="noStrike" cap="none" normalizeH="0" baseline="0" dirty="0" smtClean="0">
+                <a:ln>
+                  <a:noFill/>
+                </a:ln>
+                <a:solidFill>
+                  <a:srgbClr val="000080"/>
+                </a:solidFill>
+                <a:effectLst/>
+                <a:latin typeface="Consolas" panose="020B0609020204030204" pitchFamily="49" charset="0"/>
+              </a:rPr>
+              <a:t>for </a:t>
+            </a:r>
+            <a:r>
+              <a:rPr kumimoji="0" lang="en-US" altLang="en-US" sz="2000" b="0" i="0" u="none" strike="noStrike" cap="none" normalizeH="0" baseline="0" dirty="0" smtClean="0">
+                <a:ln>
+                  <a:noFill/>
+                </a:ln>
+                <a:solidFill>
+                  <a:srgbClr val="000000"/>
+                </a:solidFill>
+                <a:effectLst/>
+                <a:latin typeface="Consolas" panose="020B0609020204030204" pitchFamily="49" charset="0"/>
+              </a:rPr>
+              <a:t>(</a:t>
+            </a:r>
+            <a:r>
+              <a:rPr kumimoji="0" lang="en-US" altLang="en-US" sz="2000" b="1" i="0" u="none" strike="noStrike" cap="none" normalizeH="0" baseline="0" dirty="0" err="1" smtClean="0">
+                <a:ln>
+                  <a:noFill/>
+                </a:ln>
+                <a:solidFill>
+                  <a:srgbClr val="000080"/>
+                </a:solidFill>
+                <a:effectLst/>
+                <a:latin typeface="Consolas" panose="020B0609020204030204" pitchFamily="49" charset="0"/>
+              </a:rPr>
+              <a:t>int</a:t>
+            </a:r>
+            <a:r>
+              <a:rPr kumimoji="0" lang="en-US" altLang="en-US" sz="2000" b="1" i="0" u="none" strike="noStrike" cap="none" normalizeH="0" baseline="0" dirty="0" smtClean="0">
+                <a:ln>
+                  <a:noFill/>
+                </a:ln>
+                <a:solidFill>
+                  <a:srgbClr val="000080"/>
+                </a:solidFill>
+                <a:effectLst/>
+                <a:latin typeface="Consolas" panose="020B0609020204030204" pitchFamily="49" charset="0"/>
+              </a:rPr>
+              <a:t> </a:t>
+            </a:r>
+            <a:r>
+              <a:rPr kumimoji="0" lang="en-US" altLang="en-US" sz="2000" b="0" i="0" u="none" strike="noStrike" cap="none" normalizeH="0" baseline="0" dirty="0" err="1" smtClean="0">
+                <a:ln>
+                  <a:noFill/>
+                </a:ln>
+                <a:solidFill>
+                  <a:srgbClr val="000000"/>
+                </a:solidFill>
+                <a:effectLst/>
+                <a:latin typeface="Consolas" panose="020B0609020204030204" pitchFamily="49" charset="0"/>
+              </a:rPr>
+              <a:t>i</a:t>
+            </a:r>
+            <a:r>
+              <a:rPr kumimoji="0" lang="en-US" altLang="en-US" sz="2000" b="0" i="0" u="none" strike="noStrike" cap="none" normalizeH="0" baseline="0" dirty="0" smtClean="0">
+                <a:ln>
+                  <a:noFill/>
+                </a:ln>
+                <a:solidFill>
+                  <a:srgbClr val="000000"/>
+                </a:solidFill>
+                <a:effectLst/>
+                <a:latin typeface="Consolas" panose="020B0609020204030204" pitchFamily="49" charset="0"/>
+              </a:rPr>
+              <a:t> = </a:t>
+            </a:r>
+            <a:r>
+              <a:rPr kumimoji="0" lang="en-US" altLang="en-US" sz="2000" b="0" i="0" u="none" strike="noStrike" cap="none" normalizeH="0" baseline="0" dirty="0" smtClean="0">
+                <a:ln>
+                  <a:noFill/>
+                </a:ln>
+                <a:solidFill>
+                  <a:srgbClr val="0000FF"/>
+                </a:solidFill>
+                <a:effectLst/>
+                <a:latin typeface="Consolas" panose="020B0609020204030204" pitchFamily="49" charset="0"/>
+              </a:rPr>
+              <a:t>0</a:t>
+            </a:r>
+            <a:r>
+              <a:rPr kumimoji="0" lang="en-US" altLang="en-US" sz="2000" b="0" i="0" u="none" strike="noStrike" cap="none" normalizeH="0" baseline="0" dirty="0" smtClean="0">
+                <a:ln>
+                  <a:noFill/>
+                </a:ln>
+                <a:solidFill>
+                  <a:srgbClr val="000000"/>
+                </a:solidFill>
+                <a:effectLst/>
+                <a:latin typeface="Consolas" panose="020B0609020204030204" pitchFamily="49" charset="0"/>
+              </a:rPr>
+              <a:t>; </a:t>
+            </a:r>
+            <a:r>
+              <a:rPr kumimoji="0" lang="en-US" altLang="en-US" sz="2000" b="0" i="0" u="none" strike="noStrike" cap="none" normalizeH="0" baseline="0" dirty="0" err="1" smtClean="0">
+                <a:ln>
+                  <a:noFill/>
+                </a:ln>
+                <a:solidFill>
+                  <a:srgbClr val="000000"/>
+                </a:solidFill>
+                <a:effectLst/>
+                <a:latin typeface="Consolas" panose="020B0609020204030204" pitchFamily="49" charset="0"/>
+              </a:rPr>
+              <a:t>i</a:t>
+            </a:r>
+            <a:r>
+              <a:rPr kumimoji="0" lang="en-US" altLang="en-US" sz="2000" b="0" i="0" u="none" strike="noStrike" cap="none" normalizeH="0" baseline="0" dirty="0" smtClean="0">
+                <a:ln>
+                  <a:noFill/>
+                </a:ln>
+                <a:solidFill>
+                  <a:srgbClr val="000000"/>
+                </a:solidFill>
+                <a:effectLst/>
+                <a:latin typeface="Consolas" panose="020B0609020204030204" pitchFamily="49" charset="0"/>
+              </a:rPr>
+              <a:t> &lt; </a:t>
+            </a:r>
+            <a:r>
+              <a:rPr kumimoji="0" lang="en-US" altLang="en-US" sz="2000" b="0" i="0" u="none" strike="noStrike" cap="none" normalizeH="0" baseline="0" dirty="0" smtClean="0">
+                <a:ln>
+                  <a:noFill/>
+                </a:ln>
+                <a:solidFill>
+                  <a:srgbClr val="0000FF"/>
+                </a:solidFill>
+                <a:effectLst/>
+                <a:latin typeface="Consolas" panose="020B0609020204030204" pitchFamily="49" charset="0"/>
+              </a:rPr>
+              <a:t>100</a:t>
+            </a:r>
+            <a:r>
+              <a:rPr kumimoji="0" lang="en-US" altLang="en-US" sz="2000" b="0" i="0" u="none" strike="noStrike" cap="none" normalizeH="0" baseline="0" dirty="0" smtClean="0">
+                <a:ln>
+                  <a:noFill/>
+                </a:ln>
+                <a:solidFill>
+                  <a:srgbClr val="000000"/>
+                </a:solidFill>
+                <a:effectLst/>
+                <a:latin typeface="Consolas" panose="020B0609020204030204" pitchFamily="49" charset="0"/>
+              </a:rPr>
+              <a:t>; </a:t>
+            </a:r>
+            <a:r>
+              <a:rPr kumimoji="0" lang="en-US" altLang="en-US" sz="2000" b="0" i="0" u="none" strike="noStrike" cap="none" normalizeH="0" baseline="0" dirty="0" err="1" smtClean="0">
+                <a:ln>
+                  <a:noFill/>
+                </a:ln>
+                <a:solidFill>
+                  <a:srgbClr val="000000"/>
+                </a:solidFill>
+                <a:effectLst/>
+                <a:latin typeface="Consolas" panose="020B0609020204030204" pitchFamily="49" charset="0"/>
+              </a:rPr>
+              <a:t>i</a:t>
+            </a:r>
+            <a:r>
+              <a:rPr kumimoji="0" lang="en-US" altLang="en-US" sz="2000" b="0" i="0" u="none" strike="noStrike" cap="none" normalizeH="0" baseline="0" dirty="0" smtClean="0">
+                <a:ln>
+                  <a:noFill/>
+                </a:ln>
+                <a:solidFill>
+                  <a:srgbClr val="000000"/>
+                </a:solidFill>
+                <a:effectLst/>
+                <a:latin typeface="Consolas" panose="020B0609020204030204" pitchFamily="49" charset="0"/>
+              </a:rPr>
+              <a:t>++) {</a:t>
+            </a:r>
+            <a:br>
+              <a:rPr kumimoji="0" lang="en-US" altLang="en-US" sz="2000" b="0" i="0" u="none" strike="noStrike" cap="none" normalizeH="0" baseline="0" dirty="0" smtClean="0">
+                <a:ln>
+                  <a:noFill/>
+                </a:ln>
+                <a:solidFill>
+                  <a:srgbClr val="000000"/>
+                </a:solidFill>
+                <a:effectLst/>
+                <a:latin typeface="Consolas" panose="020B0609020204030204" pitchFamily="49" charset="0"/>
+              </a:rPr>
+            </a:br>
+            <a:r>
+              <a:rPr kumimoji="0" lang="en-US" altLang="en-US" sz="2000" b="0" i="0" u="none" strike="noStrike" cap="none" normalizeH="0" baseline="0" dirty="0" smtClean="0">
+                <a:ln>
+                  <a:noFill/>
+                </a:ln>
+                <a:solidFill>
+                  <a:srgbClr val="000000"/>
+                </a:solidFill>
+                <a:effectLst/>
+                <a:latin typeface="Consolas" panose="020B0609020204030204" pitchFamily="49" charset="0"/>
+              </a:rPr>
+              <a:t>    a[</a:t>
+            </a:r>
+            <a:r>
+              <a:rPr kumimoji="0" lang="en-US" altLang="en-US" sz="2000" b="0" i="0" u="none" strike="noStrike" cap="none" normalizeH="0" baseline="0" dirty="0" err="1" smtClean="0">
+                <a:ln>
+                  <a:noFill/>
+                </a:ln>
+                <a:solidFill>
+                  <a:srgbClr val="000000"/>
+                </a:solidFill>
+                <a:effectLst/>
+                <a:latin typeface="Consolas" panose="020B0609020204030204" pitchFamily="49" charset="0"/>
+              </a:rPr>
+              <a:t>i</a:t>
+            </a:r>
+            <a:r>
+              <a:rPr kumimoji="0" lang="en-US" altLang="en-US" sz="2000" b="0" i="0" u="none" strike="noStrike" cap="none" normalizeH="0" baseline="0" dirty="0" smtClean="0">
+                <a:ln>
+                  <a:noFill/>
+                </a:ln>
+                <a:solidFill>
+                  <a:srgbClr val="000000"/>
+                </a:solidFill>
+                <a:effectLst/>
+                <a:latin typeface="Consolas" panose="020B0609020204030204" pitchFamily="49" charset="0"/>
+              </a:rPr>
+              <a:t>] = x + y;</a:t>
+            </a:r>
+            <a:br>
+              <a:rPr kumimoji="0" lang="en-US" altLang="en-US" sz="2000" b="0" i="0" u="none" strike="noStrike" cap="none" normalizeH="0" baseline="0" dirty="0" smtClean="0">
+                <a:ln>
+                  <a:noFill/>
+                </a:ln>
+                <a:solidFill>
+                  <a:srgbClr val="000000"/>
+                </a:solidFill>
+                <a:effectLst/>
+                <a:latin typeface="Consolas" panose="020B0609020204030204" pitchFamily="49" charset="0"/>
+              </a:rPr>
+            </a:br>
+            <a:r>
+              <a:rPr kumimoji="0" lang="en-US" altLang="en-US" sz="2000" b="0" i="0" u="none" strike="noStrike" cap="none" normalizeH="0" baseline="0" dirty="0" smtClean="0">
+                <a:ln>
+                  <a:noFill/>
+                </a:ln>
+                <a:solidFill>
+                  <a:srgbClr val="000000"/>
+                </a:solidFill>
+                <a:effectLst/>
+                <a:latin typeface="Consolas" panose="020B0609020204030204" pitchFamily="49" charset="0"/>
+              </a:rPr>
+              <a:t>}</a:t>
+            </a:r>
+            <a:endParaRPr kumimoji="0" lang="en-US" altLang="en-US" sz="4800" b="0" i="0" u="none" strike="noStrike" cap="none" normalizeH="0" baseline="0" dirty="0" smtClean="0">
+              <a:ln>
+                <a:noFill/>
+              </a:ln>
+              <a:solidFill>
+                <a:schemeClr val="tx1"/>
+              </a:solidFill>
+              <a:effectLst/>
+              <a:latin typeface="Arial" panose="020B0604020202020204" pitchFamily="34" charset="0"/>
+            </a:endParaRPr>
+          </a:p>
+        </p:txBody>
+      </p:sp>
+      <p:sp>
+        <p:nvSpPr>
+          <p:cNvPr id="6" name="Rectangle 2"/>
+          <p:cNvSpPr>
+            <a:spLocks noChangeArrowheads="1"/>
+          </p:cNvSpPr>
+          <p:nvPr/>
+        </p:nvSpPr>
+        <p:spPr bwMode="auto">
+          <a:xfrm>
+            <a:off x="6556248" y="4524600"/>
+            <a:ext cx="4901184" cy="1323439"/>
+          </a:xfrm>
+          <a:prstGeom prst="rect">
+            <a:avLst/>
+          </a:prstGeom>
+          <a:solidFill>
+            <a:srgbClr val="FFFFFF"/>
+          </a:solidFill>
+          <a:ln>
+            <a:noFill/>
+          </a:ln>
+          <a:effectLst/>
+          <a:extLst>
+            <a:ext uri="{91240B29-F687-4F45-9708-019B960494DF}">
+              <a14:hiddenLine xmlns:a14="http://schemas.microsoft.com/office/drawing/2010/main" w="9525">
+                <a:solidFill>
+                  <a:schemeClr val="tx1"/>
+                </a:solidFill>
+                <a:miter lim="800000"/>
+                <a:headEnd/>
+                <a:tailEnd/>
+              </a14:hiddenLine>
+            </a:ext>
+            <a:ext uri="{AF507438-7753-43E0-B8FC-AC1667EBCBE1}">
+              <a14:hiddenEffects xmlns:a14="http://schemas.microsoft.com/office/drawing/2010/main">
+                <a:effectLst>
+                  <a:outerShdw dist="35921" dir="2700000" algn="ctr" rotWithShape="0">
+                    <a:schemeClr val="bg2"/>
+                  </a:outerShdw>
+                </a:effectLst>
+              </a14:hiddenEffects>
+            </a:ext>
+          </a:extLst>
+        </p:spPr>
+        <p:txBody>
+          <a:bodyPr vert="horz" wrap="square" lIns="91440" tIns="45720" rIns="91440" bIns="45720" numCol="1" anchor="ctr" anchorCtr="0" compatLnSpc="1">
+            <a:prstTxWarp prst="textNoShape">
+              <a:avLst/>
+            </a:prstTxWarp>
+            <a:spAutoFit/>
+          </a:bodyPr>
+          <a:lstStyle/>
+          <a:p>
+            <a:pPr marL="0" marR="0" lvl="0" indent="0" algn="l" defTabSz="914400" rtl="0" eaLnBrk="0" fontAlgn="base" latinLnBrk="0" hangingPunct="0">
+              <a:lnSpc>
+                <a:spcPct val="100000"/>
+              </a:lnSpc>
+              <a:spcBef>
+                <a:spcPct val="0"/>
+              </a:spcBef>
+              <a:spcAft>
+                <a:spcPct val="0"/>
+              </a:spcAft>
+              <a:buClrTx/>
+              <a:buSzTx/>
+              <a:buFontTx/>
+              <a:buNone/>
+              <a:tabLst/>
+            </a:pPr>
+            <a:r>
+              <a:rPr kumimoji="0" lang="en-US" altLang="en-US" sz="2000" b="1" i="0" u="none" strike="noStrike" cap="none" normalizeH="0" baseline="0" dirty="0" err="1" smtClean="0">
+                <a:ln>
+                  <a:noFill/>
+                </a:ln>
+                <a:solidFill>
+                  <a:srgbClr val="000080"/>
+                </a:solidFill>
+                <a:effectLst/>
+                <a:latin typeface="Consolas" panose="020B0609020204030204" pitchFamily="49" charset="0"/>
+              </a:rPr>
+              <a:t>int</a:t>
+            </a:r>
+            <a:r>
+              <a:rPr kumimoji="0" lang="en-US" altLang="en-US" sz="2000" b="1" i="0" u="none" strike="noStrike" cap="none" normalizeH="0" baseline="0" dirty="0" smtClean="0">
+                <a:ln>
+                  <a:noFill/>
+                </a:ln>
+                <a:solidFill>
+                  <a:srgbClr val="000080"/>
+                </a:solidFill>
+                <a:effectLst/>
+                <a:latin typeface="Consolas" panose="020B0609020204030204" pitchFamily="49" charset="0"/>
+              </a:rPr>
+              <a:t> </a:t>
+            </a:r>
+            <a:r>
+              <a:rPr kumimoji="0" lang="en-US" altLang="en-US" sz="2000" b="0" i="0" u="none" strike="noStrike" cap="none" normalizeH="0" baseline="0" dirty="0" smtClean="0">
+                <a:ln>
+                  <a:noFill/>
+                </a:ln>
+                <a:solidFill>
+                  <a:srgbClr val="000000"/>
+                </a:solidFill>
+                <a:effectLst/>
+                <a:latin typeface="Consolas" panose="020B0609020204030204" pitchFamily="49" charset="0"/>
+              </a:rPr>
+              <a:t>t = x + y;</a:t>
+            </a:r>
+            <a:br>
+              <a:rPr kumimoji="0" lang="en-US" altLang="en-US" sz="2000" b="0" i="0" u="none" strike="noStrike" cap="none" normalizeH="0" baseline="0" dirty="0" smtClean="0">
+                <a:ln>
+                  <a:noFill/>
+                </a:ln>
+                <a:solidFill>
+                  <a:srgbClr val="000000"/>
+                </a:solidFill>
+                <a:effectLst/>
+                <a:latin typeface="Consolas" panose="020B0609020204030204" pitchFamily="49" charset="0"/>
+              </a:rPr>
+            </a:br>
+            <a:r>
+              <a:rPr kumimoji="0" lang="en-US" altLang="en-US" sz="2000" b="1" i="0" u="none" strike="noStrike" cap="none" normalizeH="0" baseline="0" dirty="0" smtClean="0">
+                <a:ln>
+                  <a:noFill/>
+                </a:ln>
+                <a:solidFill>
+                  <a:srgbClr val="000080"/>
+                </a:solidFill>
+                <a:effectLst/>
+                <a:latin typeface="Consolas" panose="020B0609020204030204" pitchFamily="49" charset="0"/>
+              </a:rPr>
+              <a:t>for </a:t>
+            </a:r>
+            <a:r>
+              <a:rPr kumimoji="0" lang="en-US" altLang="en-US" sz="2000" b="0" i="0" u="none" strike="noStrike" cap="none" normalizeH="0" baseline="0" dirty="0" smtClean="0">
+                <a:ln>
+                  <a:noFill/>
+                </a:ln>
+                <a:solidFill>
+                  <a:srgbClr val="000000"/>
+                </a:solidFill>
+                <a:effectLst/>
+                <a:latin typeface="Consolas" panose="020B0609020204030204" pitchFamily="49" charset="0"/>
+              </a:rPr>
+              <a:t>(</a:t>
+            </a:r>
+            <a:r>
+              <a:rPr kumimoji="0" lang="en-US" altLang="en-US" sz="2000" b="1" i="0" u="none" strike="noStrike" cap="none" normalizeH="0" baseline="0" dirty="0" err="1" smtClean="0">
+                <a:ln>
+                  <a:noFill/>
+                </a:ln>
+                <a:solidFill>
+                  <a:srgbClr val="000080"/>
+                </a:solidFill>
+                <a:effectLst/>
+                <a:latin typeface="Consolas" panose="020B0609020204030204" pitchFamily="49" charset="0"/>
+              </a:rPr>
+              <a:t>int</a:t>
+            </a:r>
+            <a:r>
+              <a:rPr kumimoji="0" lang="en-US" altLang="en-US" sz="2000" b="1" i="0" u="none" strike="noStrike" cap="none" normalizeH="0" baseline="0" dirty="0" smtClean="0">
+                <a:ln>
+                  <a:noFill/>
+                </a:ln>
+                <a:solidFill>
+                  <a:srgbClr val="000080"/>
+                </a:solidFill>
+                <a:effectLst/>
+                <a:latin typeface="Consolas" panose="020B0609020204030204" pitchFamily="49" charset="0"/>
+              </a:rPr>
+              <a:t> </a:t>
+            </a:r>
+            <a:r>
+              <a:rPr kumimoji="0" lang="en-US" altLang="en-US" sz="2000" b="0" i="0" u="none" strike="noStrike" cap="none" normalizeH="0" baseline="0" dirty="0" err="1" smtClean="0">
+                <a:ln>
+                  <a:noFill/>
+                </a:ln>
+                <a:solidFill>
+                  <a:srgbClr val="000000"/>
+                </a:solidFill>
+                <a:effectLst/>
+                <a:latin typeface="Consolas" panose="020B0609020204030204" pitchFamily="49" charset="0"/>
+              </a:rPr>
+              <a:t>i</a:t>
+            </a:r>
+            <a:r>
+              <a:rPr kumimoji="0" lang="en-US" altLang="en-US" sz="2000" b="0" i="0" u="none" strike="noStrike" cap="none" normalizeH="0" baseline="0" dirty="0" smtClean="0">
+                <a:ln>
+                  <a:noFill/>
+                </a:ln>
+                <a:solidFill>
+                  <a:srgbClr val="000000"/>
+                </a:solidFill>
+                <a:effectLst/>
+                <a:latin typeface="Consolas" panose="020B0609020204030204" pitchFamily="49" charset="0"/>
+              </a:rPr>
+              <a:t> = </a:t>
+            </a:r>
+            <a:r>
+              <a:rPr kumimoji="0" lang="en-US" altLang="en-US" sz="2000" b="0" i="0" u="none" strike="noStrike" cap="none" normalizeH="0" baseline="0" dirty="0" smtClean="0">
+                <a:ln>
+                  <a:noFill/>
+                </a:ln>
+                <a:solidFill>
+                  <a:srgbClr val="0000FF"/>
+                </a:solidFill>
+                <a:effectLst/>
+                <a:latin typeface="Consolas" panose="020B0609020204030204" pitchFamily="49" charset="0"/>
+              </a:rPr>
+              <a:t>0</a:t>
+            </a:r>
+            <a:r>
+              <a:rPr kumimoji="0" lang="en-US" altLang="en-US" sz="2000" b="0" i="0" u="none" strike="noStrike" cap="none" normalizeH="0" baseline="0" dirty="0" smtClean="0">
+                <a:ln>
+                  <a:noFill/>
+                </a:ln>
+                <a:solidFill>
+                  <a:srgbClr val="000000"/>
+                </a:solidFill>
+                <a:effectLst/>
+                <a:latin typeface="Consolas" panose="020B0609020204030204" pitchFamily="49" charset="0"/>
+              </a:rPr>
+              <a:t>; </a:t>
+            </a:r>
+            <a:r>
+              <a:rPr kumimoji="0" lang="en-US" altLang="en-US" sz="2000" b="0" i="0" u="none" strike="noStrike" cap="none" normalizeH="0" baseline="0" dirty="0" err="1" smtClean="0">
+                <a:ln>
+                  <a:noFill/>
+                </a:ln>
+                <a:solidFill>
+                  <a:srgbClr val="000000"/>
+                </a:solidFill>
+                <a:effectLst/>
+                <a:latin typeface="Consolas" panose="020B0609020204030204" pitchFamily="49" charset="0"/>
+              </a:rPr>
+              <a:t>i</a:t>
+            </a:r>
+            <a:r>
+              <a:rPr kumimoji="0" lang="en-US" altLang="en-US" sz="2000" b="0" i="0" u="none" strike="noStrike" cap="none" normalizeH="0" baseline="0" dirty="0" smtClean="0">
+                <a:ln>
+                  <a:noFill/>
+                </a:ln>
+                <a:solidFill>
+                  <a:srgbClr val="000000"/>
+                </a:solidFill>
+                <a:effectLst/>
+                <a:latin typeface="Consolas" panose="020B0609020204030204" pitchFamily="49" charset="0"/>
+              </a:rPr>
+              <a:t> &lt; </a:t>
+            </a:r>
+            <a:r>
+              <a:rPr kumimoji="0" lang="en-US" altLang="en-US" sz="2000" b="0" i="0" u="none" strike="noStrike" cap="none" normalizeH="0" baseline="0" dirty="0" smtClean="0">
+                <a:ln>
+                  <a:noFill/>
+                </a:ln>
+                <a:solidFill>
+                  <a:srgbClr val="0000FF"/>
+                </a:solidFill>
+                <a:effectLst/>
+                <a:latin typeface="Consolas" panose="020B0609020204030204" pitchFamily="49" charset="0"/>
+              </a:rPr>
+              <a:t>100</a:t>
+            </a:r>
+            <a:r>
+              <a:rPr kumimoji="0" lang="en-US" altLang="en-US" sz="2000" b="0" i="0" u="none" strike="noStrike" cap="none" normalizeH="0" baseline="0" dirty="0" smtClean="0">
+                <a:ln>
+                  <a:noFill/>
+                </a:ln>
+                <a:solidFill>
+                  <a:srgbClr val="000000"/>
+                </a:solidFill>
+                <a:effectLst/>
+                <a:latin typeface="Consolas" panose="020B0609020204030204" pitchFamily="49" charset="0"/>
+              </a:rPr>
+              <a:t>; </a:t>
+            </a:r>
+            <a:r>
+              <a:rPr kumimoji="0" lang="en-US" altLang="en-US" sz="2000" b="0" i="0" u="none" strike="noStrike" cap="none" normalizeH="0" baseline="0" dirty="0" err="1" smtClean="0">
+                <a:ln>
+                  <a:noFill/>
+                </a:ln>
+                <a:solidFill>
+                  <a:srgbClr val="000000"/>
+                </a:solidFill>
+                <a:effectLst/>
+                <a:latin typeface="Consolas" panose="020B0609020204030204" pitchFamily="49" charset="0"/>
+              </a:rPr>
+              <a:t>i</a:t>
+            </a:r>
+            <a:r>
+              <a:rPr kumimoji="0" lang="en-US" altLang="en-US" sz="2000" b="0" i="0" u="none" strike="noStrike" cap="none" normalizeH="0" baseline="0" dirty="0" smtClean="0">
+                <a:ln>
+                  <a:noFill/>
+                </a:ln>
+                <a:solidFill>
+                  <a:srgbClr val="000000"/>
+                </a:solidFill>
+                <a:effectLst/>
+                <a:latin typeface="Consolas" panose="020B0609020204030204" pitchFamily="49" charset="0"/>
+              </a:rPr>
+              <a:t>++) {</a:t>
+            </a:r>
+            <a:br>
+              <a:rPr kumimoji="0" lang="en-US" altLang="en-US" sz="2000" b="0" i="0" u="none" strike="noStrike" cap="none" normalizeH="0" baseline="0" dirty="0" smtClean="0">
+                <a:ln>
+                  <a:noFill/>
+                </a:ln>
+                <a:solidFill>
+                  <a:srgbClr val="000000"/>
+                </a:solidFill>
+                <a:effectLst/>
+                <a:latin typeface="Consolas" panose="020B0609020204030204" pitchFamily="49" charset="0"/>
+              </a:rPr>
+            </a:br>
+            <a:r>
+              <a:rPr kumimoji="0" lang="en-US" altLang="en-US" sz="2000" b="0" i="0" u="none" strike="noStrike" cap="none" normalizeH="0" baseline="0" dirty="0" smtClean="0">
+                <a:ln>
+                  <a:noFill/>
+                </a:ln>
+                <a:solidFill>
+                  <a:srgbClr val="000000"/>
+                </a:solidFill>
+                <a:effectLst/>
+                <a:latin typeface="Consolas" panose="020B0609020204030204" pitchFamily="49" charset="0"/>
+              </a:rPr>
+              <a:t>    a[</a:t>
+            </a:r>
+            <a:r>
+              <a:rPr kumimoji="0" lang="en-US" altLang="en-US" sz="2000" b="0" i="0" u="none" strike="noStrike" cap="none" normalizeH="0" baseline="0" dirty="0" err="1" smtClean="0">
+                <a:ln>
+                  <a:noFill/>
+                </a:ln>
+                <a:solidFill>
+                  <a:srgbClr val="000000"/>
+                </a:solidFill>
+                <a:effectLst/>
+                <a:latin typeface="Consolas" panose="020B0609020204030204" pitchFamily="49" charset="0"/>
+              </a:rPr>
+              <a:t>i</a:t>
+            </a:r>
+            <a:r>
+              <a:rPr kumimoji="0" lang="en-US" altLang="en-US" sz="2000" b="0" i="0" u="none" strike="noStrike" cap="none" normalizeH="0" baseline="0" dirty="0" smtClean="0">
+                <a:ln>
+                  <a:noFill/>
+                </a:ln>
+                <a:solidFill>
+                  <a:srgbClr val="000000"/>
+                </a:solidFill>
+                <a:effectLst/>
+                <a:latin typeface="Consolas" panose="020B0609020204030204" pitchFamily="49" charset="0"/>
+              </a:rPr>
+              <a:t>] = t;</a:t>
+            </a:r>
+            <a:br>
+              <a:rPr kumimoji="0" lang="en-US" altLang="en-US" sz="2000" b="0" i="0" u="none" strike="noStrike" cap="none" normalizeH="0" baseline="0" dirty="0" smtClean="0">
+                <a:ln>
+                  <a:noFill/>
+                </a:ln>
+                <a:solidFill>
+                  <a:srgbClr val="000000"/>
+                </a:solidFill>
+                <a:effectLst/>
+                <a:latin typeface="Consolas" panose="020B0609020204030204" pitchFamily="49" charset="0"/>
+              </a:rPr>
+            </a:br>
+            <a:r>
+              <a:rPr kumimoji="0" lang="en-US" altLang="en-US" sz="2000" b="0" i="0" u="none" strike="noStrike" cap="none" normalizeH="0" baseline="0" dirty="0" smtClean="0">
+                <a:ln>
+                  <a:noFill/>
+                </a:ln>
+                <a:solidFill>
+                  <a:srgbClr val="000000"/>
+                </a:solidFill>
+                <a:effectLst/>
+                <a:latin typeface="Consolas" panose="020B0609020204030204" pitchFamily="49" charset="0"/>
+              </a:rPr>
+              <a:t>}</a:t>
+            </a:r>
+            <a:endParaRPr kumimoji="0" lang="en-US" altLang="en-US" sz="4800" b="0" i="0" u="none" strike="noStrike" cap="none" normalizeH="0" baseline="0" dirty="0" smtClean="0">
+              <a:ln>
+                <a:noFill/>
+              </a:ln>
+              <a:solidFill>
+                <a:schemeClr val="tx1"/>
+              </a:solidFill>
+              <a:effectLst/>
+              <a:latin typeface="Arial" panose="020B0604020202020204" pitchFamily="34" charset="0"/>
+            </a:endParaRPr>
+          </a:p>
+        </p:txBody>
+      </p:sp>
+      <p:sp>
+        <p:nvSpPr>
+          <p:cNvPr id="7" name="Down Arrow 6"/>
+          <p:cNvSpPr/>
+          <p:nvPr/>
+        </p:nvSpPr>
+        <p:spPr>
+          <a:xfrm rot="18505817">
+            <a:off x="4963395" y="3579892"/>
+            <a:ext cx="705049" cy="2109856"/>
+          </a:xfrm>
+          <a:prstGeom prst="downArrow">
+            <a:avLst/>
+          </a:prstGeom>
+          <a:solidFill>
+            <a:srgbClr val="FFC000"/>
+          </a:solidFill>
+        </p:spPr>
+        <p:style>
+          <a:lnRef idx="2">
+            <a:schemeClr val="accent1">
+              <a:shade val="50000"/>
+            </a:schemeClr>
+          </a:lnRef>
+          <a:fillRef idx="1">
+            <a:schemeClr val="accent1"/>
+          </a:fillRef>
+          <a:effectRef idx="0">
+            <a:schemeClr val="accent1"/>
+          </a:effectRef>
+          <a:fontRef idx="minor">
+            <a:schemeClr val="lt1"/>
+          </a:fontRef>
+        </p:style>
+        <p:txBody>
+          <a:bodyPr rtlCol="0" anchor="ctr"/>
+          <a:lstStyle/>
+          <a:p>
+            <a:pPr algn="ctr"/>
+            <a:endParaRPr lang="en-US"/>
           </a:p>
         </p:txBody>
       </p:sp>
@@ -5495,15 +9349,35 @@
             <p:ph idx="1"/>
           </p:nvPr>
         </p:nvSpPr>
-        <p:spPr/>
+        <p:spPr>
+          <a:xfrm>
+            <a:off x="838200" y="1178052"/>
+            <a:ext cx="10515600" cy="5273547"/>
+          </a:xfrm>
+        </p:spPr>
         <p:txBody>
           <a:bodyPr/>
           <a:lstStyle/>
           <a:p>
-            <a:pPr>
-              <a:buNone/>
-            </a:pPr>
-            <a:endParaRPr lang="ru-RU"/>
+            <a:r>
+              <a:rPr lang="en-US" dirty="0" smtClean="0"/>
+              <a:t>Loop unrolling attempts to save work by combining several consecutive iterations of a loop into a single iteration, thereby reducing the total number of iterations of the loop and, consequently, the number of times that the instructions that control the loop must be executed.</a:t>
+            </a:r>
+          </a:p>
+          <a:p>
+            <a:pPr lvl="1"/>
+            <a:r>
+              <a:rPr lang="en-US" sz="3600" dirty="0" smtClean="0"/>
+              <a:t>Full loop unrolling: All iterations are unrolled.</a:t>
+            </a:r>
+          </a:p>
+          <a:p>
+            <a:pPr lvl="1"/>
+            <a:r>
+              <a:rPr lang="en-US" sz="3600" dirty="0" smtClean="0"/>
+              <a:t>Partial loop unrolling: Several, but not all, of the iterations are unrolled.</a:t>
+            </a:r>
+            <a:endParaRPr lang="ru-RU" sz="3600" dirty="0"/>
           </a:p>
         </p:txBody>
       </p:sp>
@@ -5547,7 +9421,11 @@
           <a:bodyPr/>
           <a:lstStyle/>
           <a:p>
-            <a:endParaRPr lang="ru-RU"/>
+            <a:r>
+              <a:rPr lang="en-US" dirty="0" smtClean="0"/>
+              <a:t>Loop Unrolling</a:t>
+            </a:r>
+            <a:endParaRPr lang="ru-RU" dirty="0"/>
           </a:p>
         </p:txBody>
       </p:sp>
@@ -5578,61 +9456,6 @@
       </p:grpSpPr>
       <p:sp>
         <p:nvSpPr>
-          <p:cNvPr id="2" name="Содержимое 1"/>
-          <p:cNvSpPr>
-            <a:spLocks noGrp="1"/>
-          </p:cNvSpPr>
-          <p:nvPr>
-            <p:ph idx="1"/>
-          </p:nvPr>
-        </p:nvSpPr>
-        <p:spPr/>
-        <p:txBody>
-          <a:bodyPr>
-            <a:normAutofit/>
-          </a:bodyPr>
-          <a:lstStyle/>
-          <a:p>
-            <a:r>
-              <a:rPr lang="en-US" dirty="0" smtClean="0"/>
-              <a:t>Avoid premature optimization. First get correct working code. Then optimize, preserving correctness by regression testing.</a:t>
-            </a:r>
-          </a:p>
-          <a:p>
-            <a:r>
-              <a:rPr lang="en-US" dirty="0" smtClean="0"/>
-              <a:t>Reducing </a:t>
-            </a:r>
-            <a:r>
-              <a:rPr lang="en-US" dirty="0" smtClean="0"/>
-              <a:t>the work of a program does not necessarily decrease its running time, but it is a good heuristic.</a:t>
-            </a:r>
-          </a:p>
-          <a:p>
-            <a:r>
-              <a:rPr lang="en-US" dirty="0" smtClean="0"/>
-              <a:t>The </a:t>
-            </a:r>
-            <a:r>
-              <a:rPr lang="en-US" dirty="0" smtClean="0"/>
-              <a:t>compiler automates many low-level optimizations.</a:t>
-            </a:r>
-          </a:p>
-          <a:p>
-            <a:r>
-              <a:rPr lang="en-US" dirty="0" smtClean="0"/>
-              <a:t>To </a:t>
-            </a:r>
-            <a:r>
-              <a:rPr lang="en-US" dirty="0" smtClean="0"/>
-              <a:t>tell if the compiler is actually performing a particular optimization, look at the assembly code.</a:t>
-            </a:r>
-            <a:endParaRPr lang="ru-RU" dirty="0"/>
-          </a:p>
-        </p:txBody>
-      </p:sp>
-      <p:sp>
-        <p:nvSpPr>
           <p:cNvPr id="3" name="Номер слайда 2"/>
           <p:cNvSpPr>
             <a:spLocks noGrp="1"/>
@@ -5673,9 +9496,796 @@
           <a:p>
             <a:r>
               <a:rPr lang="en-US" dirty="0" smtClean="0"/>
-              <a:t>Conclusion</a:t>
+              <a:t>Full Loop Unrolling</a:t>
             </a:r>
             <a:endParaRPr lang="ru-RU" dirty="0"/>
+          </a:p>
+        </p:txBody>
+      </p:sp>
+      <p:sp>
+        <p:nvSpPr>
+          <p:cNvPr id="7" name="Rectangle 2"/>
+          <p:cNvSpPr>
+            <a:spLocks noChangeArrowheads="1"/>
+          </p:cNvSpPr>
+          <p:nvPr/>
+        </p:nvSpPr>
+        <p:spPr bwMode="auto">
+          <a:xfrm>
+            <a:off x="1005840" y="1533509"/>
+            <a:ext cx="6409944" cy="1815882"/>
+          </a:xfrm>
+          <a:prstGeom prst="rect">
+            <a:avLst/>
+          </a:prstGeom>
+          <a:solidFill>
+            <a:srgbClr val="FFFFFF"/>
+          </a:solidFill>
+          <a:ln>
+            <a:noFill/>
+          </a:ln>
+          <a:effectLst/>
+          <a:extLst>
+            <a:ext uri="{91240B29-F687-4F45-9708-019B960494DF}">
+              <a14:hiddenLine xmlns:a14="http://schemas.microsoft.com/office/drawing/2010/main" w="9525">
+                <a:solidFill>
+                  <a:schemeClr val="tx1"/>
+                </a:solidFill>
+                <a:miter lim="800000"/>
+                <a:headEnd/>
+                <a:tailEnd/>
+              </a14:hiddenLine>
+            </a:ext>
+            <a:ext uri="{AF507438-7753-43E0-B8FC-AC1667EBCBE1}">
+              <a14:hiddenEffects xmlns:a14="http://schemas.microsoft.com/office/drawing/2010/main">
+                <a:effectLst>
+                  <a:outerShdw dist="35921" dir="2700000" algn="ctr" rotWithShape="0">
+                    <a:schemeClr val="bg2"/>
+                  </a:outerShdw>
+                </a:effectLst>
+              </a14:hiddenEffects>
+            </a:ext>
+          </a:extLst>
+        </p:spPr>
+        <p:txBody>
+          <a:bodyPr vert="horz" wrap="square" lIns="91440" tIns="45720" rIns="91440" bIns="45720" numCol="1" anchor="ctr" anchorCtr="0" compatLnSpc="1">
+            <a:prstTxWarp prst="textNoShape">
+              <a:avLst/>
+            </a:prstTxWarp>
+            <a:spAutoFit/>
+          </a:bodyPr>
+          <a:lstStyle/>
+          <a:p>
+            <a:pPr marL="0" marR="0" lvl="0" indent="0" algn="l" defTabSz="914400" rtl="0" eaLnBrk="0" fontAlgn="base" latinLnBrk="0" hangingPunct="0">
+              <a:lnSpc>
+                <a:spcPct val="100000"/>
+              </a:lnSpc>
+              <a:spcBef>
+                <a:spcPct val="0"/>
+              </a:spcBef>
+              <a:spcAft>
+                <a:spcPct val="0"/>
+              </a:spcAft>
+              <a:buClrTx/>
+              <a:buSzTx/>
+              <a:buFontTx/>
+              <a:buNone/>
+              <a:tabLst/>
+            </a:pPr>
+            <a:r>
+              <a:rPr kumimoji="0" lang="en-US" altLang="en-US" sz="2800" b="1" i="0" u="none" strike="noStrike" cap="none" normalizeH="0" baseline="0" dirty="0" err="1" smtClean="0">
+                <a:ln>
+                  <a:noFill/>
+                </a:ln>
+                <a:solidFill>
+                  <a:srgbClr val="000080"/>
+                </a:solidFill>
+                <a:effectLst/>
+                <a:latin typeface="Consolas" panose="020B0609020204030204" pitchFamily="49" charset="0"/>
+              </a:rPr>
+              <a:t>int</a:t>
+            </a:r>
+            <a:r>
+              <a:rPr kumimoji="0" lang="en-US" altLang="en-US" sz="2800" b="1" i="0" u="none" strike="noStrike" cap="none" normalizeH="0" baseline="0" dirty="0" smtClean="0">
+                <a:ln>
+                  <a:noFill/>
+                </a:ln>
+                <a:solidFill>
+                  <a:srgbClr val="000080"/>
+                </a:solidFill>
+                <a:effectLst/>
+                <a:latin typeface="Consolas" panose="020B0609020204030204" pitchFamily="49" charset="0"/>
+              </a:rPr>
+              <a:t> </a:t>
+            </a:r>
+            <a:r>
+              <a:rPr kumimoji="0" lang="en-US" altLang="en-US" sz="2800" b="0" i="0" u="none" strike="noStrike" cap="none" normalizeH="0" baseline="0" dirty="0" smtClean="0">
+                <a:ln>
+                  <a:noFill/>
+                </a:ln>
+                <a:solidFill>
+                  <a:srgbClr val="000000"/>
+                </a:solidFill>
+                <a:effectLst/>
+                <a:latin typeface="Consolas" panose="020B0609020204030204" pitchFamily="49" charset="0"/>
+              </a:rPr>
+              <a:t>sum = </a:t>
+            </a:r>
+            <a:r>
+              <a:rPr kumimoji="0" lang="en-US" altLang="en-US" sz="2800" b="0" i="0" u="none" strike="noStrike" cap="none" normalizeH="0" baseline="0" dirty="0" smtClean="0">
+                <a:ln>
+                  <a:noFill/>
+                </a:ln>
+                <a:solidFill>
+                  <a:srgbClr val="0000FF"/>
+                </a:solidFill>
+                <a:effectLst/>
+                <a:latin typeface="Consolas" panose="020B0609020204030204" pitchFamily="49" charset="0"/>
+              </a:rPr>
+              <a:t>0</a:t>
+            </a:r>
+            <a:r>
+              <a:rPr kumimoji="0" lang="en-US" altLang="en-US" sz="2800" b="0" i="0" u="none" strike="noStrike" cap="none" normalizeH="0" baseline="0" dirty="0" smtClean="0">
+                <a:ln>
+                  <a:noFill/>
+                </a:ln>
+                <a:solidFill>
+                  <a:srgbClr val="000000"/>
+                </a:solidFill>
+                <a:effectLst/>
+                <a:latin typeface="Consolas" panose="020B0609020204030204" pitchFamily="49" charset="0"/>
+              </a:rPr>
+              <a:t>;</a:t>
+            </a:r>
+            <a:br>
+              <a:rPr kumimoji="0" lang="en-US" altLang="en-US" sz="2800" b="0" i="0" u="none" strike="noStrike" cap="none" normalizeH="0" baseline="0" dirty="0" smtClean="0">
+                <a:ln>
+                  <a:noFill/>
+                </a:ln>
+                <a:solidFill>
+                  <a:srgbClr val="000000"/>
+                </a:solidFill>
+                <a:effectLst/>
+                <a:latin typeface="Consolas" panose="020B0609020204030204" pitchFamily="49" charset="0"/>
+              </a:rPr>
+            </a:br>
+            <a:r>
+              <a:rPr kumimoji="0" lang="en-US" altLang="en-US" sz="2800" b="1" i="0" u="none" strike="noStrike" cap="none" normalizeH="0" baseline="0" dirty="0" smtClean="0">
+                <a:ln>
+                  <a:noFill/>
+                </a:ln>
+                <a:solidFill>
+                  <a:srgbClr val="000080"/>
+                </a:solidFill>
+                <a:effectLst/>
+                <a:latin typeface="Consolas" panose="020B0609020204030204" pitchFamily="49" charset="0"/>
+              </a:rPr>
+              <a:t>for </a:t>
+            </a:r>
+            <a:r>
+              <a:rPr kumimoji="0" lang="en-US" altLang="en-US" sz="2800" b="0" i="0" u="none" strike="noStrike" cap="none" normalizeH="0" baseline="0" dirty="0" smtClean="0">
+                <a:ln>
+                  <a:noFill/>
+                </a:ln>
+                <a:solidFill>
+                  <a:srgbClr val="000000"/>
+                </a:solidFill>
+                <a:effectLst/>
+                <a:latin typeface="Consolas" panose="020B0609020204030204" pitchFamily="49" charset="0"/>
+              </a:rPr>
+              <a:t>(</a:t>
+            </a:r>
+            <a:r>
+              <a:rPr kumimoji="0" lang="en-US" altLang="en-US" sz="2800" b="1" i="0" u="none" strike="noStrike" cap="none" normalizeH="0" baseline="0" dirty="0" err="1" smtClean="0">
+                <a:ln>
+                  <a:noFill/>
+                </a:ln>
+                <a:solidFill>
+                  <a:srgbClr val="000080"/>
+                </a:solidFill>
+                <a:effectLst/>
+                <a:latin typeface="Consolas" panose="020B0609020204030204" pitchFamily="49" charset="0"/>
+              </a:rPr>
+              <a:t>int</a:t>
+            </a:r>
+            <a:r>
+              <a:rPr kumimoji="0" lang="en-US" altLang="en-US" sz="2800" b="1" i="0" u="none" strike="noStrike" cap="none" normalizeH="0" baseline="0" dirty="0" smtClean="0">
+                <a:ln>
+                  <a:noFill/>
+                </a:ln>
+                <a:solidFill>
+                  <a:srgbClr val="000080"/>
+                </a:solidFill>
+                <a:effectLst/>
+                <a:latin typeface="Consolas" panose="020B0609020204030204" pitchFamily="49" charset="0"/>
+              </a:rPr>
+              <a:t> </a:t>
+            </a:r>
+            <a:r>
+              <a:rPr kumimoji="0" lang="en-US" altLang="en-US" sz="2800" b="0" i="0" u="none" strike="noStrike" cap="none" normalizeH="0" baseline="0" dirty="0" err="1" smtClean="0">
+                <a:ln>
+                  <a:noFill/>
+                </a:ln>
+                <a:solidFill>
+                  <a:srgbClr val="000000"/>
+                </a:solidFill>
+                <a:effectLst/>
+                <a:latin typeface="Consolas" panose="020B0609020204030204" pitchFamily="49" charset="0"/>
+              </a:rPr>
+              <a:t>i</a:t>
+            </a:r>
+            <a:r>
+              <a:rPr kumimoji="0" lang="en-US" altLang="en-US" sz="2800" b="0" i="0" u="none" strike="noStrike" cap="none" normalizeH="0" baseline="0" dirty="0" smtClean="0">
+                <a:ln>
+                  <a:noFill/>
+                </a:ln>
+                <a:solidFill>
+                  <a:srgbClr val="000000"/>
+                </a:solidFill>
+                <a:effectLst/>
+                <a:latin typeface="Consolas" panose="020B0609020204030204" pitchFamily="49" charset="0"/>
+              </a:rPr>
+              <a:t> = </a:t>
+            </a:r>
+            <a:r>
+              <a:rPr kumimoji="0" lang="en-US" altLang="en-US" sz="2800" b="0" i="0" u="none" strike="noStrike" cap="none" normalizeH="0" baseline="0" dirty="0" smtClean="0">
+                <a:ln>
+                  <a:noFill/>
+                </a:ln>
+                <a:solidFill>
+                  <a:srgbClr val="0000FF"/>
+                </a:solidFill>
+                <a:effectLst/>
+                <a:latin typeface="Consolas" panose="020B0609020204030204" pitchFamily="49" charset="0"/>
+              </a:rPr>
+              <a:t>0</a:t>
+            </a:r>
+            <a:r>
+              <a:rPr kumimoji="0" lang="en-US" altLang="en-US" sz="2800" b="0" i="0" u="none" strike="noStrike" cap="none" normalizeH="0" baseline="0" dirty="0" smtClean="0">
+                <a:ln>
+                  <a:noFill/>
+                </a:ln>
+                <a:solidFill>
+                  <a:srgbClr val="000000"/>
+                </a:solidFill>
+                <a:effectLst/>
+                <a:latin typeface="Consolas" panose="020B0609020204030204" pitchFamily="49" charset="0"/>
+              </a:rPr>
+              <a:t>; </a:t>
+            </a:r>
+            <a:r>
+              <a:rPr kumimoji="0" lang="en-US" altLang="en-US" sz="2800" b="0" i="0" u="none" strike="noStrike" cap="none" normalizeH="0" baseline="0" dirty="0" err="1" smtClean="0">
+                <a:ln>
+                  <a:noFill/>
+                </a:ln>
+                <a:solidFill>
+                  <a:srgbClr val="000000"/>
+                </a:solidFill>
+                <a:effectLst/>
+                <a:latin typeface="Consolas" panose="020B0609020204030204" pitchFamily="49" charset="0"/>
+              </a:rPr>
+              <a:t>i</a:t>
+            </a:r>
+            <a:r>
+              <a:rPr kumimoji="0" lang="en-US" altLang="en-US" sz="2800" b="0" i="0" u="none" strike="noStrike" cap="none" normalizeH="0" baseline="0" dirty="0" smtClean="0">
+                <a:ln>
+                  <a:noFill/>
+                </a:ln>
+                <a:solidFill>
+                  <a:srgbClr val="000000"/>
+                </a:solidFill>
+                <a:effectLst/>
+                <a:latin typeface="Consolas" panose="020B0609020204030204" pitchFamily="49" charset="0"/>
+              </a:rPr>
+              <a:t> &lt; </a:t>
+            </a:r>
+            <a:r>
+              <a:rPr kumimoji="0" lang="en-US" altLang="en-US" sz="2800" b="0" i="0" u="none" strike="noStrike" cap="none" normalizeH="0" baseline="0" dirty="0" smtClean="0">
+                <a:ln>
+                  <a:noFill/>
+                </a:ln>
+                <a:solidFill>
+                  <a:srgbClr val="0000FF"/>
+                </a:solidFill>
+                <a:effectLst/>
+                <a:latin typeface="Consolas" panose="020B0609020204030204" pitchFamily="49" charset="0"/>
+              </a:rPr>
+              <a:t>10</a:t>
+            </a:r>
+            <a:r>
+              <a:rPr kumimoji="0" lang="en-US" altLang="en-US" sz="2800" b="0" i="0" u="none" strike="noStrike" cap="none" normalizeH="0" baseline="0" dirty="0" smtClean="0">
+                <a:ln>
+                  <a:noFill/>
+                </a:ln>
+                <a:solidFill>
+                  <a:srgbClr val="000000"/>
+                </a:solidFill>
+                <a:effectLst/>
+                <a:latin typeface="Consolas" panose="020B0609020204030204" pitchFamily="49" charset="0"/>
+              </a:rPr>
+              <a:t>; </a:t>
+            </a:r>
+            <a:r>
+              <a:rPr kumimoji="0" lang="en-US" altLang="en-US" sz="2800" b="0" i="0" u="none" strike="noStrike" cap="none" normalizeH="0" baseline="0" dirty="0" err="1" smtClean="0">
+                <a:ln>
+                  <a:noFill/>
+                </a:ln>
+                <a:solidFill>
+                  <a:srgbClr val="000000"/>
+                </a:solidFill>
+                <a:effectLst/>
+                <a:latin typeface="Consolas" panose="020B0609020204030204" pitchFamily="49" charset="0"/>
+              </a:rPr>
+              <a:t>i</a:t>
+            </a:r>
+            <a:r>
+              <a:rPr kumimoji="0" lang="en-US" altLang="en-US" sz="2800" b="0" i="0" u="none" strike="noStrike" cap="none" normalizeH="0" baseline="0" dirty="0" smtClean="0">
+                <a:ln>
+                  <a:noFill/>
+                </a:ln>
+                <a:solidFill>
+                  <a:srgbClr val="000000"/>
+                </a:solidFill>
+                <a:effectLst/>
+                <a:latin typeface="Consolas" panose="020B0609020204030204" pitchFamily="49" charset="0"/>
+              </a:rPr>
+              <a:t>++) {</a:t>
+            </a:r>
+            <a:br>
+              <a:rPr kumimoji="0" lang="en-US" altLang="en-US" sz="2800" b="0" i="0" u="none" strike="noStrike" cap="none" normalizeH="0" baseline="0" dirty="0" smtClean="0">
+                <a:ln>
+                  <a:noFill/>
+                </a:ln>
+                <a:solidFill>
+                  <a:srgbClr val="000000"/>
+                </a:solidFill>
+                <a:effectLst/>
+                <a:latin typeface="Consolas" panose="020B0609020204030204" pitchFamily="49" charset="0"/>
+              </a:rPr>
+            </a:br>
+            <a:r>
+              <a:rPr kumimoji="0" lang="en-US" altLang="en-US" sz="2800" b="0" i="0" u="none" strike="noStrike" cap="none" normalizeH="0" baseline="0" dirty="0" smtClean="0">
+                <a:ln>
+                  <a:noFill/>
+                </a:ln>
+                <a:solidFill>
+                  <a:srgbClr val="000000"/>
+                </a:solidFill>
+                <a:effectLst/>
+                <a:latin typeface="Consolas" panose="020B0609020204030204" pitchFamily="49" charset="0"/>
+              </a:rPr>
+              <a:t>    sum += A[</a:t>
+            </a:r>
+            <a:r>
+              <a:rPr kumimoji="0" lang="en-US" altLang="en-US" sz="2800" b="0" i="0" u="none" strike="noStrike" cap="none" normalizeH="0" baseline="0" dirty="0" err="1" smtClean="0">
+                <a:ln>
+                  <a:noFill/>
+                </a:ln>
+                <a:solidFill>
+                  <a:srgbClr val="000000"/>
+                </a:solidFill>
+                <a:effectLst/>
+                <a:latin typeface="Consolas" panose="020B0609020204030204" pitchFamily="49" charset="0"/>
+              </a:rPr>
+              <a:t>i</a:t>
+            </a:r>
+            <a:r>
+              <a:rPr kumimoji="0" lang="en-US" altLang="en-US" sz="2800" b="0" i="0" u="none" strike="noStrike" cap="none" normalizeH="0" baseline="0" dirty="0" smtClean="0">
+                <a:ln>
+                  <a:noFill/>
+                </a:ln>
+                <a:solidFill>
+                  <a:srgbClr val="000000"/>
+                </a:solidFill>
+                <a:effectLst/>
+                <a:latin typeface="Consolas" panose="020B0609020204030204" pitchFamily="49" charset="0"/>
+              </a:rPr>
+              <a:t>];</a:t>
+            </a:r>
+            <a:br>
+              <a:rPr kumimoji="0" lang="en-US" altLang="en-US" sz="2800" b="0" i="0" u="none" strike="noStrike" cap="none" normalizeH="0" baseline="0" dirty="0" smtClean="0">
+                <a:ln>
+                  <a:noFill/>
+                </a:ln>
+                <a:solidFill>
+                  <a:srgbClr val="000000"/>
+                </a:solidFill>
+                <a:effectLst/>
+                <a:latin typeface="Consolas" panose="020B0609020204030204" pitchFamily="49" charset="0"/>
+              </a:rPr>
+            </a:br>
+            <a:r>
+              <a:rPr kumimoji="0" lang="en-US" altLang="en-US" sz="2800" b="0" i="0" u="none" strike="noStrike" cap="none" normalizeH="0" baseline="0" dirty="0" smtClean="0">
+                <a:ln>
+                  <a:noFill/>
+                </a:ln>
+                <a:solidFill>
+                  <a:srgbClr val="000000"/>
+                </a:solidFill>
+                <a:effectLst/>
+                <a:latin typeface="Consolas" panose="020B0609020204030204" pitchFamily="49" charset="0"/>
+              </a:rPr>
+              <a:t>}</a:t>
+            </a:r>
+            <a:endParaRPr kumimoji="0" lang="en-US" altLang="en-US" sz="2800" b="0" i="0" u="none" strike="noStrike" cap="none" normalizeH="0" baseline="0" dirty="0" smtClean="0">
+              <a:ln>
+                <a:noFill/>
+              </a:ln>
+              <a:solidFill>
+                <a:schemeClr val="tx1"/>
+              </a:solidFill>
+              <a:effectLst/>
+              <a:latin typeface="Arial" panose="020B0604020202020204" pitchFamily="34" charset="0"/>
+            </a:endParaRPr>
+          </a:p>
+        </p:txBody>
+      </p:sp>
+      <p:sp>
+        <p:nvSpPr>
+          <p:cNvPr id="8" name="Rectangle 3"/>
+          <p:cNvSpPr>
+            <a:spLocks noChangeArrowheads="1"/>
+          </p:cNvSpPr>
+          <p:nvPr/>
+        </p:nvSpPr>
+        <p:spPr bwMode="auto">
+          <a:xfrm>
+            <a:off x="7836391" y="3722936"/>
+            <a:ext cx="3236976" cy="2246769"/>
+          </a:xfrm>
+          <a:prstGeom prst="rect">
+            <a:avLst/>
+          </a:prstGeom>
+          <a:solidFill>
+            <a:srgbClr val="FFFFFF"/>
+          </a:solidFill>
+          <a:ln>
+            <a:noFill/>
+          </a:ln>
+          <a:effectLst/>
+          <a:extLst>
+            <a:ext uri="{91240B29-F687-4F45-9708-019B960494DF}">
+              <a14:hiddenLine xmlns:a14="http://schemas.microsoft.com/office/drawing/2010/main" w="9525">
+                <a:solidFill>
+                  <a:schemeClr val="tx1"/>
+                </a:solidFill>
+                <a:miter lim="800000"/>
+                <a:headEnd/>
+                <a:tailEnd/>
+              </a14:hiddenLine>
+            </a:ext>
+            <a:ext uri="{AF507438-7753-43E0-B8FC-AC1667EBCBE1}">
+              <a14:hiddenEffects xmlns:a14="http://schemas.microsoft.com/office/drawing/2010/main">
+                <a:effectLst>
+                  <a:outerShdw dist="35921" dir="2700000" algn="ctr" rotWithShape="0">
+                    <a:schemeClr val="bg2"/>
+                  </a:outerShdw>
+                </a:effectLst>
+              </a14:hiddenEffects>
+            </a:ext>
+          </a:extLst>
+        </p:spPr>
+        <p:txBody>
+          <a:bodyPr vert="horz" wrap="square" lIns="91440" tIns="45720" rIns="91440" bIns="45720" numCol="1" anchor="ctr" anchorCtr="0" compatLnSpc="1">
+            <a:prstTxWarp prst="textNoShape">
+              <a:avLst/>
+            </a:prstTxWarp>
+            <a:spAutoFit/>
+          </a:bodyPr>
+          <a:lstStyle/>
+          <a:p>
+            <a:pPr marL="0" marR="0" lvl="0" indent="0" algn="l" defTabSz="914400" rtl="0" eaLnBrk="0" fontAlgn="base" latinLnBrk="0" hangingPunct="0">
+              <a:lnSpc>
+                <a:spcPct val="100000"/>
+              </a:lnSpc>
+              <a:spcBef>
+                <a:spcPct val="0"/>
+              </a:spcBef>
+              <a:spcAft>
+                <a:spcPct val="0"/>
+              </a:spcAft>
+              <a:buClrTx/>
+              <a:buSzTx/>
+              <a:buFontTx/>
+              <a:buNone/>
+              <a:tabLst/>
+            </a:pPr>
+            <a:r>
+              <a:rPr kumimoji="0" lang="en-US" altLang="en-US" sz="2800" b="1" i="0" u="none" strike="noStrike" cap="none" normalizeH="0" baseline="0" dirty="0" err="1" smtClean="0">
+                <a:ln>
+                  <a:noFill/>
+                </a:ln>
+                <a:solidFill>
+                  <a:srgbClr val="000080"/>
+                </a:solidFill>
+                <a:effectLst/>
+                <a:latin typeface="Consolas" panose="020B0609020204030204" pitchFamily="49" charset="0"/>
+              </a:rPr>
+              <a:t>int</a:t>
+            </a:r>
+            <a:r>
+              <a:rPr kumimoji="0" lang="en-US" altLang="en-US" sz="2800" b="1" i="0" u="none" strike="noStrike" cap="none" normalizeH="0" baseline="0" dirty="0" smtClean="0">
+                <a:ln>
+                  <a:noFill/>
+                </a:ln>
+                <a:solidFill>
+                  <a:srgbClr val="000080"/>
+                </a:solidFill>
+                <a:effectLst/>
+                <a:latin typeface="Consolas" panose="020B0609020204030204" pitchFamily="49" charset="0"/>
+              </a:rPr>
+              <a:t> </a:t>
+            </a:r>
+            <a:r>
+              <a:rPr kumimoji="0" lang="en-US" altLang="en-US" sz="2800" b="0" i="0" u="none" strike="noStrike" cap="none" normalizeH="0" baseline="0" dirty="0" smtClean="0">
+                <a:ln>
+                  <a:noFill/>
+                </a:ln>
+                <a:solidFill>
+                  <a:srgbClr val="000000"/>
+                </a:solidFill>
+                <a:effectLst/>
+                <a:latin typeface="Consolas" panose="020B0609020204030204" pitchFamily="49" charset="0"/>
+              </a:rPr>
+              <a:t>sum = </a:t>
+            </a:r>
+            <a:r>
+              <a:rPr kumimoji="0" lang="en-US" altLang="en-US" sz="2800" b="0" i="0" u="none" strike="noStrike" cap="none" normalizeH="0" baseline="0" dirty="0" smtClean="0">
+                <a:ln>
+                  <a:noFill/>
+                </a:ln>
+                <a:solidFill>
+                  <a:srgbClr val="0000FF"/>
+                </a:solidFill>
+                <a:effectLst/>
+                <a:latin typeface="Consolas" panose="020B0609020204030204" pitchFamily="49" charset="0"/>
+              </a:rPr>
+              <a:t>0</a:t>
+            </a:r>
+            <a:r>
+              <a:rPr kumimoji="0" lang="en-US" altLang="en-US" sz="2800" b="0" i="0" u="none" strike="noStrike" cap="none" normalizeH="0" baseline="0" dirty="0" smtClean="0">
+                <a:ln>
+                  <a:noFill/>
+                </a:ln>
+                <a:solidFill>
+                  <a:srgbClr val="000000"/>
+                </a:solidFill>
+                <a:effectLst/>
+                <a:latin typeface="Consolas" panose="020B0609020204030204" pitchFamily="49" charset="0"/>
+              </a:rPr>
+              <a:t>;</a:t>
+            </a:r>
+            <a:br>
+              <a:rPr kumimoji="0" lang="en-US" altLang="en-US" sz="2800" b="0" i="0" u="none" strike="noStrike" cap="none" normalizeH="0" baseline="0" dirty="0" smtClean="0">
+                <a:ln>
+                  <a:noFill/>
+                </a:ln>
+                <a:solidFill>
+                  <a:srgbClr val="000000"/>
+                </a:solidFill>
+                <a:effectLst/>
+                <a:latin typeface="Consolas" panose="020B0609020204030204" pitchFamily="49" charset="0"/>
+              </a:rPr>
+            </a:br>
+            <a:r>
+              <a:rPr kumimoji="0" lang="en-US" altLang="en-US" sz="2800" b="0" i="0" u="none" strike="noStrike" cap="none" normalizeH="0" baseline="0" dirty="0" smtClean="0">
+                <a:ln>
+                  <a:noFill/>
+                </a:ln>
+                <a:solidFill>
+                  <a:srgbClr val="000000"/>
+                </a:solidFill>
+                <a:effectLst/>
+                <a:latin typeface="Consolas" panose="020B0609020204030204" pitchFamily="49" charset="0"/>
+              </a:rPr>
+              <a:t>sum += A[</a:t>
+            </a:r>
+            <a:r>
+              <a:rPr kumimoji="0" lang="en-US" altLang="en-US" sz="2800" b="0" i="0" u="none" strike="noStrike" cap="none" normalizeH="0" baseline="0" dirty="0" smtClean="0">
+                <a:ln>
+                  <a:noFill/>
+                </a:ln>
+                <a:solidFill>
+                  <a:srgbClr val="0000FF"/>
+                </a:solidFill>
+                <a:effectLst/>
+                <a:latin typeface="Consolas" panose="020B0609020204030204" pitchFamily="49" charset="0"/>
+              </a:rPr>
+              <a:t>0</a:t>
+            </a:r>
+            <a:r>
+              <a:rPr kumimoji="0" lang="en-US" altLang="en-US" sz="2800" b="0" i="0" u="none" strike="noStrike" cap="none" normalizeH="0" baseline="0" dirty="0" smtClean="0">
+                <a:ln>
+                  <a:noFill/>
+                </a:ln>
+                <a:solidFill>
+                  <a:srgbClr val="000000"/>
+                </a:solidFill>
+                <a:effectLst/>
+                <a:latin typeface="Consolas" panose="020B0609020204030204" pitchFamily="49" charset="0"/>
+              </a:rPr>
+              <a:t>];</a:t>
+            </a:r>
+            <a:br>
+              <a:rPr kumimoji="0" lang="en-US" altLang="en-US" sz="2800" b="0" i="0" u="none" strike="noStrike" cap="none" normalizeH="0" baseline="0" dirty="0" smtClean="0">
+                <a:ln>
+                  <a:noFill/>
+                </a:ln>
+                <a:solidFill>
+                  <a:srgbClr val="000000"/>
+                </a:solidFill>
+                <a:effectLst/>
+                <a:latin typeface="Consolas" panose="020B0609020204030204" pitchFamily="49" charset="0"/>
+              </a:rPr>
+            </a:br>
+            <a:r>
+              <a:rPr kumimoji="0" lang="en-US" altLang="en-US" sz="2800" b="0" i="0" u="none" strike="noStrike" cap="none" normalizeH="0" baseline="0" dirty="0" smtClean="0">
+                <a:ln>
+                  <a:noFill/>
+                </a:ln>
+                <a:solidFill>
+                  <a:srgbClr val="000000"/>
+                </a:solidFill>
+                <a:effectLst/>
+                <a:latin typeface="Consolas" panose="020B0609020204030204" pitchFamily="49" charset="0"/>
+              </a:rPr>
+              <a:t>sum += A[</a:t>
+            </a:r>
+            <a:r>
+              <a:rPr kumimoji="0" lang="en-US" altLang="en-US" sz="2800" b="0" i="0" u="none" strike="noStrike" cap="none" normalizeH="0" baseline="0" dirty="0" smtClean="0">
+                <a:ln>
+                  <a:noFill/>
+                </a:ln>
+                <a:solidFill>
+                  <a:srgbClr val="0000FF"/>
+                </a:solidFill>
+                <a:effectLst/>
+                <a:latin typeface="Consolas" panose="020B0609020204030204" pitchFamily="49" charset="0"/>
+              </a:rPr>
+              <a:t>1</a:t>
+            </a:r>
+            <a:r>
+              <a:rPr kumimoji="0" lang="en-US" altLang="en-US" sz="2800" b="0" i="0" u="none" strike="noStrike" cap="none" normalizeH="0" baseline="0" dirty="0" smtClean="0">
+                <a:ln>
+                  <a:noFill/>
+                </a:ln>
+                <a:solidFill>
+                  <a:srgbClr val="000000"/>
+                </a:solidFill>
+                <a:effectLst/>
+                <a:latin typeface="Consolas" panose="020B0609020204030204" pitchFamily="49" charset="0"/>
+              </a:rPr>
+              <a:t>];</a:t>
+            </a:r>
+            <a:br>
+              <a:rPr kumimoji="0" lang="en-US" altLang="en-US" sz="2800" b="0" i="0" u="none" strike="noStrike" cap="none" normalizeH="0" baseline="0" dirty="0" smtClean="0">
+                <a:ln>
+                  <a:noFill/>
+                </a:ln>
+                <a:solidFill>
+                  <a:srgbClr val="000000"/>
+                </a:solidFill>
+                <a:effectLst/>
+                <a:latin typeface="Consolas" panose="020B0609020204030204" pitchFamily="49" charset="0"/>
+              </a:rPr>
+            </a:br>
+            <a:r>
+              <a:rPr kumimoji="0" lang="en-US" altLang="en-US" sz="2800" b="0" i="0" u="none" strike="noStrike" cap="none" normalizeH="0" baseline="0" dirty="0" smtClean="0">
+                <a:ln>
+                  <a:noFill/>
+                </a:ln>
+                <a:solidFill>
+                  <a:srgbClr val="000000"/>
+                </a:solidFill>
+                <a:effectLst/>
+                <a:latin typeface="Consolas" panose="020B0609020204030204" pitchFamily="49" charset="0"/>
+              </a:rPr>
+              <a:t>...</a:t>
+            </a:r>
+            <a:br>
+              <a:rPr kumimoji="0" lang="en-US" altLang="en-US" sz="2800" b="0" i="0" u="none" strike="noStrike" cap="none" normalizeH="0" baseline="0" dirty="0" smtClean="0">
+                <a:ln>
+                  <a:noFill/>
+                </a:ln>
+                <a:solidFill>
+                  <a:srgbClr val="000000"/>
+                </a:solidFill>
+                <a:effectLst/>
+                <a:latin typeface="Consolas" panose="020B0609020204030204" pitchFamily="49" charset="0"/>
+              </a:rPr>
+            </a:br>
+            <a:r>
+              <a:rPr kumimoji="0" lang="en-US" altLang="en-US" sz="2800" b="0" i="0" u="none" strike="noStrike" cap="none" normalizeH="0" baseline="0" dirty="0" smtClean="0">
+                <a:ln>
+                  <a:noFill/>
+                </a:ln>
+                <a:solidFill>
+                  <a:srgbClr val="000000"/>
+                </a:solidFill>
+                <a:effectLst/>
+                <a:latin typeface="Consolas" panose="020B0609020204030204" pitchFamily="49" charset="0"/>
+              </a:rPr>
+              <a:t>sum += A[</a:t>
+            </a:r>
+            <a:r>
+              <a:rPr kumimoji="0" lang="en-US" altLang="en-US" sz="2800" b="0" i="0" u="none" strike="noStrike" cap="none" normalizeH="0" baseline="0" dirty="0" smtClean="0">
+                <a:ln>
+                  <a:noFill/>
+                </a:ln>
+                <a:solidFill>
+                  <a:srgbClr val="0000FF"/>
+                </a:solidFill>
+                <a:effectLst/>
+                <a:latin typeface="Consolas" panose="020B0609020204030204" pitchFamily="49" charset="0"/>
+              </a:rPr>
+              <a:t>9</a:t>
+            </a:r>
+            <a:r>
+              <a:rPr kumimoji="0" lang="en-US" altLang="en-US" sz="2800" b="0" i="0" u="none" strike="noStrike" cap="none" normalizeH="0" baseline="0" dirty="0" smtClean="0">
+                <a:ln>
+                  <a:noFill/>
+                </a:ln>
+                <a:solidFill>
+                  <a:srgbClr val="000000"/>
+                </a:solidFill>
+                <a:effectLst/>
+                <a:latin typeface="Consolas" panose="020B0609020204030204" pitchFamily="49" charset="0"/>
+              </a:rPr>
+              <a:t>];</a:t>
+            </a:r>
+            <a:endParaRPr kumimoji="0" lang="en-US" altLang="en-US" sz="2800" b="0" i="0" u="none" strike="noStrike" cap="none" normalizeH="0" baseline="0" dirty="0" smtClean="0">
+              <a:ln>
+                <a:noFill/>
+              </a:ln>
+              <a:solidFill>
+                <a:schemeClr val="tx1"/>
+              </a:solidFill>
+              <a:effectLst/>
+              <a:latin typeface="Arial" panose="020B0604020202020204" pitchFamily="34" charset="0"/>
+            </a:endParaRPr>
+          </a:p>
+        </p:txBody>
+      </p:sp>
+      <p:sp>
+        <p:nvSpPr>
+          <p:cNvPr id="9" name="Down Arrow 8"/>
+          <p:cNvSpPr/>
+          <p:nvPr/>
+        </p:nvSpPr>
+        <p:spPr>
+          <a:xfrm rot="18505817">
+            <a:off x="5932658" y="2668008"/>
+            <a:ext cx="705049" cy="2109856"/>
+          </a:xfrm>
+          <a:prstGeom prst="downArrow">
+            <a:avLst/>
+          </a:prstGeom>
+          <a:solidFill>
+            <a:srgbClr val="FFC000"/>
+          </a:solidFill>
+        </p:spPr>
+        <p:style>
+          <a:lnRef idx="2">
+            <a:schemeClr val="accent1">
+              <a:shade val="50000"/>
+            </a:schemeClr>
+          </a:lnRef>
+          <a:fillRef idx="1">
+            <a:schemeClr val="accent1"/>
+          </a:fillRef>
+          <a:effectRef idx="0">
+            <a:schemeClr val="accent1"/>
+          </a:effectRef>
+          <a:fontRef idx="minor">
+            <a:schemeClr val="lt1"/>
+          </a:fontRef>
+        </p:style>
+        <p:txBody>
+          <a:bodyPr rtlCol="0" anchor="ctr"/>
+          <a:lstStyle/>
+          <a:p>
+            <a:pPr algn="ctr"/>
+            <a:endParaRPr lang="en-US"/>
           </a:p>
         </p:txBody>
       </p:sp>
@@ -5706,470 +10316,76 @@
       </p:grpSpPr>
       <p:sp>
         <p:nvSpPr>
-          <p:cNvPr id="4" name="Прямоугольник 3"/>
-          <p:cNvSpPr/>
-          <p:nvPr/>
+          <p:cNvPr id="2" name="Content Placeholder 1"/>
+          <p:cNvSpPr>
+            <a:spLocks noGrp="1"/>
+          </p:cNvSpPr>
+          <p:nvPr>
+            <p:ph idx="1"/>
+          </p:nvPr>
         </p:nvSpPr>
         <p:spPr>
           <a:xfrm>
-            <a:off x="2664999" y="472120"/>
-            <a:ext cx="7524751" cy="5262979"/>
+            <a:off x="557767" y="3820669"/>
+            <a:ext cx="10515600" cy="2918459"/>
           </a:xfrm>
-          <a:prstGeom prst="rect">
-            <a:avLst/>
-          </a:prstGeom>
-          <a:noFill/>
-          <a:ln>
-            <a:noFill/>
-          </a:ln>
-          <a:scene3d>
-            <a:camera prst="perspectiveRelaxed"/>
-            <a:lightRig rig="threePt" dir="t"/>
-          </a:scene3d>
         </p:spPr>
         <p:txBody>
-          <a:bodyPr wrap="square" lIns="91440" tIns="45720" rIns="91440" bIns="45720">
-            <a:spAutoFit/>
-          </a:bodyPr>
+          <a:bodyPr/>
           <a:lstStyle/>
           <a:p>
             <a:r>
-              <a:rPr lang="en-US" sz="2400" dirty="0" smtClean="0">
-                <a:ln w="0"/>
-                <a:solidFill>
-                  <a:srgbClr val="273272"/>
-                </a:solidFill>
-                <a:effectLst>
-                  <a:reflection blurRad="6350" stA="53000" endA="300" endPos="35500" dir="5400000" sy="-90000" algn="bl" rotWithShape="0"/>
-                </a:effectLst>
-                <a:latin typeface="Courier New" pitchFamily="49" charset="0"/>
-                <a:cs typeface="Courier New" pitchFamily="49" charset="0"/>
-              </a:rPr>
-              <a:t>		</a:t>
-            </a:r>
-          </a:p>
-          <a:p>
-            <a:r>
-              <a:rPr lang="en-US" sz="2400" dirty="0" smtClean="0">
-                <a:ln w="0"/>
-                <a:solidFill>
-                  <a:srgbClr val="273272"/>
-                </a:solidFill>
-                <a:effectLst>
-                  <a:reflection blurRad="6350" stA="53000" endA="300" endPos="35500" dir="5400000" sy="-90000" algn="bl" rotWithShape="0"/>
-                </a:effectLst>
-                <a:latin typeface="Courier New" pitchFamily="49" charset="0"/>
-                <a:cs typeface="Courier New" pitchFamily="49" charset="0"/>
-              </a:rPr>
-              <a:t>		.text</a:t>
-            </a:r>
-          </a:p>
-          <a:p>
-            <a:r>
-              <a:rPr lang="en-US" sz="2400" dirty="0" smtClean="0">
-                <a:ln w="0"/>
-                <a:solidFill>
-                  <a:srgbClr val="273272"/>
-                </a:solidFill>
-                <a:effectLst>
-                  <a:reflection blurRad="6350" stA="53000" endA="300" endPos="35500" dir="5400000" sy="-90000" algn="bl" rotWithShape="0"/>
-                </a:effectLst>
-                <a:latin typeface="Courier New" pitchFamily="49" charset="0"/>
-                <a:cs typeface="Courier New" pitchFamily="49" charset="0"/>
-              </a:rPr>
-              <a:t>__start:	addi t1, zero, 0x18</a:t>
-            </a:r>
-          </a:p>
-          <a:p>
-            <a:r>
-              <a:rPr lang="en-US" sz="2400" dirty="0" smtClean="0">
-                <a:ln w="0"/>
-                <a:solidFill>
-                  <a:srgbClr val="273272"/>
-                </a:solidFill>
-                <a:effectLst>
-                  <a:reflection blurRad="6350" stA="53000" endA="300" endPos="35500" dir="5400000" sy="-90000" algn="bl" rotWithShape="0"/>
-                </a:effectLst>
-                <a:latin typeface="Courier New" pitchFamily="49" charset="0"/>
-                <a:cs typeface="Courier New" pitchFamily="49" charset="0"/>
-              </a:rPr>
-              <a:t>		addi t2, zero, 0x21</a:t>
-            </a:r>
-          </a:p>
-          <a:p>
-            <a:r>
-              <a:rPr lang="en-US" sz="2400" dirty="0" smtClean="0">
-                <a:ln w="0"/>
-                <a:solidFill>
-                  <a:srgbClr val="273272"/>
-                </a:solidFill>
-                <a:effectLst>
-                  <a:reflection blurRad="6350" stA="53000" endA="300" endPos="35500" dir="5400000" sy="-90000" algn="bl" rotWithShape="0"/>
-                </a:effectLst>
-                <a:latin typeface="Courier New" pitchFamily="49" charset="0"/>
-                <a:cs typeface="Courier New" pitchFamily="49" charset="0"/>
-              </a:rPr>
-              <a:t>cycle:	</a:t>
-            </a:r>
-            <a:r>
-              <a:rPr lang="en-US" sz="2400" dirty="0" err="1" smtClean="0">
-                <a:ln w="0"/>
-                <a:solidFill>
-                  <a:srgbClr val="273272"/>
-                </a:solidFill>
-                <a:effectLst>
-                  <a:reflection blurRad="6350" stA="53000" endA="300" endPos="35500" dir="5400000" sy="-90000" algn="bl" rotWithShape="0"/>
-                </a:effectLst>
-                <a:latin typeface="Courier New" pitchFamily="49" charset="0"/>
-                <a:cs typeface="Courier New" pitchFamily="49" charset="0"/>
-              </a:rPr>
-              <a:t>beq</a:t>
-            </a:r>
-            <a:r>
-              <a:rPr lang="en-US" sz="2400" dirty="0" smtClean="0">
-                <a:ln w="0"/>
-                <a:solidFill>
-                  <a:srgbClr val="273272"/>
-                </a:solidFill>
-                <a:effectLst>
-                  <a:reflection blurRad="6350" stA="53000" endA="300" endPos="35500" dir="5400000" sy="-90000" algn="bl" rotWithShape="0"/>
-                </a:effectLst>
-                <a:latin typeface="Courier New" pitchFamily="49" charset="0"/>
-                <a:cs typeface="Courier New" pitchFamily="49" charset="0"/>
-              </a:rPr>
-              <a:t> t1, t2, done</a:t>
-            </a:r>
-          </a:p>
-          <a:p>
-            <a:r>
-              <a:rPr lang="en-US" sz="2400" dirty="0" smtClean="0">
-                <a:ln w="0"/>
-                <a:solidFill>
-                  <a:srgbClr val="273272"/>
-                </a:solidFill>
-                <a:effectLst>
-                  <a:reflection blurRad="6350" stA="53000" endA="300" endPos="35500" dir="5400000" sy="-90000" algn="bl" rotWithShape="0"/>
-                </a:effectLst>
-                <a:latin typeface="Courier New" pitchFamily="49" charset="0"/>
-                <a:cs typeface="Courier New" pitchFamily="49" charset="0"/>
-              </a:rPr>
-              <a:t>		</a:t>
-            </a:r>
-            <a:r>
-              <a:rPr lang="en-US" sz="2400" dirty="0" err="1" smtClean="0">
-                <a:ln w="0"/>
-                <a:solidFill>
-                  <a:srgbClr val="273272"/>
-                </a:solidFill>
-                <a:effectLst>
-                  <a:reflection blurRad="6350" stA="53000" endA="300" endPos="35500" dir="5400000" sy="-90000" algn="bl" rotWithShape="0"/>
-                </a:effectLst>
-                <a:latin typeface="Courier New" pitchFamily="49" charset="0"/>
-                <a:cs typeface="Courier New" pitchFamily="49" charset="0"/>
-              </a:rPr>
-              <a:t>slt</a:t>
-            </a:r>
-            <a:r>
-              <a:rPr lang="en-US" sz="2400" dirty="0" smtClean="0">
-                <a:ln w="0"/>
-                <a:solidFill>
-                  <a:srgbClr val="273272"/>
-                </a:solidFill>
-                <a:effectLst>
-                  <a:reflection blurRad="6350" stA="53000" endA="300" endPos="35500" dir="5400000" sy="-90000" algn="bl" rotWithShape="0"/>
-                </a:effectLst>
-                <a:latin typeface="Courier New" pitchFamily="49" charset="0"/>
-                <a:cs typeface="Courier New" pitchFamily="49" charset="0"/>
-              </a:rPr>
-              <a:t> t0, t1, t2</a:t>
-            </a:r>
-          </a:p>
-          <a:p>
-            <a:r>
-              <a:rPr lang="en-US" sz="2400" dirty="0" smtClean="0">
-                <a:ln w="0"/>
-                <a:solidFill>
-                  <a:srgbClr val="273272"/>
-                </a:solidFill>
-                <a:effectLst>
-                  <a:reflection blurRad="6350" stA="53000" endA="300" endPos="35500" dir="5400000" sy="-90000" algn="bl" rotWithShape="0"/>
-                </a:effectLst>
-                <a:latin typeface="Courier New" pitchFamily="49" charset="0"/>
-                <a:cs typeface="Courier New" pitchFamily="49" charset="0"/>
-              </a:rPr>
-              <a:t>		</a:t>
-            </a:r>
-            <a:r>
-              <a:rPr lang="en-US" sz="2400" dirty="0" err="1" smtClean="0">
-                <a:ln w="0"/>
-                <a:solidFill>
-                  <a:srgbClr val="273272"/>
-                </a:solidFill>
-                <a:effectLst>
-                  <a:reflection blurRad="6350" stA="53000" endA="300" endPos="35500" dir="5400000" sy="-90000" algn="bl" rotWithShape="0"/>
-                </a:effectLst>
-                <a:latin typeface="Courier New" pitchFamily="49" charset="0"/>
-                <a:cs typeface="Courier New" pitchFamily="49" charset="0"/>
-              </a:rPr>
-              <a:t>bne</a:t>
-            </a:r>
-            <a:r>
-              <a:rPr lang="en-US" sz="2400" dirty="0" smtClean="0">
-                <a:ln w="0"/>
-                <a:solidFill>
-                  <a:srgbClr val="273272"/>
-                </a:solidFill>
-                <a:effectLst>
-                  <a:reflection blurRad="6350" stA="53000" endA="300" endPos="35500" dir="5400000" sy="-90000" algn="bl" rotWithShape="0"/>
-                </a:effectLst>
-                <a:latin typeface="Courier New" pitchFamily="49" charset="0"/>
-                <a:cs typeface="Courier New" pitchFamily="49" charset="0"/>
-              </a:rPr>
-              <a:t> t0, zero, </a:t>
-            </a:r>
-            <a:r>
-              <a:rPr lang="en-US" sz="2400" dirty="0" err="1" smtClean="0">
-                <a:ln w="0"/>
-                <a:solidFill>
-                  <a:srgbClr val="273272"/>
-                </a:solidFill>
-                <a:effectLst>
-                  <a:reflection blurRad="6350" stA="53000" endA="300" endPos="35500" dir="5400000" sy="-90000" algn="bl" rotWithShape="0"/>
-                </a:effectLst>
-                <a:latin typeface="Courier New" pitchFamily="49" charset="0"/>
-                <a:cs typeface="Courier New" pitchFamily="49" charset="0"/>
-              </a:rPr>
-              <a:t>if_less</a:t>
-            </a:r>
-            <a:endParaRPr lang="en-US" sz="2400" dirty="0" smtClean="0">
-              <a:ln w="0"/>
-              <a:solidFill>
-                <a:srgbClr val="273272"/>
-              </a:solidFill>
-              <a:effectLst>
-                <a:reflection blurRad="6350" stA="53000" endA="300" endPos="35500" dir="5400000" sy="-90000" algn="bl" rotWithShape="0"/>
-              </a:effectLst>
-              <a:latin typeface="Courier New" pitchFamily="49" charset="0"/>
-              <a:cs typeface="Courier New" pitchFamily="49" charset="0"/>
-            </a:endParaRPr>
-          </a:p>
-          <a:p>
-            <a:r>
-              <a:rPr lang="en-US" sz="2400" dirty="0" smtClean="0">
-                <a:ln w="0"/>
-                <a:solidFill>
-                  <a:srgbClr val="273272"/>
-                </a:solidFill>
-                <a:effectLst>
-                  <a:reflection blurRad="6350" stA="53000" endA="300" endPos="35500" dir="5400000" sy="-90000" algn="bl" rotWithShape="0"/>
-                </a:effectLst>
-                <a:latin typeface="Courier New" pitchFamily="49" charset="0"/>
-                <a:cs typeface="Courier New" pitchFamily="49" charset="0"/>
-              </a:rPr>
-              <a:t>		</a:t>
-            </a:r>
-            <a:r>
-              <a:rPr lang="en-US" sz="2400" dirty="0" err="1" smtClean="0">
-                <a:ln w="0"/>
-                <a:solidFill>
-                  <a:srgbClr val="273272"/>
-                </a:solidFill>
-                <a:effectLst>
-                  <a:reflection blurRad="6350" stA="53000" endA="300" endPos="35500" dir="5400000" sy="-90000" algn="bl" rotWithShape="0"/>
-                </a:effectLst>
-                <a:latin typeface="Courier New" pitchFamily="49" charset="0"/>
-                <a:cs typeface="Courier New" pitchFamily="49" charset="0"/>
-              </a:rPr>
-              <a:t>nop</a:t>
-            </a:r>
-            <a:endParaRPr lang="en-US" sz="2400" dirty="0" smtClean="0">
-              <a:ln w="0"/>
-              <a:solidFill>
-                <a:srgbClr val="273272"/>
-              </a:solidFill>
-              <a:effectLst>
-                <a:reflection blurRad="6350" stA="53000" endA="300" endPos="35500" dir="5400000" sy="-90000" algn="bl" rotWithShape="0"/>
-              </a:effectLst>
-              <a:latin typeface="Courier New" pitchFamily="49" charset="0"/>
-              <a:cs typeface="Courier New" pitchFamily="49" charset="0"/>
-            </a:endParaRPr>
-          </a:p>
-          <a:p>
-            <a:r>
-              <a:rPr lang="en-US" sz="2400" dirty="0" smtClean="0">
-                <a:ln w="0"/>
-                <a:solidFill>
-                  <a:srgbClr val="273272"/>
-                </a:solidFill>
-                <a:effectLst>
-                  <a:reflection blurRad="6350" stA="53000" endA="300" endPos="35500" dir="5400000" sy="-90000" algn="bl" rotWithShape="0"/>
-                </a:effectLst>
-                <a:latin typeface="Courier New" pitchFamily="49" charset="0"/>
-                <a:cs typeface="Courier New" pitchFamily="49" charset="0"/>
-              </a:rPr>
-              <a:t>		sub t1, t1, t2</a:t>
-            </a:r>
-          </a:p>
-          <a:p>
-            <a:r>
-              <a:rPr lang="en-US" sz="2400" dirty="0" smtClean="0">
-                <a:ln w="0"/>
-                <a:solidFill>
-                  <a:srgbClr val="273272"/>
-                </a:solidFill>
-                <a:effectLst>
-                  <a:reflection blurRad="6350" stA="53000" endA="300" endPos="35500" dir="5400000" sy="-90000" algn="bl" rotWithShape="0"/>
-                </a:effectLst>
-                <a:latin typeface="Courier New" pitchFamily="49" charset="0"/>
-                <a:cs typeface="Courier New" pitchFamily="49" charset="0"/>
-              </a:rPr>
-              <a:t>		j cycle</a:t>
-            </a:r>
-          </a:p>
-          <a:p>
-            <a:r>
-              <a:rPr lang="en-US" sz="2400" dirty="0" smtClean="0">
-                <a:ln w="0"/>
-                <a:solidFill>
-                  <a:srgbClr val="273272"/>
-                </a:solidFill>
-                <a:effectLst>
-                  <a:reflection blurRad="6350" stA="53000" endA="300" endPos="35500" dir="5400000" sy="-90000" algn="bl" rotWithShape="0"/>
-                </a:effectLst>
-                <a:latin typeface="Courier New" pitchFamily="49" charset="0"/>
-                <a:cs typeface="Courier New" pitchFamily="49" charset="0"/>
-              </a:rPr>
-              <a:t>		</a:t>
-            </a:r>
-            <a:r>
-              <a:rPr lang="en-US" sz="2400" dirty="0" err="1" smtClean="0">
-                <a:ln w="0"/>
-                <a:solidFill>
-                  <a:srgbClr val="273272"/>
-                </a:solidFill>
-                <a:effectLst>
-                  <a:reflection blurRad="6350" stA="53000" endA="300" endPos="35500" dir="5400000" sy="-90000" algn="bl" rotWithShape="0"/>
-                </a:effectLst>
-                <a:latin typeface="Courier New" pitchFamily="49" charset="0"/>
-                <a:cs typeface="Courier New" pitchFamily="49" charset="0"/>
-              </a:rPr>
-              <a:t>nop</a:t>
-            </a:r>
-            <a:endParaRPr lang="en-US" sz="2400" dirty="0" smtClean="0">
-              <a:ln w="0"/>
-              <a:solidFill>
-                <a:srgbClr val="273272"/>
-              </a:solidFill>
-              <a:effectLst>
-                <a:reflection blurRad="6350" stA="53000" endA="300" endPos="35500" dir="5400000" sy="-90000" algn="bl" rotWithShape="0"/>
-              </a:effectLst>
-              <a:latin typeface="Courier New" pitchFamily="49" charset="0"/>
-              <a:cs typeface="Courier New" pitchFamily="49" charset="0"/>
-            </a:endParaRPr>
-          </a:p>
-          <a:p>
-            <a:r>
-              <a:rPr lang="en-US" sz="2400" dirty="0" err="1" smtClean="0">
-                <a:ln w="0"/>
-                <a:solidFill>
-                  <a:srgbClr val="273272"/>
-                </a:solidFill>
-                <a:effectLst>
-                  <a:reflection blurRad="6350" stA="53000" endA="300" endPos="35500" dir="5400000" sy="-90000" algn="bl" rotWithShape="0"/>
-                </a:effectLst>
-                <a:latin typeface="Courier New" pitchFamily="49" charset="0"/>
-                <a:cs typeface="Courier New" pitchFamily="49" charset="0"/>
-              </a:rPr>
-              <a:t>if_less</a:t>
-            </a:r>
-            <a:r>
-              <a:rPr lang="en-US" sz="2400" dirty="0" smtClean="0">
-                <a:ln w="0"/>
-                <a:solidFill>
-                  <a:srgbClr val="273272"/>
-                </a:solidFill>
-                <a:effectLst>
-                  <a:reflection blurRad="6350" stA="53000" endA="300" endPos="35500" dir="5400000" sy="-90000" algn="bl" rotWithShape="0"/>
-                </a:effectLst>
-                <a:latin typeface="Courier New" pitchFamily="49" charset="0"/>
-                <a:cs typeface="Courier New" pitchFamily="49" charset="0"/>
-              </a:rPr>
-              <a:t>:	sub t2, t2, t1</a:t>
-            </a:r>
-          </a:p>
-          <a:p>
-            <a:r>
-              <a:rPr lang="en-US" sz="2400" dirty="0" smtClean="0">
-                <a:ln w="0"/>
-                <a:solidFill>
-                  <a:srgbClr val="273272"/>
-                </a:solidFill>
-                <a:effectLst>
-                  <a:reflection blurRad="6350" stA="53000" endA="300" endPos="35500" dir="5400000" sy="-90000" algn="bl" rotWithShape="0"/>
-                </a:effectLst>
-                <a:latin typeface="Courier New" pitchFamily="49" charset="0"/>
-                <a:cs typeface="Courier New" pitchFamily="49" charset="0"/>
-              </a:rPr>
-              <a:t>		j cycle</a:t>
-            </a:r>
-          </a:p>
-          <a:p>
-            <a:r>
-              <a:rPr lang="en-US" sz="2400" dirty="0" smtClean="0">
-                <a:ln w="0"/>
-                <a:solidFill>
-                  <a:srgbClr val="273272"/>
-                </a:solidFill>
-                <a:effectLst>
-                  <a:reflection blurRad="6350" stA="53000" endA="300" endPos="35500" dir="5400000" sy="-90000" algn="bl" rotWithShape="0"/>
-                </a:effectLst>
-                <a:latin typeface="Courier New" pitchFamily="49" charset="0"/>
-                <a:cs typeface="Courier New" pitchFamily="49" charset="0"/>
-              </a:rPr>
-              <a:t>done:		add t3, t1, zero</a:t>
-            </a:r>
-            <a:endParaRPr lang="ru-RU" sz="2400" b="0" cap="none" spc="0" dirty="0">
-              <a:ln w="0"/>
-              <a:solidFill>
-                <a:srgbClr val="273272"/>
-              </a:solidFill>
-              <a:effectLst>
-                <a:reflection blurRad="6350" stA="53000" endA="300" endPos="35500" dir="5400000" sy="-90000" algn="bl" rotWithShape="0"/>
-              </a:effectLst>
-              <a:latin typeface="Courier New" pitchFamily="49" charset="0"/>
-              <a:cs typeface="Courier New" pitchFamily="49" charset="0"/>
-            </a:endParaRPr>
-          </a:p>
-        </p:txBody>
-      </p:sp>
-      <p:sp>
-        <p:nvSpPr>
-          <p:cNvPr id="2" name="Заголовок 1"/>
-          <p:cNvSpPr>
-            <a:spLocks noGrp="1"/>
-          </p:cNvSpPr>
-          <p:nvPr>
-            <p:ph type="title"/>
-          </p:nvPr>
-        </p:nvSpPr>
-        <p:spPr/>
-        <p:txBody>
-          <a:bodyPr>
-            <a:normAutofit/>
-          </a:bodyPr>
-          <a:lstStyle/>
-          <a:p>
+              <a:rPr lang="en-US" dirty="0"/>
+              <a:t>Benefits of loop unrolling </a:t>
+            </a:r>
+            <a:endParaRPr lang="en-US" dirty="0" smtClean="0"/>
+          </a:p>
+          <a:p>
+            <a:pPr lvl="1"/>
             <a:r>
               <a:rPr lang="en-US" dirty="0" smtClean="0"/>
-              <a:t>Any Questions?</a:t>
-            </a:r>
-            <a:endParaRPr lang="ru-RU" sz="4000" dirty="0"/>
-          </a:p>
-        </p:txBody>
-      </p:sp>
-      <p:sp>
-        <p:nvSpPr>
-          <p:cNvPr id="6" name="Номер слайда 5"/>
+              <a:t>Lower </a:t>
+            </a:r>
+            <a:r>
+              <a:rPr lang="en-US" dirty="0"/>
+              <a:t>number of instructions in loop control </a:t>
+            </a:r>
+            <a:r>
+              <a:rPr lang="en-US" dirty="0" smtClean="0"/>
+              <a:t>code</a:t>
+            </a:r>
+          </a:p>
+          <a:p>
+            <a:pPr lvl="1"/>
+            <a:r>
+              <a:rPr lang="en-US" dirty="0" smtClean="0"/>
+              <a:t>Enables </a:t>
+            </a:r>
+            <a:r>
+              <a:rPr lang="en-US" dirty="0"/>
+              <a:t>more compiler </a:t>
+            </a:r>
+            <a:r>
+              <a:rPr lang="en-US" dirty="0" smtClean="0"/>
+              <a:t>optimizations</a:t>
+            </a:r>
+          </a:p>
+          <a:p>
+            <a:r>
+              <a:rPr lang="en-US" dirty="0" smtClean="0"/>
+              <a:t> </a:t>
+            </a:r>
+            <a:r>
+              <a:rPr lang="en-US" dirty="0"/>
+              <a:t>Unrolling too much can cause poor use of instruction cache </a:t>
+            </a:r>
+            <a:endParaRPr lang="en-US" dirty="0"/>
+          </a:p>
+        </p:txBody>
+      </p:sp>
+      <p:sp>
+        <p:nvSpPr>
+          <p:cNvPr id="3" name="Slide Number Placeholder 2"/>
           <p:cNvSpPr>
             <a:spLocks noGrp="1"/>
           </p:cNvSpPr>
@@ -6192,23 +10408,1288 @@
           </a:p>
         </p:txBody>
       </p:sp>
+      <p:sp>
+        <p:nvSpPr>
+          <p:cNvPr id="4" name="Title 3"/>
+          <p:cNvSpPr>
+            <a:spLocks noGrp="1"/>
+          </p:cNvSpPr>
+          <p:nvPr>
+            <p:ph type="title"/>
+          </p:nvPr>
+        </p:nvSpPr>
+        <p:spPr/>
+        <p:txBody>
+          <a:bodyPr/>
+          <a:lstStyle/>
+          <a:p>
+            <a:r>
+              <a:rPr lang="en-US" dirty="0" smtClean="0"/>
+              <a:t>Partial Loop Unrolling</a:t>
+            </a:r>
+            <a:endParaRPr lang="en-US" dirty="0"/>
+          </a:p>
+        </p:txBody>
+      </p:sp>
+      <p:sp>
+        <p:nvSpPr>
+          <p:cNvPr id="5" name="Rectangle 2"/>
+          <p:cNvSpPr>
+            <a:spLocks noChangeArrowheads="1"/>
+          </p:cNvSpPr>
+          <p:nvPr/>
+        </p:nvSpPr>
+        <p:spPr bwMode="auto">
+          <a:xfrm>
+            <a:off x="838200" y="1378061"/>
+            <a:ext cx="6409944" cy="1815882"/>
+          </a:xfrm>
+          <a:prstGeom prst="rect">
+            <a:avLst/>
+          </a:prstGeom>
+          <a:solidFill>
+            <a:srgbClr val="FFFFFF"/>
+          </a:solidFill>
+          <a:ln>
+            <a:noFill/>
+          </a:ln>
+          <a:effectLst/>
+          <a:extLst>
+            <a:ext uri="{91240B29-F687-4F45-9708-019B960494DF}">
+              <a14:hiddenLine xmlns:a14="http://schemas.microsoft.com/office/drawing/2010/main" w="9525">
+                <a:solidFill>
+                  <a:schemeClr val="tx1"/>
+                </a:solidFill>
+                <a:miter lim="800000"/>
+                <a:headEnd/>
+                <a:tailEnd/>
+              </a14:hiddenLine>
+            </a:ext>
+            <a:ext uri="{AF507438-7753-43E0-B8FC-AC1667EBCBE1}">
+              <a14:hiddenEffects xmlns:a14="http://schemas.microsoft.com/office/drawing/2010/main">
+                <a:effectLst>
+                  <a:outerShdw dist="35921" dir="2700000" algn="ctr" rotWithShape="0">
+                    <a:schemeClr val="bg2"/>
+                  </a:outerShdw>
+                </a:effectLst>
+              </a14:hiddenEffects>
+            </a:ext>
+          </a:extLst>
+        </p:spPr>
+        <p:txBody>
+          <a:bodyPr vert="horz" wrap="square" lIns="91440" tIns="45720" rIns="91440" bIns="45720" numCol="1" anchor="ctr" anchorCtr="0" compatLnSpc="1">
+            <a:prstTxWarp prst="textNoShape">
+              <a:avLst/>
+            </a:prstTxWarp>
+            <a:spAutoFit/>
+          </a:bodyPr>
+          <a:lstStyle/>
+          <a:p>
+            <a:pPr marL="0" marR="0" lvl="0" indent="0" algn="l" defTabSz="914400" rtl="0" eaLnBrk="0" fontAlgn="base" latinLnBrk="0" hangingPunct="0">
+              <a:lnSpc>
+                <a:spcPct val="100000"/>
+              </a:lnSpc>
+              <a:spcBef>
+                <a:spcPct val="0"/>
+              </a:spcBef>
+              <a:spcAft>
+                <a:spcPct val="0"/>
+              </a:spcAft>
+              <a:buClrTx/>
+              <a:buSzTx/>
+              <a:buFontTx/>
+              <a:buNone/>
+              <a:tabLst/>
+            </a:pPr>
+            <a:r>
+              <a:rPr kumimoji="0" lang="en-US" altLang="en-US" sz="2800" b="1" i="0" u="none" strike="noStrike" cap="none" normalizeH="0" baseline="0" dirty="0" err="1" smtClean="0">
+                <a:ln>
+                  <a:noFill/>
+                </a:ln>
+                <a:solidFill>
+                  <a:srgbClr val="000080"/>
+                </a:solidFill>
+                <a:effectLst/>
+                <a:latin typeface="Consolas" panose="020B0609020204030204" pitchFamily="49" charset="0"/>
+              </a:rPr>
+              <a:t>int</a:t>
+            </a:r>
+            <a:r>
+              <a:rPr kumimoji="0" lang="en-US" altLang="en-US" sz="2800" b="1" i="0" u="none" strike="noStrike" cap="none" normalizeH="0" baseline="0" dirty="0" smtClean="0">
+                <a:ln>
+                  <a:noFill/>
+                </a:ln>
+                <a:solidFill>
+                  <a:srgbClr val="000080"/>
+                </a:solidFill>
+                <a:effectLst/>
+                <a:latin typeface="Consolas" panose="020B0609020204030204" pitchFamily="49" charset="0"/>
+              </a:rPr>
+              <a:t> </a:t>
+            </a:r>
+            <a:r>
+              <a:rPr kumimoji="0" lang="en-US" altLang="en-US" sz="2800" b="0" i="0" u="none" strike="noStrike" cap="none" normalizeH="0" baseline="0" dirty="0" smtClean="0">
+                <a:ln>
+                  <a:noFill/>
+                </a:ln>
+                <a:solidFill>
+                  <a:srgbClr val="000000"/>
+                </a:solidFill>
+                <a:effectLst/>
+                <a:latin typeface="Consolas" panose="020B0609020204030204" pitchFamily="49" charset="0"/>
+              </a:rPr>
+              <a:t>sum = </a:t>
+            </a:r>
+            <a:r>
+              <a:rPr kumimoji="0" lang="en-US" altLang="en-US" sz="2800" b="0" i="0" u="none" strike="noStrike" cap="none" normalizeH="0" baseline="0" dirty="0" smtClean="0">
+                <a:ln>
+                  <a:noFill/>
+                </a:ln>
+                <a:solidFill>
+                  <a:srgbClr val="0000FF"/>
+                </a:solidFill>
+                <a:effectLst/>
+                <a:latin typeface="Consolas" panose="020B0609020204030204" pitchFamily="49" charset="0"/>
+              </a:rPr>
+              <a:t>0</a:t>
+            </a:r>
+            <a:r>
+              <a:rPr kumimoji="0" lang="en-US" altLang="en-US" sz="2800" b="0" i="0" u="none" strike="noStrike" cap="none" normalizeH="0" baseline="0" dirty="0" smtClean="0">
+                <a:ln>
+                  <a:noFill/>
+                </a:ln>
+                <a:solidFill>
+                  <a:srgbClr val="000000"/>
+                </a:solidFill>
+                <a:effectLst/>
+                <a:latin typeface="Consolas" panose="020B0609020204030204" pitchFamily="49" charset="0"/>
+              </a:rPr>
+              <a:t>;</a:t>
+            </a:r>
+            <a:br>
+              <a:rPr kumimoji="0" lang="en-US" altLang="en-US" sz="2800" b="0" i="0" u="none" strike="noStrike" cap="none" normalizeH="0" baseline="0" dirty="0" smtClean="0">
+                <a:ln>
+                  <a:noFill/>
+                </a:ln>
+                <a:solidFill>
+                  <a:srgbClr val="000000"/>
+                </a:solidFill>
+                <a:effectLst/>
+                <a:latin typeface="Consolas" panose="020B0609020204030204" pitchFamily="49" charset="0"/>
+              </a:rPr>
+            </a:br>
+            <a:r>
+              <a:rPr kumimoji="0" lang="en-US" altLang="en-US" sz="2800" b="1" i="0" u="none" strike="noStrike" cap="none" normalizeH="0" baseline="0" dirty="0" smtClean="0">
+                <a:ln>
+                  <a:noFill/>
+                </a:ln>
+                <a:solidFill>
+                  <a:srgbClr val="000080"/>
+                </a:solidFill>
+                <a:effectLst/>
+                <a:latin typeface="Consolas" panose="020B0609020204030204" pitchFamily="49" charset="0"/>
+              </a:rPr>
+              <a:t>for </a:t>
+            </a:r>
+            <a:r>
+              <a:rPr kumimoji="0" lang="en-US" altLang="en-US" sz="2800" b="0" i="0" u="none" strike="noStrike" cap="none" normalizeH="0" baseline="0" dirty="0" smtClean="0">
+                <a:ln>
+                  <a:noFill/>
+                </a:ln>
+                <a:solidFill>
+                  <a:srgbClr val="000000"/>
+                </a:solidFill>
+                <a:effectLst/>
+                <a:latin typeface="Consolas" panose="020B0609020204030204" pitchFamily="49" charset="0"/>
+              </a:rPr>
+              <a:t>(</a:t>
+            </a:r>
+            <a:r>
+              <a:rPr kumimoji="0" lang="en-US" altLang="en-US" sz="2800" b="1" i="0" u="none" strike="noStrike" cap="none" normalizeH="0" baseline="0" dirty="0" err="1" smtClean="0">
+                <a:ln>
+                  <a:noFill/>
+                </a:ln>
+                <a:solidFill>
+                  <a:srgbClr val="000080"/>
+                </a:solidFill>
+                <a:effectLst/>
+                <a:latin typeface="Consolas" panose="020B0609020204030204" pitchFamily="49" charset="0"/>
+              </a:rPr>
+              <a:t>int</a:t>
+            </a:r>
+            <a:r>
+              <a:rPr kumimoji="0" lang="en-US" altLang="en-US" sz="2800" b="1" i="0" u="none" strike="noStrike" cap="none" normalizeH="0" baseline="0" dirty="0" smtClean="0">
+                <a:ln>
+                  <a:noFill/>
+                </a:ln>
+                <a:solidFill>
+                  <a:srgbClr val="000080"/>
+                </a:solidFill>
+                <a:effectLst/>
+                <a:latin typeface="Consolas" panose="020B0609020204030204" pitchFamily="49" charset="0"/>
+              </a:rPr>
+              <a:t> </a:t>
+            </a:r>
+            <a:r>
+              <a:rPr kumimoji="0" lang="en-US" altLang="en-US" sz="2800" b="0" i="0" u="none" strike="noStrike" cap="none" normalizeH="0" baseline="0" dirty="0" err="1" smtClean="0">
+                <a:ln>
+                  <a:noFill/>
+                </a:ln>
+                <a:solidFill>
+                  <a:srgbClr val="000000"/>
+                </a:solidFill>
+                <a:effectLst/>
+                <a:latin typeface="Consolas" panose="020B0609020204030204" pitchFamily="49" charset="0"/>
+              </a:rPr>
+              <a:t>i</a:t>
+            </a:r>
+            <a:r>
+              <a:rPr kumimoji="0" lang="en-US" altLang="en-US" sz="2800" b="0" i="0" u="none" strike="noStrike" cap="none" normalizeH="0" baseline="0" dirty="0" smtClean="0">
+                <a:ln>
+                  <a:noFill/>
+                </a:ln>
+                <a:solidFill>
+                  <a:srgbClr val="000000"/>
+                </a:solidFill>
+                <a:effectLst/>
+                <a:latin typeface="Consolas" panose="020B0609020204030204" pitchFamily="49" charset="0"/>
+              </a:rPr>
+              <a:t> = </a:t>
+            </a:r>
+            <a:r>
+              <a:rPr kumimoji="0" lang="en-US" altLang="en-US" sz="2800" b="0" i="0" u="none" strike="noStrike" cap="none" normalizeH="0" baseline="0" dirty="0" smtClean="0">
+                <a:ln>
+                  <a:noFill/>
+                </a:ln>
+                <a:solidFill>
+                  <a:srgbClr val="0000FF"/>
+                </a:solidFill>
+                <a:effectLst/>
+                <a:latin typeface="Consolas" panose="020B0609020204030204" pitchFamily="49" charset="0"/>
+              </a:rPr>
+              <a:t>0</a:t>
+            </a:r>
+            <a:r>
+              <a:rPr kumimoji="0" lang="en-US" altLang="en-US" sz="2800" b="0" i="0" u="none" strike="noStrike" cap="none" normalizeH="0" baseline="0" dirty="0" smtClean="0">
+                <a:ln>
+                  <a:noFill/>
+                </a:ln>
+                <a:solidFill>
+                  <a:srgbClr val="000000"/>
+                </a:solidFill>
+                <a:effectLst/>
+                <a:latin typeface="Consolas" panose="020B0609020204030204" pitchFamily="49" charset="0"/>
+              </a:rPr>
+              <a:t>; </a:t>
+            </a:r>
+            <a:r>
+              <a:rPr kumimoji="0" lang="en-US" altLang="en-US" sz="2800" b="0" i="0" u="none" strike="noStrike" cap="none" normalizeH="0" baseline="0" dirty="0" err="1" smtClean="0">
+                <a:ln>
+                  <a:noFill/>
+                </a:ln>
+                <a:solidFill>
+                  <a:srgbClr val="000000"/>
+                </a:solidFill>
+                <a:effectLst/>
+                <a:latin typeface="Consolas" panose="020B0609020204030204" pitchFamily="49" charset="0"/>
+              </a:rPr>
+              <a:t>i</a:t>
+            </a:r>
+            <a:r>
+              <a:rPr kumimoji="0" lang="en-US" altLang="en-US" sz="2800" b="0" i="0" u="none" strike="noStrike" cap="none" normalizeH="0" baseline="0" dirty="0" smtClean="0">
+                <a:ln>
+                  <a:noFill/>
+                </a:ln>
+                <a:solidFill>
+                  <a:srgbClr val="000000"/>
+                </a:solidFill>
+                <a:effectLst/>
+                <a:latin typeface="Consolas" panose="020B0609020204030204" pitchFamily="49" charset="0"/>
+              </a:rPr>
+              <a:t> &lt; </a:t>
+            </a:r>
+            <a:r>
+              <a:rPr kumimoji="0" lang="en-US" altLang="en-US" sz="2800" b="0" i="0" u="none" strike="noStrike" cap="none" normalizeH="0" baseline="0" dirty="0" smtClean="0">
+                <a:ln>
+                  <a:noFill/>
+                </a:ln>
+                <a:solidFill>
+                  <a:srgbClr val="0000FF"/>
+                </a:solidFill>
+                <a:effectLst/>
+                <a:latin typeface="Consolas" panose="020B0609020204030204" pitchFamily="49" charset="0"/>
+              </a:rPr>
+              <a:t>10</a:t>
+            </a:r>
+            <a:r>
+              <a:rPr kumimoji="0" lang="en-US" altLang="en-US" sz="2800" b="0" i="0" u="none" strike="noStrike" cap="none" normalizeH="0" baseline="0" dirty="0" smtClean="0">
+                <a:ln>
+                  <a:noFill/>
+                </a:ln>
+                <a:solidFill>
+                  <a:srgbClr val="000000"/>
+                </a:solidFill>
+                <a:effectLst/>
+                <a:latin typeface="Consolas" panose="020B0609020204030204" pitchFamily="49" charset="0"/>
+              </a:rPr>
+              <a:t>; </a:t>
+            </a:r>
+            <a:r>
+              <a:rPr kumimoji="0" lang="en-US" altLang="en-US" sz="2800" b="0" i="0" u="none" strike="noStrike" cap="none" normalizeH="0" baseline="0" dirty="0" err="1" smtClean="0">
+                <a:ln>
+                  <a:noFill/>
+                </a:ln>
+                <a:solidFill>
+                  <a:srgbClr val="000000"/>
+                </a:solidFill>
+                <a:effectLst/>
+                <a:latin typeface="Consolas" panose="020B0609020204030204" pitchFamily="49" charset="0"/>
+              </a:rPr>
+              <a:t>i</a:t>
+            </a:r>
+            <a:r>
+              <a:rPr kumimoji="0" lang="en-US" altLang="en-US" sz="2800" b="0" i="0" u="none" strike="noStrike" cap="none" normalizeH="0" baseline="0" dirty="0" smtClean="0">
+                <a:ln>
+                  <a:noFill/>
+                </a:ln>
+                <a:solidFill>
+                  <a:srgbClr val="000000"/>
+                </a:solidFill>
+                <a:effectLst/>
+                <a:latin typeface="Consolas" panose="020B0609020204030204" pitchFamily="49" charset="0"/>
+              </a:rPr>
+              <a:t>++) {</a:t>
+            </a:r>
+            <a:br>
+              <a:rPr kumimoji="0" lang="en-US" altLang="en-US" sz="2800" b="0" i="0" u="none" strike="noStrike" cap="none" normalizeH="0" baseline="0" dirty="0" smtClean="0">
+                <a:ln>
+                  <a:noFill/>
+                </a:ln>
+                <a:solidFill>
+                  <a:srgbClr val="000000"/>
+                </a:solidFill>
+                <a:effectLst/>
+                <a:latin typeface="Consolas" panose="020B0609020204030204" pitchFamily="49" charset="0"/>
+              </a:rPr>
+            </a:br>
+            <a:r>
+              <a:rPr kumimoji="0" lang="en-US" altLang="en-US" sz="2800" b="0" i="0" u="none" strike="noStrike" cap="none" normalizeH="0" baseline="0" dirty="0" smtClean="0">
+                <a:ln>
+                  <a:noFill/>
+                </a:ln>
+                <a:solidFill>
+                  <a:srgbClr val="000000"/>
+                </a:solidFill>
+                <a:effectLst/>
+                <a:latin typeface="Consolas" panose="020B0609020204030204" pitchFamily="49" charset="0"/>
+              </a:rPr>
+              <a:t>    sum += A[</a:t>
+            </a:r>
+            <a:r>
+              <a:rPr kumimoji="0" lang="en-US" altLang="en-US" sz="2800" b="0" i="0" u="none" strike="noStrike" cap="none" normalizeH="0" baseline="0" dirty="0" err="1" smtClean="0">
+                <a:ln>
+                  <a:noFill/>
+                </a:ln>
+                <a:solidFill>
+                  <a:srgbClr val="000000"/>
+                </a:solidFill>
+                <a:effectLst/>
+                <a:latin typeface="Consolas" panose="020B0609020204030204" pitchFamily="49" charset="0"/>
+              </a:rPr>
+              <a:t>i</a:t>
+            </a:r>
+            <a:r>
+              <a:rPr kumimoji="0" lang="en-US" altLang="en-US" sz="2800" b="0" i="0" u="none" strike="noStrike" cap="none" normalizeH="0" baseline="0" dirty="0" smtClean="0">
+                <a:ln>
+                  <a:noFill/>
+                </a:ln>
+                <a:solidFill>
+                  <a:srgbClr val="000000"/>
+                </a:solidFill>
+                <a:effectLst/>
+                <a:latin typeface="Consolas" panose="020B0609020204030204" pitchFamily="49" charset="0"/>
+              </a:rPr>
+              <a:t>];</a:t>
+            </a:r>
+            <a:br>
+              <a:rPr kumimoji="0" lang="en-US" altLang="en-US" sz="2800" b="0" i="0" u="none" strike="noStrike" cap="none" normalizeH="0" baseline="0" dirty="0" smtClean="0">
+                <a:ln>
+                  <a:noFill/>
+                </a:ln>
+                <a:solidFill>
+                  <a:srgbClr val="000000"/>
+                </a:solidFill>
+                <a:effectLst/>
+                <a:latin typeface="Consolas" panose="020B0609020204030204" pitchFamily="49" charset="0"/>
+              </a:rPr>
+            </a:br>
+            <a:r>
+              <a:rPr kumimoji="0" lang="en-US" altLang="en-US" sz="2800" b="0" i="0" u="none" strike="noStrike" cap="none" normalizeH="0" baseline="0" dirty="0" smtClean="0">
+                <a:ln>
+                  <a:noFill/>
+                </a:ln>
+                <a:solidFill>
+                  <a:srgbClr val="000000"/>
+                </a:solidFill>
+                <a:effectLst/>
+                <a:latin typeface="Consolas" panose="020B0609020204030204" pitchFamily="49" charset="0"/>
+              </a:rPr>
+              <a:t>}</a:t>
+            </a:r>
+            <a:endParaRPr kumimoji="0" lang="en-US" altLang="en-US" sz="2800" b="0" i="0" u="none" strike="noStrike" cap="none" normalizeH="0" baseline="0" dirty="0" smtClean="0">
+              <a:ln>
+                <a:noFill/>
+              </a:ln>
+              <a:solidFill>
+                <a:schemeClr val="tx1"/>
+              </a:solidFill>
+              <a:effectLst/>
+              <a:latin typeface="Arial" panose="020B0604020202020204" pitchFamily="34" charset="0"/>
+            </a:endParaRPr>
+          </a:p>
+        </p:txBody>
+      </p:sp>
+      <p:sp>
+        <p:nvSpPr>
+          <p:cNvPr id="6" name="Down Arrow 5"/>
+          <p:cNvSpPr/>
+          <p:nvPr/>
+        </p:nvSpPr>
+        <p:spPr>
+          <a:xfrm rot="17745042">
+            <a:off x="6434115" y="2203427"/>
+            <a:ext cx="705049" cy="1816193"/>
+          </a:xfrm>
+          <a:prstGeom prst="downArrow">
+            <a:avLst/>
+          </a:prstGeom>
+          <a:solidFill>
+            <a:srgbClr val="FFC000"/>
+          </a:solidFill>
+        </p:spPr>
+        <p:style>
+          <a:lnRef idx="2">
+            <a:schemeClr val="accent1">
+              <a:shade val="50000"/>
+            </a:schemeClr>
+          </a:lnRef>
+          <a:fillRef idx="1">
+            <a:schemeClr val="accent1"/>
+          </a:fillRef>
+          <a:effectRef idx="0">
+            <a:schemeClr val="accent1"/>
+          </a:effectRef>
+          <a:fontRef idx="minor">
+            <a:schemeClr val="lt1"/>
+          </a:fontRef>
+        </p:style>
+        <p:txBody>
+          <a:bodyPr rtlCol="0" anchor="ctr"/>
+          <a:lstStyle/>
+          <a:p>
+            <a:pPr algn="ctr"/>
+            <a:endParaRPr lang="en-US"/>
+          </a:p>
+        </p:txBody>
+      </p:sp>
+      <p:sp>
+        <p:nvSpPr>
+          <p:cNvPr id="7" name="Rectangle 1"/>
+          <p:cNvSpPr>
+            <a:spLocks noChangeArrowheads="1"/>
+          </p:cNvSpPr>
+          <p:nvPr/>
+        </p:nvSpPr>
+        <p:spPr bwMode="auto">
+          <a:xfrm>
+            <a:off x="7936992" y="1361214"/>
+            <a:ext cx="3913632" cy="2800767"/>
+          </a:xfrm>
+          <a:prstGeom prst="rect">
+            <a:avLst/>
+          </a:prstGeom>
+          <a:solidFill>
+            <a:srgbClr val="FFFFFF"/>
+          </a:solidFill>
+          <a:ln>
+            <a:noFill/>
+          </a:ln>
+          <a:effectLst/>
+          <a:extLst>
+            <a:ext uri="{91240B29-F687-4F45-9708-019B960494DF}">
+              <a14:hiddenLine xmlns:a14="http://schemas.microsoft.com/office/drawing/2010/main" w="9525">
+                <a:solidFill>
+                  <a:schemeClr val="tx1"/>
+                </a:solidFill>
+                <a:miter lim="800000"/>
+                <a:headEnd/>
+                <a:tailEnd/>
+              </a14:hiddenLine>
+            </a:ext>
+            <a:ext uri="{AF507438-7753-43E0-B8FC-AC1667EBCBE1}">
+              <a14:hiddenEffects xmlns:a14="http://schemas.microsoft.com/office/drawing/2010/main">
+                <a:effectLst>
+                  <a:outerShdw dist="35921" dir="2700000" algn="ctr" rotWithShape="0">
+                    <a:schemeClr val="bg2"/>
+                  </a:outerShdw>
+                </a:effectLst>
+              </a14:hiddenEffects>
+            </a:ext>
+          </a:extLst>
+        </p:spPr>
+        <p:txBody>
+          <a:bodyPr vert="horz" wrap="square" lIns="91440" tIns="45720" rIns="91440" bIns="45720" numCol="1" anchor="ctr" anchorCtr="0" compatLnSpc="1">
+            <a:prstTxWarp prst="textNoShape">
+              <a:avLst/>
+            </a:prstTxWarp>
+            <a:spAutoFit/>
+          </a:bodyPr>
+          <a:lstStyle/>
+          <a:p>
+            <a:pPr marL="0" marR="0" lvl="0" indent="0" algn="l" defTabSz="914400" rtl="0" eaLnBrk="0" fontAlgn="base" latinLnBrk="0" hangingPunct="0">
+              <a:lnSpc>
+                <a:spcPct val="100000"/>
+              </a:lnSpc>
+              <a:spcBef>
+                <a:spcPct val="0"/>
+              </a:spcBef>
+              <a:spcAft>
+                <a:spcPct val="0"/>
+              </a:spcAft>
+              <a:buClrTx/>
+              <a:buSzTx/>
+              <a:buFontTx/>
+              <a:buNone/>
+              <a:tabLst/>
+            </a:pPr>
+            <a:r>
+              <a:rPr kumimoji="0" lang="en-US" altLang="en-US" sz="1600" b="1" i="0" u="none" strike="noStrike" cap="none" normalizeH="0" baseline="0" dirty="0" err="1" smtClean="0">
+                <a:ln>
+                  <a:noFill/>
+                </a:ln>
+                <a:solidFill>
+                  <a:srgbClr val="000080"/>
+                </a:solidFill>
+                <a:effectLst/>
+                <a:latin typeface="Consolas" panose="020B0609020204030204" pitchFamily="49" charset="0"/>
+              </a:rPr>
+              <a:t>int</a:t>
+            </a:r>
+            <a:r>
+              <a:rPr kumimoji="0" lang="en-US" altLang="en-US" sz="1600" b="1" i="0" u="none" strike="noStrike" cap="none" normalizeH="0" baseline="0" dirty="0" smtClean="0">
+                <a:ln>
+                  <a:noFill/>
+                </a:ln>
+                <a:solidFill>
+                  <a:srgbClr val="000080"/>
+                </a:solidFill>
+                <a:effectLst/>
+                <a:latin typeface="Consolas" panose="020B0609020204030204" pitchFamily="49" charset="0"/>
+              </a:rPr>
+              <a:t> </a:t>
+            </a:r>
+            <a:r>
+              <a:rPr kumimoji="0" lang="en-US" altLang="en-US" sz="1600" b="1" i="0" u="none" strike="noStrike" cap="none" normalizeH="0" baseline="0" dirty="0" smtClean="0">
+                <a:ln>
+                  <a:noFill/>
+                </a:ln>
+                <a:solidFill>
+                  <a:srgbClr val="000000"/>
+                </a:solidFill>
+                <a:effectLst/>
+                <a:latin typeface="Consolas" panose="020B0609020204030204" pitchFamily="49" charset="0"/>
+              </a:rPr>
+              <a:t>sum = </a:t>
+            </a:r>
+            <a:r>
+              <a:rPr kumimoji="0" lang="en-US" altLang="en-US" sz="1600" b="1" i="0" u="none" strike="noStrike" cap="none" normalizeH="0" baseline="0" dirty="0" smtClean="0">
+                <a:ln>
+                  <a:noFill/>
+                </a:ln>
+                <a:solidFill>
+                  <a:srgbClr val="0000FF"/>
+                </a:solidFill>
+                <a:effectLst/>
+                <a:latin typeface="Consolas" panose="020B0609020204030204" pitchFamily="49" charset="0"/>
+              </a:rPr>
+              <a:t>0</a:t>
+            </a:r>
+            <a:r>
+              <a:rPr kumimoji="0" lang="en-US" altLang="en-US" sz="1600" b="1" i="0" u="none" strike="noStrike" cap="none" normalizeH="0" baseline="0" dirty="0" smtClean="0">
+                <a:ln>
+                  <a:noFill/>
+                </a:ln>
+                <a:solidFill>
+                  <a:srgbClr val="000000"/>
+                </a:solidFill>
+                <a:effectLst/>
+                <a:latin typeface="Consolas" panose="020B0609020204030204" pitchFamily="49" charset="0"/>
+              </a:rPr>
+              <a:t>;</a:t>
+            </a:r>
+            <a:br>
+              <a:rPr kumimoji="0" lang="en-US" altLang="en-US" sz="1600" b="1" i="0" u="none" strike="noStrike" cap="none" normalizeH="0" baseline="0" dirty="0" smtClean="0">
+                <a:ln>
+                  <a:noFill/>
+                </a:ln>
+                <a:solidFill>
+                  <a:srgbClr val="000000"/>
+                </a:solidFill>
+                <a:effectLst/>
+                <a:latin typeface="Consolas" panose="020B0609020204030204" pitchFamily="49" charset="0"/>
+              </a:rPr>
+            </a:br>
+            <a:r>
+              <a:rPr kumimoji="0" lang="en-US" altLang="en-US" sz="1600" b="1" i="0" u="none" strike="noStrike" cap="none" normalizeH="0" baseline="0" dirty="0" err="1" smtClean="0">
+                <a:ln>
+                  <a:noFill/>
+                </a:ln>
+                <a:solidFill>
+                  <a:srgbClr val="000080"/>
+                </a:solidFill>
+                <a:effectLst/>
+                <a:latin typeface="Consolas" panose="020B0609020204030204" pitchFamily="49" charset="0"/>
+              </a:rPr>
+              <a:t>int</a:t>
+            </a:r>
+            <a:r>
+              <a:rPr kumimoji="0" lang="en-US" altLang="en-US" sz="1600" b="1" i="0" u="none" strike="noStrike" cap="none" normalizeH="0" baseline="0" dirty="0" smtClean="0">
+                <a:ln>
+                  <a:noFill/>
+                </a:ln>
+                <a:solidFill>
+                  <a:srgbClr val="000080"/>
+                </a:solidFill>
+                <a:effectLst/>
+                <a:latin typeface="Consolas" panose="020B0609020204030204" pitchFamily="49" charset="0"/>
+              </a:rPr>
+              <a:t> </a:t>
+            </a:r>
+            <a:r>
+              <a:rPr kumimoji="0" lang="en-US" altLang="en-US" sz="1600" b="1" i="0" u="none" strike="noStrike" cap="none" normalizeH="0" baseline="0" dirty="0" smtClean="0">
+                <a:ln>
+                  <a:noFill/>
+                </a:ln>
+                <a:solidFill>
+                  <a:srgbClr val="000000"/>
+                </a:solidFill>
+                <a:effectLst/>
+                <a:latin typeface="Consolas" panose="020B0609020204030204" pitchFamily="49" charset="0"/>
+              </a:rPr>
+              <a:t>j;</a:t>
+            </a:r>
+            <a:br>
+              <a:rPr kumimoji="0" lang="en-US" altLang="en-US" sz="1600" b="1" i="0" u="none" strike="noStrike" cap="none" normalizeH="0" baseline="0" dirty="0" smtClean="0">
+                <a:ln>
+                  <a:noFill/>
+                </a:ln>
+                <a:solidFill>
+                  <a:srgbClr val="000000"/>
+                </a:solidFill>
+                <a:effectLst/>
+                <a:latin typeface="Consolas" panose="020B0609020204030204" pitchFamily="49" charset="0"/>
+              </a:rPr>
+            </a:br>
+            <a:r>
+              <a:rPr kumimoji="0" lang="en-US" altLang="en-US" sz="1600" b="1" i="0" u="none" strike="noStrike" cap="none" normalizeH="0" baseline="0" dirty="0" smtClean="0">
+                <a:ln>
+                  <a:noFill/>
+                </a:ln>
+                <a:solidFill>
+                  <a:srgbClr val="000080"/>
+                </a:solidFill>
+                <a:effectLst/>
+                <a:latin typeface="Consolas" panose="020B0609020204030204" pitchFamily="49" charset="0"/>
+              </a:rPr>
+              <a:t>for </a:t>
+            </a:r>
+            <a:r>
+              <a:rPr kumimoji="0" lang="en-US" altLang="en-US" sz="1600" b="1" i="0" u="none" strike="noStrike" cap="none" normalizeH="0" baseline="0" dirty="0" smtClean="0">
+                <a:ln>
+                  <a:noFill/>
+                </a:ln>
+                <a:solidFill>
+                  <a:srgbClr val="000000"/>
+                </a:solidFill>
+                <a:effectLst/>
+                <a:latin typeface="Consolas" panose="020B0609020204030204" pitchFamily="49" charset="0"/>
+              </a:rPr>
+              <a:t>(j = </a:t>
+            </a:r>
+            <a:r>
+              <a:rPr kumimoji="0" lang="en-US" altLang="en-US" sz="1600" b="1" i="0" u="none" strike="noStrike" cap="none" normalizeH="0" baseline="0" dirty="0" smtClean="0">
+                <a:ln>
+                  <a:noFill/>
+                </a:ln>
+                <a:solidFill>
+                  <a:srgbClr val="0000FF"/>
+                </a:solidFill>
+                <a:effectLst/>
+                <a:latin typeface="Consolas" panose="020B0609020204030204" pitchFamily="49" charset="0"/>
+              </a:rPr>
+              <a:t>0</a:t>
+            </a:r>
+            <a:r>
+              <a:rPr kumimoji="0" lang="en-US" altLang="en-US" sz="1600" b="1" i="0" u="none" strike="noStrike" cap="none" normalizeH="0" baseline="0" dirty="0" smtClean="0">
+                <a:ln>
+                  <a:noFill/>
+                </a:ln>
+                <a:solidFill>
+                  <a:srgbClr val="000000"/>
+                </a:solidFill>
+                <a:effectLst/>
+                <a:latin typeface="Consolas" panose="020B0609020204030204" pitchFamily="49" charset="0"/>
+              </a:rPr>
+              <a:t>; j &lt; n-</a:t>
+            </a:r>
+            <a:r>
+              <a:rPr kumimoji="0" lang="en-US" altLang="en-US" sz="1600" b="1" i="0" u="none" strike="noStrike" cap="none" normalizeH="0" baseline="0" dirty="0" smtClean="0">
+                <a:ln>
+                  <a:noFill/>
+                </a:ln>
+                <a:solidFill>
+                  <a:srgbClr val="0000FF"/>
+                </a:solidFill>
+                <a:effectLst/>
+                <a:latin typeface="Consolas" panose="020B0609020204030204" pitchFamily="49" charset="0"/>
+              </a:rPr>
+              <a:t>3</a:t>
+            </a:r>
+            <a:r>
+              <a:rPr kumimoji="0" lang="en-US" altLang="en-US" sz="1600" b="1" i="0" u="none" strike="noStrike" cap="none" normalizeH="0" baseline="0" dirty="0" smtClean="0">
+                <a:ln>
+                  <a:noFill/>
+                </a:ln>
+                <a:solidFill>
+                  <a:srgbClr val="000000"/>
+                </a:solidFill>
+                <a:effectLst/>
+                <a:latin typeface="Consolas" panose="020B0609020204030204" pitchFamily="49" charset="0"/>
+              </a:rPr>
+              <a:t>; j += </a:t>
+            </a:r>
+            <a:r>
+              <a:rPr kumimoji="0" lang="en-US" altLang="en-US" sz="1600" b="1" i="0" u="none" strike="noStrike" cap="none" normalizeH="0" baseline="0" dirty="0" smtClean="0">
+                <a:ln>
+                  <a:noFill/>
+                </a:ln>
+                <a:solidFill>
+                  <a:srgbClr val="0000FF"/>
+                </a:solidFill>
+                <a:effectLst/>
+                <a:latin typeface="Consolas" panose="020B0609020204030204" pitchFamily="49" charset="0"/>
+              </a:rPr>
+              <a:t>4</a:t>
+            </a:r>
+            <a:r>
+              <a:rPr kumimoji="0" lang="en-US" altLang="en-US" sz="1600" b="1" i="0" u="none" strike="noStrike" cap="none" normalizeH="0" baseline="0" dirty="0" smtClean="0">
+                <a:ln>
+                  <a:noFill/>
+                </a:ln>
+                <a:solidFill>
+                  <a:srgbClr val="000000"/>
+                </a:solidFill>
+                <a:effectLst/>
+                <a:latin typeface="Consolas" panose="020B0609020204030204" pitchFamily="49" charset="0"/>
+              </a:rPr>
+              <a:t>) {</a:t>
+            </a:r>
+            <a:br>
+              <a:rPr kumimoji="0" lang="en-US" altLang="en-US" sz="1600" b="1" i="0" u="none" strike="noStrike" cap="none" normalizeH="0" baseline="0" dirty="0" smtClean="0">
+                <a:ln>
+                  <a:noFill/>
+                </a:ln>
+                <a:solidFill>
+                  <a:srgbClr val="000000"/>
+                </a:solidFill>
+                <a:effectLst/>
+                <a:latin typeface="Consolas" panose="020B0609020204030204" pitchFamily="49" charset="0"/>
+              </a:rPr>
+            </a:br>
+            <a:r>
+              <a:rPr kumimoji="0" lang="en-US" altLang="en-US" sz="1600" b="1" i="0" u="none" strike="noStrike" cap="none" normalizeH="0" baseline="0" dirty="0" smtClean="0">
+                <a:ln>
+                  <a:noFill/>
+                </a:ln>
+                <a:solidFill>
+                  <a:srgbClr val="000000"/>
+                </a:solidFill>
+                <a:effectLst/>
+                <a:latin typeface="Consolas" panose="020B0609020204030204" pitchFamily="49" charset="0"/>
+              </a:rPr>
+              <a:t>    sum += A[j];</a:t>
+            </a:r>
+            <a:br>
+              <a:rPr kumimoji="0" lang="en-US" altLang="en-US" sz="1600" b="1" i="0" u="none" strike="noStrike" cap="none" normalizeH="0" baseline="0" dirty="0" smtClean="0">
+                <a:ln>
+                  <a:noFill/>
+                </a:ln>
+                <a:solidFill>
+                  <a:srgbClr val="000000"/>
+                </a:solidFill>
+                <a:effectLst/>
+                <a:latin typeface="Consolas" panose="020B0609020204030204" pitchFamily="49" charset="0"/>
+              </a:rPr>
+            </a:br>
+            <a:r>
+              <a:rPr kumimoji="0" lang="en-US" altLang="en-US" sz="1600" b="1" i="0" u="none" strike="noStrike" cap="none" normalizeH="0" baseline="0" dirty="0" smtClean="0">
+                <a:ln>
+                  <a:noFill/>
+                </a:ln>
+                <a:solidFill>
+                  <a:srgbClr val="000000"/>
+                </a:solidFill>
+                <a:effectLst/>
+                <a:latin typeface="Consolas" panose="020B0609020204030204" pitchFamily="49" charset="0"/>
+              </a:rPr>
+              <a:t>    sum += A[j + </a:t>
+            </a:r>
+            <a:r>
+              <a:rPr kumimoji="0" lang="en-US" altLang="en-US" sz="1600" b="1" i="0" u="none" strike="noStrike" cap="none" normalizeH="0" baseline="0" dirty="0" smtClean="0">
+                <a:ln>
+                  <a:noFill/>
+                </a:ln>
+                <a:solidFill>
+                  <a:srgbClr val="0000FF"/>
+                </a:solidFill>
+                <a:effectLst/>
+                <a:latin typeface="Consolas" panose="020B0609020204030204" pitchFamily="49" charset="0"/>
+              </a:rPr>
+              <a:t>1</a:t>
+            </a:r>
+            <a:r>
+              <a:rPr kumimoji="0" lang="en-US" altLang="en-US" sz="1600" b="1" i="0" u="none" strike="noStrike" cap="none" normalizeH="0" baseline="0" dirty="0" smtClean="0">
+                <a:ln>
+                  <a:noFill/>
+                </a:ln>
+                <a:solidFill>
+                  <a:srgbClr val="000000"/>
+                </a:solidFill>
+                <a:effectLst/>
+                <a:latin typeface="Consolas" panose="020B0609020204030204" pitchFamily="49" charset="0"/>
+              </a:rPr>
+              <a:t>];</a:t>
+            </a:r>
+            <a:br>
+              <a:rPr kumimoji="0" lang="en-US" altLang="en-US" sz="1600" b="1" i="0" u="none" strike="noStrike" cap="none" normalizeH="0" baseline="0" dirty="0" smtClean="0">
+                <a:ln>
+                  <a:noFill/>
+                </a:ln>
+                <a:solidFill>
+                  <a:srgbClr val="000000"/>
+                </a:solidFill>
+                <a:effectLst/>
+                <a:latin typeface="Consolas" panose="020B0609020204030204" pitchFamily="49" charset="0"/>
+              </a:rPr>
+            </a:br>
+            <a:r>
+              <a:rPr kumimoji="0" lang="en-US" altLang="en-US" sz="1600" b="1" i="0" u="none" strike="noStrike" cap="none" normalizeH="0" baseline="0" dirty="0" smtClean="0">
+                <a:ln>
+                  <a:noFill/>
+                </a:ln>
+                <a:solidFill>
+                  <a:srgbClr val="000000"/>
+                </a:solidFill>
+                <a:effectLst/>
+                <a:latin typeface="Consolas" panose="020B0609020204030204" pitchFamily="49" charset="0"/>
+              </a:rPr>
+              <a:t>    sum += A[j + </a:t>
+            </a:r>
+            <a:r>
+              <a:rPr kumimoji="0" lang="en-US" altLang="en-US" sz="1600" b="1" i="0" u="none" strike="noStrike" cap="none" normalizeH="0" baseline="0" dirty="0" smtClean="0">
+                <a:ln>
+                  <a:noFill/>
+                </a:ln>
+                <a:solidFill>
+                  <a:srgbClr val="0000FF"/>
+                </a:solidFill>
+                <a:effectLst/>
+                <a:latin typeface="Consolas" panose="020B0609020204030204" pitchFamily="49" charset="0"/>
+              </a:rPr>
+              <a:t>2</a:t>
+            </a:r>
+            <a:r>
+              <a:rPr kumimoji="0" lang="en-US" altLang="en-US" sz="1600" b="1" i="0" u="none" strike="noStrike" cap="none" normalizeH="0" baseline="0" dirty="0" smtClean="0">
+                <a:ln>
+                  <a:noFill/>
+                </a:ln>
+                <a:solidFill>
+                  <a:srgbClr val="000000"/>
+                </a:solidFill>
+                <a:effectLst/>
+                <a:latin typeface="Consolas" panose="020B0609020204030204" pitchFamily="49" charset="0"/>
+              </a:rPr>
+              <a:t>];</a:t>
+            </a:r>
+            <a:br>
+              <a:rPr kumimoji="0" lang="en-US" altLang="en-US" sz="1600" b="1" i="0" u="none" strike="noStrike" cap="none" normalizeH="0" baseline="0" dirty="0" smtClean="0">
+                <a:ln>
+                  <a:noFill/>
+                </a:ln>
+                <a:solidFill>
+                  <a:srgbClr val="000000"/>
+                </a:solidFill>
+                <a:effectLst/>
+                <a:latin typeface="Consolas" panose="020B0609020204030204" pitchFamily="49" charset="0"/>
+              </a:rPr>
+            </a:br>
+            <a:r>
+              <a:rPr kumimoji="0" lang="en-US" altLang="en-US" sz="1600" b="1" i="0" u="none" strike="noStrike" cap="none" normalizeH="0" baseline="0" dirty="0" smtClean="0">
+                <a:ln>
+                  <a:noFill/>
+                </a:ln>
+                <a:solidFill>
+                  <a:srgbClr val="000000"/>
+                </a:solidFill>
+                <a:effectLst/>
+                <a:latin typeface="Consolas" panose="020B0609020204030204" pitchFamily="49" charset="0"/>
+              </a:rPr>
+              <a:t>    sum += A[j + </a:t>
+            </a:r>
+            <a:r>
+              <a:rPr kumimoji="0" lang="en-US" altLang="en-US" sz="1600" b="1" i="0" u="none" strike="noStrike" cap="none" normalizeH="0" baseline="0" dirty="0" smtClean="0">
+                <a:ln>
+                  <a:noFill/>
+                </a:ln>
+                <a:solidFill>
+                  <a:srgbClr val="0000FF"/>
+                </a:solidFill>
+                <a:effectLst/>
+                <a:latin typeface="Consolas" panose="020B0609020204030204" pitchFamily="49" charset="0"/>
+              </a:rPr>
+              <a:t>3</a:t>
+            </a:r>
+            <a:r>
+              <a:rPr kumimoji="0" lang="en-US" altLang="en-US" sz="1600" b="1" i="0" u="none" strike="noStrike" cap="none" normalizeH="0" baseline="0" dirty="0" smtClean="0">
+                <a:ln>
+                  <a:noFill/>
+                </a:ln>
+                <a:solidFill>
+                  <a:srgbClr val="000000"/>
+                </a:solidFill>
+                <a:effectLst/>
+                <a:latin typeface="Consolas" panose="020B0609020204030204" pitchFamily="49" charset="0"/>
+              </a:rPr>
+              <a:t>];</a:t>
+            </a:r>
+            <a:br>
+              <a:rPr kumimoji="0" lang="en-US" altLang="en-US" sz="1600" b="1" i="0" u="none" strike="noStrike" cap="none" normalizeH="0" baseline="0" dirty="0" smtClean="0">
+                <a:ln>
+                  <a:noFill/>
+                </a:ln>
+                <a:solidFill>
+                  <a:srgbClr val="000000"/>
+                </a:solidFill>
+                <a:effectLst/>
+                <a:latin typeface="Consolas" panose="020B0609020204030204" pitchFamily="49" charset="0"/>
+              </a:rPr>
+            </a:br>
+            <a:r>
+              <a:rPr kumimoji="0" lang="en-US" altLang="en-US" sz="1600" b="1" i="0" u="none" strike="noStrike" cap="none" normalizeH="0" baseline="0" dirty="0" smtClean="0">
+                <a:ln>
+                  <a:noFill/>
+                </a:ln>
+                <a:solidFill>
+                  <a:srgbClr val="000000"/>
+                </a:solidFill>
+                <a:effectLst/>
+                <a:latin typeface="Consolas" panose="020B0609020204030204" pitchFamily="49" charset="0"/>
+              </a:rPr>
+              <a:t>}</a:t>
+            </a:r>
+            <a:br>
+              <a:rPr kumimoji="0" lang="en-US" altLang="en-US" sz="1600" b="1" i="0" u="none" strike="noStrike" cap="none" normalizeH="0" baseline="0" dirty="0" smtClean="0">
+                <a:ln>
+                  <a:noFill/>
+                </a:ln>
+                <a:solidFill>
+                  <a:srgbClr val="000000"/>
+                </a:solidFill>
+                <a:effectLst/>
+                <a:latin typeface="Consolas" panose="020B0609020204030204" pitchFamily="49" charset="0"/>
+              </a:rPr>
+            </a:br>
+            <a:r>
+              <a:rPr kumimoji="0" lang="en-US" altLang="en-US" sz="1600" b="1" i="0" u="none" strike="noStrike" cap="none" normalizeH="0" baseline="0" dirty="0" smtClean="0">
+                <a:ln>
+                  <a:noFill/>
+                </a:ln>
+                <a:solidFill>
+                  <a:srgbClr val="000080"/>
+                </a:solidFill>
+                <a:effectLst/>
+                <a:latin typeface="Consolas" panose="020B0609020204030204" pitchFamily="49" charset="0"/>
+              </a:rPr>
+              <a:t>for </a:t>
+            </a:r>
+            <a:r>
+              <a:rPr kumimoji="0" lang="en-US" altLang="en-US" sz="1600" b="1" i="0" u="none" strike="noStrike" cap="none" normalizeH="0" baseline="0" dirty="0" smtClean="0">
+                <a:ln>
+                  <a:noFill/>
+                </a:ln>
+                <a:solidFill>
+                  <a:srgbClr val="000000"/>
+                </a:solidFill>
+                <a:effectLst/>
+                <a:latin typeface="Consolas" panose="020B0609020204030204" pitchFamily="49" charset="0"/>
+              </a:rPr>
+              <a:t>(</a:t>
+            </a:r>
+            <a:r>
+              <a:rPr kumimoji="0" lang="en-US" altLang="en-US" sz="1600" b="1" i="0" u="none" strike="noStrike" cap="none" normalizeH="0" baseline="0" dirty="0" err="1" smtClean="0">
+                <a:ln>
+                  <a:noFill/>
+                </a:ln>
+                <a:solidFill>
+                  <a:srgbClr val="000080"/>
+                </a:solidFill>
+                <a:effectLst/>
+                <a:latin typeface="Consolas" panose="020B0609020204030204" pitchFamily="49" charset="0"/>
+              </a:rPr>
+              <a:t>int</a:t>
+            </a:r>
+            <a:r>
+              <a:rPr kumimoji="0" lang="en-US" altLang="en-US" sz="1600" b="1" i="0" u="none" strike="noStrike" cap="none" normalizeH="0" baseline="0" dirty="0" smtClean="0">
+                <a:ln>
+                  <a:noFill/>
+                </a:ln>
+                <a:solidFill>
+                  <a:srgbClr val="000080"/>
+                </a:solidFill>
+                <a:effectLst/>
+                <a:latin typeface="Consolas" panose="020B0609020204030204" pitchFamily="49" charset="0"/>
+              </a:rPr>
+              <a:t> </a:t>
+            </a:r>
+            <a:r>
+              <a:rPr kumimoji="0" lang="en-US" altLang="en-US" sz="1600" b="1" i="0" u="none" strike="noStrike" cap="none" normalizeH="0" baseline="0" dirty="0" err="1" smtClean="0">
+                <a:ln>
+                  <a:noFill/>
+                </a:ln>
+                <a:solidFill>
+                  <a:srgbClr val="000000"/>
+                </a:solidFill>
+                <a:effectLst/>
+                <a:latin typeface="Consolas" panose="020B0609020204030204" pitchFamily="49" charset="0"/>
+              </a:rPr>
+              <a:t>i</a:t>
+            </a:r>
+            <a:r>
+              <a:rPr kumimoji="0" lang="en-US" altLang="en-US" sz="1600" b="1" i="0" u="none" strike="noStrike" cap="none" normalizeH="0" baseline="0" dirty="0" smtClean="0">
+                <a:ln>
+                  <a:noFill/>
+                </a:ln>
+                <a:solidFill>
+                  <a:srgbClr val="000000"/>
+                </a:solidFill>
+                <a:effectLst/>
+                <a:latin typeface="Consolas" panose="020B0609020204030204" pitchFamily="49" charset="0"/>
+              </a:rPr>
+              <a:t> = </a:t>
+            </a:r>
+            <a:r>
+              <a:rPr kumimoji="0" lang="en-US" altLang="en-US" sz="1600" b="1" i="0" u="none" strike="noStrike" cap="none" normalizeH="0" baseline="0" dirty="0" smtClean="0">
+                <a:ln>
+                  <a:noFill/>
+                </a:ln>
+                <a:solidFill>
+                  <a:srgbClr val="0000FF"/>
+                </a:solidFill>
+                <a:effectLst/>
+                <a:latin typeface="Consolas" panose="020B0609020204030204" pitchFamily="49" charset="0"/>
+              </a:rPr>
+              <a:t>0</a:t>
+            </a:r>
+            <a:r>
+              <a:rPr kumimoji="0" lang="en-US" altLang="en-US" sz="1600" b="1" i="0" u="none" strike="noStrike" cap="none" normalizeH="0" baseline="0" dirty="0" smtClean="0">
+                <a:ln>
+                  <a:noFill/>
+                </a:ln>
+                <a:solidFill>
+                  <a:srgbClr val="000000"/>
+                </a:solidFill>
+                <a:effectLst/>
+                <a:latin typeface="Consolas" panose="020B0609020204030204" pitchFamily="49" charset="0"/>
+              </a:rPr>
+              <a:t>; </a:t>
+            </a:r>
+            <a:r>
+              <a:rPr kumimoji="0" lang="en-US" altLang="en-US" sz="1600" b="1" i="0" u="none" strike="noStrike" cap="none" normalizeH="0" baseline="0" dirty="0" err="1" smtClean="0">
+                <a:ln>
+                  <a:noFill/>
+                </a:ln>
+                <a:solidFill>
+                  <a:srgbClr val="000000"/>
+                </a:solidFill>
+                <a:effectLst/>
+                <a:latin typeface="Consolas" panose="020B0609020204030204" pitchFamily="49" charset="0"/>
+              </a:rPr>
+              <a:t>i</a:t>
+            </a:r>
+            <a:r>
+              <a:rPr kumimoji="0" lang="en-US" altLang="en-US" sz="1600" b="1" i="0" u="none" strike="noStrike" cap="none" normalizeH="0" baseline="0" dirty="0" smtClean="0">
+                <a:ln>
+                  <a:noFill/>
+                </a:ln>
+                <a:solidFill>
+                  <a:srgbClr val="000000"/>
+                </a:solidFill>
+                <a:effectLst/>
+                <a:latin typeface="Consolas" panose="020B0609020204030204" pitchFamily="49" charset="0"/>
+              </a:rPr>
+              <a:t> &lt; </a:t>
+            </a:r>
+            <a:r>
+              <a:rPr kumimoji="0" lang="en-US" altLang="en-US" sz="1600" b="1" i="0" u="none" strike="noStrike" cap="none" normalizeH="0" baseline="0" dirty="0" smtClean="0">
+                <a:ln>
+                  <a:noFill/>
+                </a:ln>
+                <a:solidFill>
+                  <a:srgbClr val="0000FF"/>
+                </a:solidFill>
+                <a:effectLst/>
+                <a:latin typeface="Consolas" panose="020B0609020204030204" pitchFamily="49" charset="0"/>
+              </a:rPr>
+              <a:t>10</a:t>
+            </a:r>
+            <a:r>
+              <a:rPr kumimoji="0" lang="en-US" altLang="en-US" sz="1600" b="1" i="0" u="none" strike="noStrike" cap="none" normalizeH="0" baseline="0" dirty="0" smtClean="0">
+                <a:ln>
+                  <a:noFill/>
+                </a:ln>
+                <a:solidFill>
+                  <a:srgbClr val="000000"/>
+                </a:solidFill>
+                <a:effectLst/>
+                <a:latin typeface="Consolas" panose="020B0609020204030204" pitchFamily="49" charset="0"/>
+              </a:rPr>
+              <a:t>; </a:t>
+            </a:r>
+            <a:r>
+              <a:rPr kumimoji="0" lang="en-US" altLang="en-US" sz="1600" b="1" i="0" u="none" strike="noStrike" cap="none" normalizeH="0" baseline="0" dirty="0" err="1" smtClean="0">
+                <a:ln>
+                  <a:noFill/>
+                </a:ln>
+                <a:solidFill>
+                  <a:srgbClr val="000000"/>
+                </a:solidFill>
+                <a:effectLst/>
+                <a:latin typeface="Consolas" panose="020B0609020204030204" pitchFamily="49" charset="0"/>
+              </a:rPr>
+              <a:t>i</a:t>
+            </a:r>
+            <a:r>
+              <a:rPr kumimoji="0" lang="en-US" altLang="en-US" sz="1600" b="1" i="0" u="none" strike="noStrike" cap="none" normalizeH="0" baseline="0" dirty="0" smtClean="0">
+                <a:ln>
+                  <a:noFill/>
+                </a:ln>
+                <a:solidFill>
+                  <a:srgbClr val="000000"/>
+                </a:solidFill>
+                <a:effectLst/>
+                <a:latin typeface="Consolas" panose="020B0609020204030204" pitchFamily="49" charset="0"/>
+              </a:rPr>
+              <a:t>++) {</a:t>
+            </a:r>
+            <a:br>
+              <a:rPr kumimoji="0" lang="en-US" altLang="en-US" sz="1600" b="1" i="0" u="none" strike="noStrike" cap="none" normalizeH="0" baseline="0" dirty="0" smtClean="0">
+                <a:ln>
+                  <a:noFill/>
+                </a:ln>
+                <a:solidFill>
+                  <a:srgbClr val="000000"/>
+                </a:solidFill>
+                <a:effectLst/>
+                <a:latin typeface="Consolas" panose="020B0609020204030204" pitchFamily="49" charset="0"/>
+              </a:rPr>
+            </a:br>
+            <a:r>
+              <a:rPr kumimoji="0" lang="en-US" altLang="en-US" sz="1600" b="1" i="0" u="none" strike="noStrike" cap="none" normalizeH="0" baseline="0" dirty="0" smtClean="0">
+                <a:ln>
+                  <a:noFill/>
+                </a:ln>
+                <a:solidFill>
+                  <a:srgbClr val="000000"/>
+                </a:solidFill>
+                <a:effectLst/>
+                <a:latin typeface="Consolas" panose="020B0609020204030204" pitchFamily="49" charset="0"/>
+              </a:rPr>
+              <a:t>    sum += A[</a:t>
+            </a:r>
+            <a:r>
+              <a:rPr kumimoji="0" lang="en-US" altLang="en-US" sz="1600" b="1" i="0" u="none" strike="noStrike" cap="none" normalizeH="0" baseline="0" dirty="0" err="1" smtClean="0">
+                <a:ln>
+                  <a:noFill/>
+                </a:ln>
+                <a:solidFill>
+                  <a:srgbClr val="000000"/>
+                </a:solidFill>
+                <a:effectLst/>
+                <a:latin typeface="Consolas" panose="020B0609020204030204" pitchFamily="49" charset="0"/>
+              </a:rPr>
+              <a:t>i</a:t>
+            </a:r>
+            <a:r>
+              <a:rPr kumimoji="0" lang="en-US" altLang="en-US" sz="1600" b="1" i="0" u="none" strike="noStrike" cap="none" normalizeH="0" baseline="0" dirty="0" smtClean="0">
+                <a:ln>
+                  <a:noFill/>
+                </a:ln>
+                <a:solidFill>
+                  <a:srgbClr val="000000"/>
+                </a:solidFill>
+                <a:effectLst/>
+                <a:latin typeface="Consolas" panose="020B0609020204030204" pitchFamily="49" charset="0"/>
+              </a:rPr>
+              <a:t>];</a:t>
+            </a:r>
+            <a:br>
+              <a:rPr kumimoji="0" lang="en-US" altLang="en-US" sz="1600" b="1" i="0" u="none" strike="noStrike" cap="none" normalizeH="0" baseline="0" dirty="0" smtClean="0">
+                <a:ln>
+                  <a:noFill/>
+                </a:ln>
+                <a:solidFill>
+                  <a:srgbClr val="000000"/>
+                </a:solidFill>
+                <a:effectLst/>
+                <a:latin typeface="Consolas" panose="020B0609020204030204" pitchFamily="49" charset="0"/>
+              </a:rPr>
+            </a:br>
+            <a:r>
+              <a:rPr kumimoji="0" lang="en-US" altLang="en-US" sz="1600" b="1" i="0" u="none" strike="noStrike" cap="none" normalizeH="0" baseline="0" dirty="0" smtClean="0">
+                <a:ln>
+                  <a:noFill/>
+                </a:ln>
+                <a:solidFill>
+                  <a:srgbClr val="000000"/>
+                </a:solidFill>
+                <a:effectLst/>
+                <a:latin typeface="Consolas" panose="020B0609020204030204" pitchFamily="49" charset="0"/>
+              </a:rPr>
+              <a:t>}</a:t>
+            </a:r>
+            <a:endParaRPr kumimoji="0" lang="en-US" altLang="en-US" sz="4000" b="1" i="0" u="none" strike="noStrike" cap="none" normalizeH="0" baseline="0" dirty="0" smtClean="0">
+              <a:ln>
+                <a:noFill/>
+              </a:ln>
+              <a:solidFill>
+                <a:schemeClr val="tx1"/>
+              </a:solidFill>
+              <a:effectLst/>
+              <a:latin typeface="Arial" panose="020B0604020202020204" pitchFamily="34" charset="0"/>
+            </a:endParaRPr>
+          </a:p>
+        </p:txBody>
+      </p:sp>
     </p:spTree>
     <p:extLst>
       <p:ext uri="{BB962C8B-B14F-4D97-AF65-F5344CB8AC3E}">
-        <p14:creationId xmlns:p14="http://schemas.microsoft.com/office/powerpoint/2010/main" xmlns="" val="4217875043"/>
+        <p14:creationId xmlns:p14="http://schemas.microsoft.com/office/powerpoint/2010/main" val="701500156"/>
       </p:ext>
     </p:extLst>
   </p:cSld>
   <p:clrMapOvr>
     <a:masterClrMapping/>
   </p:clrMapOvr>
-  <p:timing>
-    <p:tnLst>
-      <p:par>
-        <p:cTn id="1" dur="indefinite" restart="never" nodeType="tmRoot"/>
-      </p:par>
-    </p:tnLst>
-  </p:timing>
 </p:sld>
 </file>
 
@@ -6487,7 +11968,7 @@
   <a:extraClrSchemeLst/>
   <a:extLst>
     <a:ext uri="{05A4C25C-085E-4340-85A3-A5531E510DB2}">
-      <thm15:themeFamily xmlns:thm15="http://schemas.microsoft.com/office/thememl/2012/main" xmlns="" name="Office Theme" id="{62F939B6-93AF-4DB8-9C6B-D6C7DFDC589F}" vid="{4A3C46E8-61CC-4603-A589-7422A47A8E4A}"/>
+      <thm15:themeFamily xmlns:thm15="http://schemas.microsoft.com/office/thememl/2012/main" name="Office Theme" id="{62F939B6-93AF-4DB8-9C6B-D6C7DFDC589F}" vid="{4A3C46E8-61CC-4603-A589-7422A47A8E4A}"/>
     </a:ext>
   </a:extLst>
 </a:theme>
@@ -6748,7 +12229,7 @@
   <a:extraClrSchemeLst/>
   <a:extLst>
     <a:ext uri="{05A4C25C-085E-4340-85A3-A5531E510DB2}">
-      <thm15:themeFamily xmlns:thm15="http://schemas.microsoft.com/office/thememl/2012/main" xmlns="" name="Office Theme" id="{62F939B6-93AF-4DB8-9C6B-D6C7DFDC589F}" vid="{4A3C46E8-61CC-4603-A589-7422A47A8E4A}"/>
+      <thm15:themeFamily xmlns:thm15="http://schemas.microsoft.com/office/thememl/2012/main" name="Office Theme" id="{62F939B6-93AF-4DB8-9C6B-D6C7DFDC589F}" vid="{4A3C46E8-61CC-4603-A589-7422A47A8E4A}"/>
     </a:ext>
   </a:extLst>
 </a:theme>
@@ -7009,7 +12490,7 @@
   <a:extraClrSchemeLst/>
   <a:extLst>
     <a:ext uri="{05A4C25C-085E-4340-85A3-A5531E510DB2}">
-      <thm15:themeFamily xmlns:thm15="http://schemas.microsoft.com/office/thememl/2012/main" xmlns="" name="Office Theme" id="{62F939B6-93AF-4DB8-9C6B-D6C7DFDC589F}" vid="{4A3C46E8-61CC-4603-A589-7422A47A8E4A}"/>
+      <thm15:themeFamily xmlns:thm15="http://schemas.microsoft.com/office/thememl/2012/main" name="Office Theme" id="{62F939B6-93AF-4DB8-9C6B-D6C7DFDC589F}" vid="{4A3C46E8-61CC-4603-A589-7422A47A8E4A}"/>
     </a:ext>
   </a:extLst>
 </a:theme>
